--- a/WEB培训.pptx
+++ b/WEB培训.pptx
@@ -17,17 +17,25 @@
     <p:sldId id="270" r:id="rId11"/>
     <p:sldId id="263" r:id="rId12"/>
     <p:sldId id="278" r:id="rId13"/>
-    <p:sldId id="264" r:id="rId14"/>
-    <p:sldId id="265" r:id="rId15"/>
-    <p:sldId id="283" r:id="rId16"/>
-    <p:sldId id="279" r:id="rId17"/>
-    <p:sldId id="280" r:id="rId18"/>
-    <p:sldId id="281" r:id="rId19"/>
-    <p:sldId id="267" r:id="rId20"/>
-    <p:sldId id="272" r:id="rId21"/>
-    <p:sldId id="273" r:id="rId22"/>
-    <p:sldId id="271" r:id="rId23"/>
-    <p:sldId id="282" r:id="rId24"/>
+    <p:sldId id="284" r:id="rId14"/>
+    <p:sldId id="285" r:id="rId15"/>
+    <p:sldId id="286" r:id="rId16"/>
+    <p:sldId id="287" r:id="rId17"/>
+    <p:sldId id="288" r:id="rId18"/>
+    <p:sldId id="290" r:id="rId19"/>
+    <p:sldId id="289" r:id="rId20"/>
+    <p:sldId id="291" r:id="rId21"/>
+    <p:sldId id="264" r:id="rId22"/>
+    <p:sldId id="265" r:id="rId23"/>
+    <p:sldId id="283" r:id="rId24"/>
+    <p:sldId id="279" r:id="rId25"/>
+    <p:sldId id="280" r:id="rId26"/>
+    <p:sldId id="281" r:id="rId27"/>
+    <p:sldId id="267" r:id="rId28"/>
+    <p:sldId id="272" r:id="rId29"/>
+    <p:sldId id="273" r:id="rId30"/>
+    <p:sldId id="271" r:id="rId31"/>
+    <p:sldId id="282" r:id="rId32"/>
   </p:sldIdLst>
   <p:sldSz cx="12192000" cy="6858000"/>
   <p:notesSz cx="6858000" cy="9144000"/>
@@ -265,7 +273,7 @@
           <a:p>
             <a:fld id="{C512B41A-A085-441C-9110-ED8C3F922052}" type="datetimeFigureOut">
               <a:rPr lang="en-US" smtClean="0"/>
-              <a:t>8/20/2015</a:t>
+              <a:t>8/21/2015</a:t>
             </a:fld>
             <a:endParaRPr lang="en-US"/>
           </a:p>
@@ -435,7 +443,7 @@
           <a:p>
             <a:fld id="{C512B41A-A085-441C-9110-ED8C3F922052}" type="datetimeFigureOut">
               <a:rPr lang="en-US" smtClean="0"/>
-              <a:t>8/20/2015</a:t>
+              <a:t>8/21/2015</a:t>
             </a:fld>
             <a:endParaRPr lang="en-US"/>
           </a:p>
@@ -615,7 +623,7 @@
           <a:p>
             <a:fld id="{C512B41A-A085-441C-9110-ED8C3F922052}" type="datetimeFigureOut">
               <a:rPr lang="en-US" smtClean="0"/>
-              <a:t>8/20/2015</a:t>
+              <a:t>8/21/2015</a:t>
             </a:fld>
             <a:endParaRPr lang="en-US"/>
           </a:p>
@@ -785,7 +793,7 @@
           <a:p>
             <a:fld id="{C512B41A-A085-441C-9110-ED8C3F922052}" type="datetimeFigureOut">
               <a:rPr lang="en-US" smtClean="0"/>
-              <a:t>8/20/2015</a:t>
+              <a:t>8/21/2015</a:t>
             </a:fld>
             <a:endParaRPr lang="en-US"/>
           </a:p>
@@ -1031,7 +1039,7 @@
           <a:p>
             <a:fld id="{C512B41A-A085-441C-9110-ED8C3F922052}" type="datetimeFigureOut">
               <a:rPr lang="en-US" smtClean="0"/>
-              <a:t>8/20/2015</a:t>
+              <a:t>8/21/2015</a:t>
             </a:fld>
             <a:endParaRPr lang="en-US"/>
           </a:p>
@@ -1263,7 +1271,7 @@
           <a:p>
             <a:fld id="{C512B41A-A085-441C-9110-ED8C3F922052}" type="datetimeFigureOut">
               <a:rPr lang="en-US" smtClean="0"/>
-              <a:t>8/20/2015</a:t>
+              <a:t>8/21/2015</a:t>
             </a:fld>
             <a:endParaRPr lang="en-US"/>
           </a:p>
@@ -1630,7 +1638,7 @@
           <a:p>
             <a:fld id="{C512B41A-A085-441C-9110-ED8C3F922052}" type="datetimeFigureOut">
               <a:rPr lang="en-US" smtClean="0"/>
-              <a:t>8/20/2015</a:t>
+              <a:t>8/21/2015</a:t>
             </a:fld>
             <a:endParaRPr lang="en-US"/>
           </a:p>
@@ -1748,7 +1756,7 @@
           <a:p>
             <a:fld id="{C512B41A-A085-441C-9110-ED8C3F922052}" type="datetimeFigureOut">
               <a:rPr lang="en-US" smtClean="0"/>
-              <a:t>8/20/2015</a:t>
+              <a:t>8/21/2015</a:t>
             </a:fld>
             <a:endParaRPr lang="en-US"/>
           </a:p>
@@ -1843,7 +1851,7 @@
           <a:p>
             <a:fld id="{C512B41A-A085-441C-9110-ED8C3F922052}" type="datetimeFigureOut">
               <a:rPr lang="en-US" smtClean="0"/>
-              <a:t>8/20/2015</a:t>
+              <a:t>8/21/2015</a:t>
             </a:fld>
             <a:endParaRPr lang="en-US"/>
           </a:p>
@@ -2120,7 +2128,7 @@
           <a:p>
             <a:fld id="{C512B41A-A085-441C-9110-ED8C3F922052}" type="datetimeFigureOut">
               <a:rPr lang="en-US" smtClean="0"/>
-              <a:t>8/20/2015</a:t>
+              <a:t>8/21/2015</a:t>
             </a:fld>
             <a:endParaRPr lang="en-US"/>
           </a:p>
@@ -2373,7 +2381,7 @@
           <a:p>
             <a:fld id="{C512B41A-A085-441C-9110-ED8C3F922052}" type="datetimeFigureOut">
               <a:rPr lang="en-US" smtClean="0"/>
-              <a:t>8/20/2015</a:t>
+              <a:t>8/21/2015</a:t>
             </a:fld>
             <a:endParaRPr lang="en-US"/>
           </a:p>
@@ -2586,7 +2594,7 @@
           <a:p>
             <a:fld id="{C512B41A-A085-441C-9110-ED8C3F922052}" type="datetimeFigureOut">
               <a:rPr lang="en-US" smtClean="0"/>
-              <a:t>8/20/2015</a:t>
+              <a:t>8/21/2015</a:t>
             </a:fld>
             <a:endParaRPr lang="en-US"/>
           </a:p>
@@ -3839,22 +3847,20 @@
           <a:lstStyle/>
           <a:p>
             <a:r>
-              <a:rPr lang="en-US" dirty="0">
-                <a:latin typeface="微软雅黑" panose="020B0503020204020204" pitchFamily="34" charset="-122"/>
-                <a:ea typeface="微软雅黑" panose="020B0503020204020204" pitchFamily="34" charset="-122"/>
-              </a:rPr>
-              <a:t>Bootstrap(bootcss.com)</a:t>
-            </a:r>
-            <a:endParaRPr lang="en-US" dirty="0">
-              <a:latin typeface="微软雅黑" panose="020B0503020204020204" pitchFamily="34" charset="-122"/>
-              <a:ea typeface="微软雅黑" panose="020B0503020204020204" pitchFamily="34" charset="-122"/>
-            </a:endParaRPr>
-          </a:p>
-        </p:txBody>
-      </p:sp>
-      <p:sp>
-        <p:nvSpPr>
-          <p:cNvPr id="3" name="内容占位符 2"/>
+              <a:rPr lang="en-US" dirty="0" smtClean="0"/>
+              <a:t>Less </a:t>
+            </a:r>
+            <a:r>
+              <a:rPr lang="zh-CN" altLang="en-US" dirty="0" smtClean="0"/>
+              <a:t>变量</a:t>
+            </a:r>
+            <a:endParaRPr lang="en-US" dirty="0"/>
+          </a:p>
+        </p:txBody>
+      </p:sp>
+      <p:sp>
+        <p:nvSpPr>
+          <p:cNvPr id="4" name="内容占位符 2"/>
           <p:cNvSpPr>
             <a:spLocks noGrp="1"/>
           </p:cNvSpPr>
@@ -3862,94 +3868,194 @@
             <p:ph idx="1"/>
           </p:nvPr>
         </p:nvSpPr>
-        <p:spPr/>
-        <p:txBody>
-          <a:bodyPr/>
-          <a:lstStyle/>
-          <a:p>
-            <a:pPr marL="0" indent="0">
-              <a:buNone/>
-            </a:pPr>
-            <a:r>
-              <a:rPr lang="en-US" altLang="zh-CN" dirty="0" smtClean="0"/>
-              <a:t>	</a:t>
-            </a:r>
-            <a:r>
-              <a:rPr lang="zh-CN" altLang="en-US" dirty="0" smtClean="0"/>
-              <a:t>基于</a:t>
-            </a:r>
+        <p:spPr>
+          <a:xfrm>
+            <a:off x="838200" y="1825625"/>
+            <a:ext cx="10515600" cy="4351338"/>
+          </a:xfrm>
+        </p:spPr>
+        <p:style>
+          <a:lnRef idx="2">
+            <a:schemeClr val="accent1"/>
+          </a:lnRef>
+          <a:fillRef idx="1">
+            <a:schemeClr val="lt1"/>
+          </a:fillRef>
+          <a:effectRef idx="0">
+            <a:schemeClr val="accent1"/>
+          </a:effectRef>
+          <a:fontRef idx="minor">
+            <a:schemeClr val="dk1"/>
+          </a:fontRef>
+        </p:style>
+        <p:txBody>
+          <a:bodyPr>
+            <a:normAutofit fontScale="62500" lnSpcReduction="20000"/>
+          </a:bodyPr>
+          <a:lstStyle/>
+          <a:p>
+            <a:pPr marL="0" indent="0">
+              <a:buNone/>
+            </a:pPr>
             <a:r>
               <a:rPr lang="en-US" dirty="0" smtClean="0"/>
-              <a:t>HTML，CSS，JAVASCRIPT</a:t>
-            </a:r>
-            <a:r>
-              <a:rPr lang="zh-CN" altLang="en-US" dirty="0" smtClean="0"/>
-              <a:t>的简洁灵活的流行前端框架及交互组件</a:t>
-            </a:r>
-            <a:r>
-              <a:rPr lang="zh-CN" altLang="en-US" dirty="0" smtClean="0"/>
-              <a:t>集</a:t>
-            </a:r>
-            <a:endParaRPr lang="en-US" altLang="zh-CN" dirty="0" smtClean="0"/>
-          </a:p>
-          <a:p>
-            <a:pPr marL="0" indent="0">
-              <a:buNone/>
-            </a:pPr>
-            <a:endParaRPr lang="en-US" altLang="zh-CN" dirty="0" smtClean="0"/>
-          </a:p>
-          <a:p>
-            <a:pPr marL="514350" indent="-514350">
-              <a:buFont typeface="+mj-lt"/>
-              <a:buAutoNum type="arabicPeriod"/>
-            </a:pPr>
-            <a:r>
-              <a:rPr lang="zh-CN" altLang="en-US" dirty="0" smtClean="0"/>
-              <a:t>自定义</a:t>
-            </a:r>
-            <a:endParaRPr lang="en-US" altLang="zh-CN" dirty="0" smtClean="0"/>
-          </a:p>
-          <a:p>
-            <a:pPr marL="514350" indent="-514350">
-              <a:buFont typeface="+mj-lt"/>
-              <a:buAutoNum type="arabicPeriod"/>
-            </a:pPr>
-            <a:r>
-              <a:rPr lang="zh-CN" altLang="en-US" dirty="0" smtClean="0"/>
-              <a:t>编译</a:t>
-            </a:r>
-            <a:endParaRPr lang="en-US" altLang="zh-CN" dirty="0" smtClean="0"/>
-          </a:p>
-          <a:p>
-            <a:pPr marL="514350" indent="-514350">
-              <a:buFont typeface="+mj-lt"/>
-              <a:buAutoNum type="arabicPeriod"/>
-            </a:pPr>
-            <a:r>
-              <a:rPr lang="zh-CN" altLang="en-US" dirty="0"/>
-              <a:t>使用</a:t>
-            </a:r>
-            <a:endParaRPr lang="en-US" altLang="zh-CN" dirty="0" smtClean="0"/>
+              <a:t>@</a:t>
+            </a:r>
+            <a:r>
+              <a:rPr lang="en-US" dirty="0"/>
+              <a:t>link-color:        #428bca; // sea blue</a:t>
+            </a:r>
+          </a:p>
+          <a:p>
+            <a:pPr marL="0" indent="0">
+              <a:buNone/>
+            </a:pPr>
+            <a:r>
+              <a:rPr lang="en-US" dirty="0"/>
+              <a:t>@link-color-hover:  darken(@link-color, 10</a:t>
+            </a:r>
+            <a:r>
+              <a:rPr lang="en-US" dirty="0" smtClean="0"/>
+              <a:t>%);</a:t>
+            </a:r>
+            <a:endParaRPr lang="en-US" dirty="0"/>
+          </a:p>
+          <a:p>
+            <a:pPr marL="0" indent="0">
+              <a:buNone/>
+            </a:pPr>
+            <a:r>
+              <a:rPr lang="en-US" dirty="0" smtClean="0"/>
+              <a:t>a</a:t>
+            </a:r>
+            <a:r>
+              <a:rPr lang="en-US" dirty="0"/>
+              <a:t>,</a:t>
+            </a:r>
+          </a:p>
+          <a:p>
+            <a:pPr marL="0" indent="0">
+              <a:buNone/>
+            </a:pPr>
+            <a:r>
+              <a:rPr lang="en-US" dirty="0"/>
+              <a:t>.link {</a:t>
+            </a:r>
+          </a:p>
+          <a:p>
+            <a:pPr marL="0" indent="0">
+              <a:buNone/>
+            </a:pPr>
+            <a:r>
+              <a:rPr lang="en-US" dirty="0"/>
+              <a:t>  color: @link-color;</a:t>
+            </a:r>
+          </a:p>
+          <a:p>
+            <a:pPr marL="0" indent="0">
+              <a:buNone/>
+            </a:pPr>
+            <a:r>
+              <a:rPr lang="en-US" dirty="0"/>
+              <a:t>}</a:t>
+            </a:r>
+          </a:p>
+          <a:p>
+            <a:pPr marL="0" indent="0">
+              <a:buNone/>
+            </a:pPr>
+            <a:r>
+              <a:rPr lang="en-US" dirty="0"/>
+              <a:t>a:hover {</a:t>
+            </a:r>
+          </a:p>
+          <a:p>
+            <a:pPr marL="0" indent="0">
+              <a:buNone/>
+            </a:pPr>
+            <a:r>
+              <a:rPr lang="en-US" dirty="0"/>
+              <a:t>  color: @link-color-hover;</a:t>
+            </a:r>
+          </a:p>
+          <a:p>
+            <a:pPr marL="0" indent="0">
+              <a:buNone/>
+            </a:pPr>
+            <a:r>
+              <a:rPr lang="en-US" dirty="0"/>
+              <a:t>}</a:t>
+            </a:r>
+          </a:p>
+          <a:p>
+            <a:pPr marL="0" indent="0">
+              <a:buNone/>
+            </a:pPr>
+            <a:r>
+              <a:rPr lang="en-US" dirty="0"/>
+              <a:t>.widget {</a:t>
+            </a:r>
+          </a:p>
+          <a:p>
+            <a:pPr marL="0" indent="0">
+              <a:buNone/>
+            </a:pPr>
+            <a:r>
+              <a:rPr lang="en-US" dirty="0"/>
+              <a:t>  color: #</a:t>
+            </a:r>
+            <a:r>
+              <a:rPr lang="en-US" dirty="0" err="1"/>
+              <a:t>fff</a:t>
+            </a:r>
+            <a:r>
+              <a:rPr lang="en-US" dirty="0"/>
+              <a:t>;</a:t>
+            </a:r>
+          </a:p>
+          <a:p>
+            <a:pPr marL="0" indent="0">
+              <a:buNone/>
+            </a:pPr>
+            <a:r>
+              <a:rPr lang="en-US" dirty="0"/>
+              <a:t>  </a:t>
+            </a:r>
+            <a:r>
+              <a:rPr lang="en-US" dirty="0" smtClean="0"/>
+              <a:t>background</a:t>
+            </a:r>
+            <a:r>
+              <a:rPr lang="en-US" dirty="0"/>
+              <a:t>: @link-color</a:t>
+            </a:r>
+            <a:r>
+              <a:rPr lang="en-US" dirty="0" smtClean="0"/>
+              <a:t>;</a:t>
+            </a:r>
+          </a:p>
+          <a:p>
+            <a:pPr marL="0" indent="0">
+              <a:buNone/>
+            </a:pPr>
+            <a:r>
+              <a:rPr lang="en-US" altLang="zh-CN" dirty="0"/>
+              <a:t>}</a:t>
+            </a:r>
+            <a:endParaRPr lang="en-US" dirty="0"/>
           </a:p>
         </p:txBody>
       </p:sp>
     </p:spTree>
     <p:extLst>
       <p:ext uri="{BB962C8B-B14F-4D97-AF65-F5344CB8AC3E}">
-        <p14:creationId xmlns:p14="http://schemas.microsoft.com/office/powerpoint/2010/main" val="2044090847"/>
+        <p14:creationId xmlns:p14="http://schemas.microsoft.com/office/powerpoint/2010/main" val="2071278180"/>
       </p:ext>
     </p:extLst>
   </p:cSld>
   <p:clrMapOvr>
     <a:masterClrMapping/>
   </p:clrMapOvr>
-  <p:timing>
-    <p:tnLst>
-      <p:par>
-        <p:cTn id="1" dur="indefinite" restart="never" nodeType="tmRoot"/>
-      </p:par>
-    </p:tnLst>
-  </p:timing>
 </p:sld>
 </file>
 
@@ -3986,29 +4092,32 @@
           <a:lstStyle/>
           <a:p>
             <a:r>
-              <a:rPr lang="en-US" dirty="0" smtClean="0">
-                <a:latin typeface="微软雅黑" panose="020B0503020204020204" pitchFamily="34" charset="-122"/>
-                <a:ea typeface="微软雅黑" panose="020B0503020204020204" pitchFamily="34" charset="-122"/>
-              </a:rPr>
-              <a:t>Grunt</a:t>
-            </a:r>
-            <a:r>
-              <a:rPr lang="en-US" dirty="0" smtClean="0">
-                <a:latin typeface="微软雅黑" panose="020B0503020204020204" pitchFamily="34" charset="-122"/>
-                <a:ea typeface="微软雅黑" panose="020B0503020204020204" pitchFamily="34" charset="-122"/>
-              </a:rPr>
-              <a:t>(www.gruntjs.net)</a:t>
-            </a:r>
-            <a:endParaRPr lang="en-US" dirty="0">
-              <a:latin typeface="微软雅黑" panose="020B0503020204020204" pitchFamily="34" charset="-122"/>
-              <a:ea typeface="微软雅黑" panose="020B0503020204020204" pitchFamily="34" charset="-122"/>
-            </a:endParaRPr>
-          </a:p>
-        </p:txBody>
-      </p:sp>
-      <p:sp>
-        <p:nvSpPr>
-          <p:cNvPr id="3" name="内容占位符 2"/>
+              <a:rPr lang="en-US" dirty="0" smtClean="0"/>
+              <a:t>Less </a:t>
+            </a:r>
+            <a:r>
+              <a:rPr lang="en-US" dirty="0" err="1" smtClean="0"/>
+              <a:t>Mixins</a:t>
+            </a:r>
+            <a:r>
+              <a:rPr lang="en-US" dirty="0" smtClean="0"/>
+              <a:t>(</a:t>
+            </a:r>
+            <a:r>
+              <a:rPr lang="zh-CN" altLang="en-US" dirty="0" smtClean="0"/>
+              <a:t>混合</a:t>
+            </a:r>
+            <a:r>
+              <a:rPr lang="en-US" dirty="0" smtClean="0"/>
+              <a:t>)</a:t>
+            </a:r>
+            <a:endParaRPr lang="en-US" dirty="0"/>
+          </a:p>
+        </p:txBody>
+      </p:sp>
+      <p:sp>
+        <p:nvSpPr>
+          <p:cNvPr id="6" name="内容占位符 2"/>
           <p:cNvSpPr>
             <a:spLocks noGrp="1"/>
           </p:cNvSpPr>
@@ -4016,119 +4125,383 @@
             <p:ph idx="1"/>
           </p:nvPr>
         </p:nvSpPr>
-        <p:spPr/>
-        <p:txBody>
-          <a:bodyPr/>
-          <a:lstStyle/>
-          <a:p>
-            <a:r>
-              <a:rPr lang="en-US" altLang="zh-CN" dirty="0" err="1" smtClean="0"/>
-              <a:t>Javascript</a:t>
-            </a:r>
-            <a:r>
-              <a:rPr lang="en-US" altLang="zh-CN" dirty="0" smtClean="0"/>
-              <a:t> </a:t>
-            </a:r>
-            <a:r>
-              <a:rPr lang="zh-CN" altLang="en-US" dirty="0" smtClean="0"/>
-              <a:t>世界</a:t>
-            </a:r>
-            <a:r>
-              <a:rPr lang="zh-CN" altLang="en-US" dirty="0"/>
-              <a:t>的构建</a:t>
-            </a:r>
-            <a:r>
-              <a:rPr lang="zh-CN" altLang="en-US" dirty="0" smtClean="0"/>
-              <a:t>工具</a:t>
-            </a:r>
-            <a:endParaRPr lang="en-US" altLang="zh-CN" dirty="0"/>
-          </a:p>
-          <a:p>
-            <a:r>
-              <a:rPr lang="zh-CN" altLang="en-US" dirty="0" smtClean="0"/>
-              <a:t>自动化完成工具</a:t>
-            </a:r>
-            <a:endParaRPr lang="en-US" altLang="zh-CN" dirty="0" smtClean="0"/>
-          </a:p>
-          <a:p>
-            <a:r>
-              <a:rPr lang="zh-CN" altLang="en-US" dirty="0" smtClean="0"/>
-              <a:t>有庞大的生态系统</a:t>
-            </a:r>
-            <a:endParaRPr lang="en-US" altLang="zh-CN" dirty="0" smtClean="0"/>
-          </a:p>
-          <a:p>
-            <a:pPr marL="0" indent="0">
-              <a:buNone/>
-            </a:pPr>
-            <a:endParaRPr lang="en-US" altLang="zh-CN" dirty="0" smtClean="0"/>
-          </a:p>
-          <a:p>
-            <a:pPr marL="0" indent="0">
-              <a:buNone/>
-            </a:pPr>
-            <a:r>
-              <a:rPr lang="en-US" dirty="0"/>
-              <a:t>	</a:t>
-            </a:r>
-            <a:r>
-              <a:rPr lang="zh-CN" altLang="en-US" dirty="0" smtClean="0"/>
-              <a:t>安装 </a:t>
-            </a:r>
-            <a:r>
-              <a:rPr lang="en-US" altLang="zh-CN" dirty="0" smtClean="0"/>
-              <a:t>:</a:t>
-            </a:r>
-            <a:r>
-              <a:rPr lang="en-US" altLang="zh-CN" dirty="0" err="1" smtClean="0"/>
-              <a:t>npm</a:t>
-            </a:r>
-            <a:r>
-              <a:rPr lang="en-US" altLang="zh-CN" dirty="0"/>
-              <a:t> install </a:t>
-            </a:r>
-            <a:r>
-              <a:rPr lang="en-US" altLang="zh-CN" dirty="0" smtClean="0"/>
-              <a:t>grunt-cli –g</a:t>
-            </a:r>
-          </a:p>
-          <a:p>
-            <a:pPr marL="0" indent="0">
-              <a:buNone/>
-            </a:pPr>
-            <a:r>
-              <a:rPr lang="en-US" dirty="0"/>
-              <a:t>	</a:t>
-            </a:r>
-            <a:r>
-              <a:rPr lang="zh-CN" altLang="en-US" dirty="0" smtClean="0"/>
-              <a:t>使用</a:t>
-            </a:r>
-            <a:r>
-              <a:rPr lang="en-US" altLang="zh-CN" dirty="0" smtClean="0"/>
-              <a:t>:</a:t>
-            </a:r>
-          </a:p>
-          <a:p>
-            <a:pPr marL="0" indent="0">
-              <a:buNone/>
-            </a:pPr>
-            <a:r>
-              <a:rPr lang="en-US" dirty="0"/>
-              <a:t>	</a:t>
-            </a:r>
-            <a:r>
-              <a:rPr lang="en-US" dirty="0" smtClean="0"/>
-              <a:t>	grunt xx</a:t>
-            </a:r>
-            <a:endParaRPr lang="en-US" dirty="0"/>
+        <p:spPr>
+          <a:xfrm>
+            <a:off x="838200" y="1506972"/>
+            <a:ext cx="10515600" cy="1499466"/>
+          </a:xfrm>
+        </p:spPr>
+        <p:style>
+          <a:lnRef idx="2">
+            <a:schemeClr val="accent1"/>
+          </a:lnRef>
+          <a:fillRef idx="1">
+            <a:schemeClr val="lt1"/>
+          </a:fillRef>
+          <a:effectRef idx="0">
+            <a:schemeClr val="accent1"/>
+          </a:effectRef>
+          <a:fontRef idx="minor">
+            <a:schemeClr val="dk1"/>
+          </a:fontRef>
+        </p:style>
+        <p:txBody>
+          <a:bodyPr>
+            <a:normAutofit lnSpcReduction="10000"/>
+          </a:bodyPr>
+          <a:lstStyle/>
+          <a:p>
+            <a:pPr marL="0" indent="0">
+              <a:lnSpc>
+                <a:spcPct val="100000"/>
+              </a:lnSpc>
+              <a:buNone/>
+            </a:pPr>
+            <a:r>
+              <a:rPr lang="en-US" sz="1800" dirty="0"/>
+              <a:t>.bordered {</a:t>
+            </a:r>
+          </a:p>
+          <a:p>
+            <a:pPr marL="0" indent="0">
+              <a:lnSpc>
+                <a:spcPct val="100000"/>
+              </a:lnSpc>
+              <a:buNone/>
+            </a:pPr>
+            <a:r>
+              <a:rPr lang="en-US" sz="1800" dirty="0"/>
+              <a:t>    border-top: dotted 1px black;</a:t>
+            </a:r>
+          </a:p>
+          <a:p>
+            <a:pPr marL="0" indent="0">
+              <a:lnSpc>
+                <a:spcPct val="100000"/>
+              </a:lnSpc>
+              <a:buNone/>
+            </a:pPr>
+            <a:r>
+              <a:rPr lang="en-US" sz="1800" dirty="0"/>
+              <a:t>    border-bottom: solid 2px black;</a:t>
+            </a:r>
+          </a:p>
+          <a:p>
+            <a:pPr marL="0" indent="0">
+              <a:lnSpc>
+                <a:spcPct val="100000"/>
+              </a:lnSpc>
+              <a:buNone/>
+            </a:pPr>
+            <a:r>
+              <a:rPr lang="en-US" sz="1800" dirty="0"/>
+              <a:t>}</a:t>
+            </a:r>
+            <a:endParaRPr lang="en-US" sz="1800" dirty="0"/>
+          </a:p>
+        </p:txBody>
+      </p:sp>
+      <p:sp>
+        <p:nvSpPr>
+          <p:cNvPr id="7" name="内容占位符 2"/>
+          <p:cNvSpPr txBox="1">
+            <a:spLocks/>
+          </p:cNvSpPr>
+          <p:nvPr/>
+        </p:nvSpPr>
+        <p:spPr>
+          <a:xfrm>
+            <a:off x="838200" y="3218436"/>
+            <a:ext cx="10515600" cy="3182364"/>
+          </a:xfrm>
+          <a:prstGeom prst="rect">
+            <a:avLst/>
+          </a:prstGeom>
+        </p:spPr>
+        <p:style>
+          <a:lnRef idx="2">
+            <a:schemeClr val="accent1"/>
+          </a:lnRef>
+          <a:fillRef idx="1">
+            <a:schemeClr val="lt1"/>
+          </a:fillRef>
+          <a:effectRef idx="0">
+            <a:schemeClr val="accent1"/>
+          </a:effectRef>
+          <a:fontRef idx="minor">
+            <a:schemeClr val="dk1"/>
+          </a:fontRef>
+        </p:style>
+        <p:txBody>
+          <a:bodyPr vert="horz" lIns="91440" tIns="45720" rIns="91440" bIns="45720" rtlCol="0">
+            <a:noAutofit/>
+          </a:bodyPr>
+          <a:lstStyle>
+            <a:lvl1pPr marL="228600" indent="-228600" algn="l" defTabSz="914400" rtl="0" eaLnBrk="1" latinLnBrk="0" hangingPunct="1">
+              <a:lnSpc>
+                <a:spcPct val="90000"/>
+              </a:lnSpc>
+              <a:spcBef>
+                <a:spcPts val="1000"/>
+              </a:spcBef>
+              <a:buFont typeface="Arial" panose="020B0604020202020204" pitchFamily="34" charset="0"/>
+              <a:buChar char="•"/>
+              <a:defRPr sz="2800" kern="1200">
+                <a:solidFill>
+                  <a:schemeClr val="dk1"/>
+                </a:solidFill>
+                <a:latin typeface="+mn-lt"/>
+                <a:ea typeface="+mn-ea"/>
+                <a:cs typeface="+mn-cs"/>
+              </a:defRPr>
+            </a:lvl1pPr>
+            <a:lvl2pPr marL="685800" indent="-228600" algn="l" defTabSz="914400" rtl="0" eaLnBrk="1" latinLnBrk="0" hangingPunct="1">
+              <a:lnSpc>
+                <a:spcPct val="90000"/>
+              </a:lnSpc>
+              <a:spcBef>
+                <a:spcPts val="500"/>
+              </a:spcBef>
+              <a:buFont typeface="Arial" panose="020B0604020202020204" pitchFamily="34" charset="0"/>
+              <a:buChar char="•"/>
+              <a:defRPr sz="2400" kern="1200">
+                <a:solidFill>
+                  <a:schemeClr val="dk1"/>
+                </a:solidFill>
+                <a:latin typeface="+mn-lt"/>
+                <a:ea typeface="+mn-ea"/>
+                <a:cs typeface="+mn-cs"/>
+              </a:defRPr>
+            </a:lvl2pPr>
+            <a:lvl3pPr marL="1143000" indent="-228600" algn="l" defTabSz="914400" rtl="0" eaLnBrk="1" latinLnBrk="0" hangingPunct="1">
+              <a:lnSpc>
+                <a:spcPct val="90000"/>
+              </a:lnSpc>
+              <a:spcBef>
+                <a:spcPts val="500"/>
+              </a:spcBef>
+              <a:buFont typeface="Arial" panose="020B0604020202020204" pitchFamily="34" charset="0"/>
+              <a:buChar char="•"/>
+              <a:defRPr sz="2000" kern="1200">
+                <a:solidFill>
+                  <a:schemeClr val="dk1"/>
+                </a:solidFill>
+                <a:latin typeface="+mn-lt"/>
+                <a:ea typeface="+mn-ea"/>
+                <a:cs typeface="+mn-cs"/>
+              </a:defRPr>
+            </a:lvl3pPr>
+            <a:lvl4pPr marL="1600200" indent="-228600" algn="l" defTabSz="914400" rtl="0" eaLnBrk="1" latinLnBrk="0" hangingPunct="1">
+              <a:lnSpc>
+                <a:spcPct val="90000"/>
+              </a:lnSpc>
+              <a:spcBef>
+                <a:spcPts val="500"/>
+              </a:spcBef>
+              <a:buFont typeface="Arial" panose="020B0604020202020204" pitchFamily="34" charset="0"/>
+              <a:buChar char="•"/>
+              <a:defRPr sz="1800" kern="1200">
+                <a:solidFill>
+                  <a:schemeClr val="dk1"/>
+                </a:solidFill>
+                <a:latin typeface="+mn-lt"/>
+                <a:ea typeface="+mn-ea"/>
+                <a:cs typeface="+mn-cs"/>
+              </a:defRPr>
+            </a:lvl4pPr>
+            <a:lvl5pPr marL="2057400" indent="-228600" algn="l" defTabSz="914400" rtl="0" eaLnBrk="1" latinLnBrk="0" hangingPunct="1">
+              <a:lnSpc>
+                <a:spcPct val="90000"/>
+              </a:lnSpc>
+              <a:spcBef>
+                <a:spcPts val="500"/>
+              </a:spcBef>
+              <a:buFont typeface="Arial" panose="020B0604020202020204" pitchFamily="34" charset="0"/>
+              <a:buChar char="•"/>
+              <a:defRPr sz="1800" kern="1200">
+                <a:solidFill>
+                  <a:schemeClr val="dk1"/>
+                </a:solidFill>
+                <a:latin typeface="+mn-lt"/>
+                <a:ea typeface="+mn-ea"/>
+                <a:cs typeface="+mn-cs"/>
+              </a:defRPr>
+            </a:lvl5pPr>
+            <a:lvl6pPr marL="2514600" indent="-228600" algn="l" defTabSz="914400" rtl="0" eaLnBrk="1" latinLnBrk="0" hangingPunct="1">
+              <a:lnSpc>
+                <a:spcPct val="90000"/>
+              </a:lnSpc>
+              <a:spcBef>
+                <a:spcPts val="500"/>
+              </a:spcBef>
+              <a:buFont typeface="Arial" panose="020B0604020202020204" pitchFamily="34" charset="0"/>
+              <a:buChar char="•"/>
+              <a:defRPr sz="1800" kern="1200">
+                <a:solidFill>
+                  <a:schemeClr val="dk1"/>
+                </a:solidFill>
+                <a:latin typeface="+mn-lt"/>
+                <a:ea typeface="+mn-ea"/>
+                <a:cs typeface="+mn-cs"/>
+              </a:defRPr>
+            </a:lvl6pPr>
+            <a:lvl7pPr marL="2971800" indent="-228600" algn="l" defTabSz="914400" rtl="0" eaLnBrk="1" latinLnBrk="0" hangingPunct="1">
+              <a:lnSpc>
+                <a:spcPct val="90000"/>
+              </a:lnSpc>
+              <a:spcBef>
+                <a:spcPts val="500"/>
+              </a:spcBef>
+              <a:buFont typeface="Arial" panose="020B0604020202020204" pitchFamily="34" charset="0"/>
+              <a:buChar char="•"/>
+              <a:defRPr sz="1800" kern="1200">
+                <a:solidFill>
+                  <a:schemeClr val="dk1"/>
+                </a:solidFill>
+                <a:latin typeface="+mn-lt"/>
+                <a:ea typeface="+mn-ea"/>
+                <a:cs typeface="+mn-cs"/>
+              </a:defRPr>
+            </a:lvl7pPr>
+            <a:lvl8pPr marL="3429000" indent="-228600" algn="l" defTabSz="914400" rtl="0" eaLnBrk="1" latinLnBrk="0" hangingPunct="1">
+              <a:lnSpc>
+                <a:spcPct val="90000"/>
+              </a:lnSpc>
+              <a:spcBef>
+                <a:spcPts val="500"/>
+              </a:spcBef>
+              <a:buFont typeface="Arial" panose="020B0604020202020204" pitchFamily="34" charset="0"/>
+              <a:buChar char="•"/>
+              <a:defRPr sz="1800" kern="1200">
+                <a:solidFill>
+                  <a:schemeClr val="dk1"/>
+                </a:solidFill>
+                <a:latin typeface="+mn-lt"/>
+                <a:ea typeface="+mn-ea"/>
+                <a:cs typeface="+mn-cs"/>
+              </a:defRPr>
+            </a:lvl8pPr>
+            <a:lvl9pPr marL="3886200" indent="-228600" algn="l" defTabSz="914400" rtl="0" eaLnBrk="1" latinLnBrk="0" hangingPunct="1">
+              <a:lnSpc>
+                <a:spcPct val="90000"/>
+              </a:lnSpc>
+              <a:spcBef>
+                <a:spcPts val="500"/>
+              </a:spcBef>
+              <a:buFont typeface="Arial" panose="020B0604020202020204" pitchFamily="34" charset="0"/>
+              <a:buChar char="•"/>
+              <a:defRPr sz="1800" kern="1200">
+                <a:solidFill>
+                  <a:schemeClr val="dk1"/>
+                </a:solidFill>
+                <a:latin typeface="+mn-lt"/>
+                <a:ea typeface="+mn-ea"/>
+                <a:cs typeface="+mn-cs"/>
+              </a:defRPr>
+            </a:lvl9pPr>
+          </a:lstStyle>
+          <a:p>
+            <a:pPr marL="0" indent="0">
+              <a:lnSpc>
+                <a:spcPct val="100000"/>
+              </a:lnSpc>
+              <a:buNone/>
+            </a:pPr>
+            <a:r>
+              <a:rPr lang="en-US" sz="1800" dirty="0"/>
+              <a:t>#menu a {</a:t>
+            </a:r>
+          </a:p>
+          <a:p>
+            <a:pPr marL="0" indent="0">
+              <a:lnSpc>
+                <a:spcPct val="100000"/>
+              </a:lnSpc>
+              <a:buNone/>
+            </a:pPr>
+            <a:r>
+              <a:rPr lang="en-US" sz="1800" dirty="0"/>
+              <a:t>    color: #111;</a:t>
+            </a:r>
+          </a:p>
+          <a:p>
+            <a:pPr marL="0" indent="0">
+              <a:lnSpc>
+                <a:spcPct val="100000"/>
+              </a:lnSpc>
+              <a:buNone/>
+            </a:pPr>
+            <a:r>
+              <a:rPr lang="en-US" sz="1800" dirty="0"/>
+              <a:t>    .bordered;</a:t>
+            </a:r>
+          </a:p>
+          <a:p>
+            <a:pPr marL="0" indent="0">
+              <a:lnSpc>
+                <a:spcPct val="100000"/>
+              </a:lnSpc>
+              <a:buNone/>
+            </a:pPr>
+            <a:r>
+              <a:rPr lang="en-US" sz="1800" dirty="0"/>
+              <a:t>}</a:t>
+            </a:r>
+          </a:p>
+          <a:p>
+            <a:pPr marL="0" indent="0">
+              <a:lnSpc>
+                <a:spcPct val="100000"/>
+              </a:lnSpc>
+              <a:buNone/>
+            </a:pPr>
+            <a:r>
+              <a:rPr lang="en-US" sz="1800" dirty="0"/>
+              <a:t>.post a {</a:t>
+            </a:r>
+          </a:p>
+          <a:p>
+            <a:pPr marL="0" indent="0">
+              <a:lnSpc>
+                <a:spcPct val="100000"/>
+              </a:lnSpc>
+              <a:buNone/>
+            </a:pPr>
+            <a:r>
+              <a:rPr lang="en-US" sz="1800" dirty="0"/>
+              <a:t>    color: red;</a:t>
+            </a:r>
+          </a:p>
+          <a:p>
+            <a:pPr marL="0" indent="0">
+              <a:lnSpc>
+                <a:spcPct val="100000"/>
+              </a:lnSpc>
+              <a:buNone/>
+            </a:pPr>
+            <a:r>
+              <a:rPr lang="en-US" sz="1800" dirty="0"/>
+              <a:t>    .bordered;</a:t>
+            </a:r>
+          </a:p>
+          <a:p>
+            <a:pPr marL="0" indent="0">
+              <a:lnSpc>
+                <a:spcPct val="100000"/>
+              </a:lnSpc>
+              <a:buNone/>
+            </a:pPr>
+            <a:r>
+              <a:rPr lang="en-US" sz="1800" dirty="0"/>
+              <a:t>}</a:t>
+            </a:r>
           </a:p>
         </p:txBody>
       </p:sp>
     </p:spTree>
     <p:extLst>
       <p:ext uri="{BB962C8B-B14F-4D97-AF65-F5344CB8AC3E}">
-        <p14:creationId xmlns:p14="http://schemas.microsoft.com/office/powerpoint/2010/main" val="2331359407"/>
+        <p14:creationId xmlns:p14="http://schemas.microsoft.com/office/powerpoint/2010/main" val="301690232"/>
       </p:ext>
     </p:extLst>
   </p:cSld>
@@ -4174,245 +4547,206 @@
         </p:nvSpPr>
         <p:spPr/>
         <p:txBody>
+          <a:bodyPr/>
+          <a:lstStyle/>
+          <a:p>
+            <a:r>
+              <a:rPr lang="en-US" dirty="0" smtClean="0"/>
+              <a:t>Less </a:t>
+            </a:r>
+            <a:r>
+              <a:rPr lang="zh-CN" altLang="en-US" dirty="0" smtClean="0"/>
+              <a:t>嵌套</a:t>
+            </a:r>
+            <a:endParaRPr lang="en-US" dirty="0"/>
+          </a:p>
+        </p:txBody>
+      </p:sp>
+      <p:sp>
+        <p:nvSpPr>
+          <p:cNvPr id="4" name="内容占位符 2"/>
+          <p:cNvSpPr>
+            <a:spLocks noGrp="1"/>
+          </p:cNvSpPr>
+          <p:nvPr>
+            <p:ph idx="1"/>
+          </p:nvPr>
+        </p:nvSpPr>
+        <p:spPr>
+          <a:xfrm>
+            <a:off x="838200" y="1825626"/>
+            <a:ext cx="10515600" cy="4048701"/>
+          </a:xfrm>
+        </p:spPr>
+        <p:style>
+          <a:lnRef idx="2">
+            <a:schemeClr val="accent1"/>
+          </a:lnRef>
+          <a:fillRef idx="1">
+            <a:schemeClr val="lt1"/>
+          </a:fillRef>
+          <a:effectRef idx="0">
+            <a:schemeClr val="accent1"/>
+          </a:effectRef>
+          <a:fontRef idx="minor">
+            <a:schemeClr val="dk1"/>
+          </a:fontRef>
+        </p:style>
+        <p:txBody>
           <a:bodyPr>
-            <a:normAutofit/>
+            <a:noAutofit/>
           </a:bodyPr>
           <a:lstStyle/>
           <a:p>
-            <a:r>
-              <a:rPr lang="en-US" altLang="zh-CN" dirty="0">
-                <a:latin typeface="微软雅黑" panose="020B0503020204020204" pitchFamily="34" charset="-122"/>
-                <a:ea typeface="微软雅黑" panose="020B0503020204020204" pitchFamily="34" charset="-122"/>
-              </a:rPr>
-              <a:t>Grunt</a:t>
-            </a:r>
-            <a:r>
-              <a:rPr lang="zh-CN" altLang="en-US" dirty="0">
-                <a:latin typeface="微软雅黑" panose="020B0503020204020204" pitchFamily="34" charset="-122"/>
-                <a:ea typeface="微软雅黑" panose="020B0503020204020204" pitchFamily="34" charset="-122"/>
-              </a:rPr>
-              <a:t>常用工具</a:t>
-            </a:r>
-            <a:endParaRPr lang="en-US" dirty="0">
-              <a:latin typeface="微软雅黑" panose="020B0503020204020204" pitchFamily="34" charset="-122"/>
-              <a:ea typeface="微软雅黑" panose="020B0503020204020204" pitchFamily="34" charset="-122"/>
-            </a:endParaRPr>
-          </a:p>
-        </p:txBody>
-      </p:sp>
-      <p:sp>
-        <p:nvSpPr>
-          <p:cNvPr id="3" name="内容占位符 2"/>
-          <p:cNvSpPr>
-            <a:spLocks noGrp="1"/>
-          </p:cNvSpPr>
-          <p:nvPr>
-            <p:ph idx="1"/>
-          </p:nvPr>
-        </p:nvSpPr>
-        <p:spPr/>
-        <p:txBody>
-          <a:bodyPr/>
-          <a:lstStyle/>
-          <a:p>
-            <a:r>
-              <a:rPr lang="en-US" sz="1600" dirty="0" smtClean="0"/>
-              <a:t>Clean(</a:t>
-            </a:r>
-            <a:r>
-              <a:rPr lang="zh-CN" altLang="en-US" sz="1600" dirty="0" smtClean="0"/>
-              <a:t>清理</a:t>
-            </a:r>
-            <a:r>
-              <a:rPr lang="en-US" sz="1600" dirty="0" smtClean="0"/>
-              <a:t>)</a:t>
-            </a:r>
-          </a:p>
-          <a:p>
-            <a:r>
-              <a:rPr lang="en-US" sz="1600" dirty="0" err="1" smtClean="0"/>
-              <a:t>Concat</a:t>
-            </a:r>
-            <a:r>
-              <a:rPr lang="en-US" sz="1600" dirty="0" smtClean="0"/>
-              <a:t>(</a:t>
-            </a:r>
-            <a:r>
-              <a:rPr lang="zh-CN" altLang="en-US" sz="1600" dirty="0" smtClean="0"/>
-              <a:t>合并</a:t>
-            </a:r>
-            <a:r>
-              <a:rPr lang="en-US" sz="1600" dirty="0" smtClean="0"/>
-              <a:t>)</a:t>
-            </a:r>
-          </a:p>
-          <a:p>
-            <a:r>
-              <a:rPr lang="en-US" sz="1600" dirty="0" err="1" smtClean="0"/>
-              <a:t>Uglify</a:t>
-            </a:r>
-            <a:r>
-              <a:rPr lang="en-US" sz="1600" dirty="0" smtClean="0"/>
-              <a:t>(</a:t>
-            </a:r>
-            <a:r>
-              <a:rPr lang="en-US" altLang="zh-CN" sz="1600" dirty="0" err="1" smtClean="0"/>
-              <a:t>js</a:t>
-            </a:r>
-            <a:r>
-              <a:rPr lang="zh-CN" altLang="en-US" sz="1600" dirty="0" smtClean="0"/>
-              <a:t>压缩</a:t>
-            </a:r>
-            <a:r>
-              <a:rPr lang="en-US" sz="1600" dirty="0" smtClean="0"/>
-              <a:t>)</a:t>
-            </a:r>
-          </a:p>
-          <a:p>
-            <a:r>
-              <a:rPr lang="en-US" sz="1600" dirty="0" smtClean="0"/>
-              <a:t>Less(less</a:t>
-            </a:r>
-            <a:r>
-              <a:rPr lang="zh-CN" altLang="en-US" sz="1600" dirty="0" smtClean="0"/>
-              <a:t>编译</a:t>
-            </a:r>
-            <a:r>
-              <a:rPr lang="en-US" sz="1600" dirty="0" smtClean="0"/>
-              <a:t>)</a:t>
-            </a:r>
-          </a:p>
-          <a:p>
-            <a:r>
-              <a:rPr lang="en-US" sz="1600" dirty="0" err="1" smtClean="0"/>
-              <a:t>Autoprefixer</a:t>
-            </a:r>
-            <a:r>
-              <a:rPr lang="en-US" sz="1600" dirty="0" smtClean="0"/>
-              <a:t>(</a:t>
-            </a:r>
-            <a:r>
-              <a:rPr lang="zh-CN" altLang="en-US" sz="1600" dirty="0" smtClean="0"/>
-              <a:t>处理浏览器兼容</a:t>
-            </a:r>
-            <a:r>
-              <a:rPr lang="en-US" sz="1600" dirty="0" smtClean="0"/>
-              <a:t>)</a:t>
-            </a:r>
-          </a:p>
-          <a:p>
-            <a:r>
-              <a:rPr lang="en-US" sz="1600" dirty="0" err="1" smtClean="0"/>
-              <a:t>Csscomb</a:t>
-            </a:r>
-            <a:r>
-              <a:rPr lang="en-US" sz="1600" dirty="0" smtClean="0"/>
-              <a:t>(</a:t>
-            </a:r>
-            <a:r>
-              <a:rPr lang="zh-CN" altLang="en-US" sz="1600" dirty="0" smtClean="0"/>
-              <a:t>属性排序</a:t>
-            </a:r>
-            <a:r>
-              <a:rPr lang="en-US" sz="1600" dirty="0" smtClean="0"/>
-              <a:t>)</a:t>
-            </a:r>
-          </a:p>
-          <a:p>
-            <a:r>
-              <a:rPr lang="en-US" sz="1600" dirty="0" err="1" smtClean="0"/>
-              <a:t>Csslint</a:t>
-            </a:r>
-            <a:r>
-              <a:rPr lang="en-US" sz="1600" dirty="0" smtClean="0"/>
-              <a:t>(</a:t>
-            </a:r>
-            <a:r>
-              <a:rPr lang="zh-CN" altLang="en-US" sz="1600" dirty="0" smtClean="0"/>
-              <a:t>语法检查</a:t>
-            </a:r>
-            <a:r>
-              <a:rPr lang="en-US" sz="1600" dirty="0" smtClean="0"/>
-              <a:t>)</a:t>
-            </a:r>
-          </a:p>
-          <a:p>
-            <a:r>
-              <a:rPr lang="en-US" sz="1600" dirty="0" err="1" smtClean="0"/>
-              <a:t>Cssmin</a:t>
-            </a:r>
-            <a:r>
-              <a:rPr lang="en-US" sz="1600" dirty="0" smtClean="0"/>
-              <a:t>(</a:t>
-            </a:r>
-            <a:r>
-              <a:rPr lang="en-US" altLang="zh-CN" sz="1600" dirty="0" err="1" smtClean="0"/>
-              <a:t>css</a:t>
-            </a:r>
-            <a:r>
-              <a:rPr lang="zh-CN" altLang="en-US" sz="1600" dirty="0" smtClean="0"/>
-              <a:t>压缩</a:t>
-            </a:r>
-            <a:r>
-              <a:rPr lang="en-US" sz="1600" dirty="0" smtClean="0"/>
-              <a:t>)</a:t>
-            </a:r>
-          </a:p>
-          <a:p>
-            <a:r>
-              <a:rPr lang="en-US" sz="1600" dirty="0" smtClean="0"/>
-              <a:t>Transport(</a:t>
-            </a:r>
-            <a:r>
-              <a:rPr lang="zh-CN" altLang="en-US" sz="1600" dirty="0" smtClean="0"/>
-              <a:t>具名</a:t>
-            </a:r>
-            <a:r>
-              <a:rPr lang="en-US" sz="1600" dirty="0" smtClean="0"/>
-              <a:t>)</a:t>
-            </a:r>
-          </a:p>
-          <a:p>
-            <a:r>
-              <a:rPr lang="en-US" sz="1600" dirty="0" smtClean="0"/>
-              <a:t>Copy(</a:t>
-            </a:r>
-            <a:r>
-              <a:rPr lang="zh-CN" altLang="en-US" sz="1600" dirty="0" smtClean="0"/>
-              <a:t>复制文件</a:t>
-            </a:r>
-            <a:r>
-              <a:rPr lang="en-US" sz="1600" dirty="0" smtClean="0"/>
-              <a:t>)</a:t>
-            </a:r>
-          </a:p>
-          <a:p>
-            <a:r>
-              <a:rPr lang="en-US" sz="1600" dirty="0" smtClean="0"/>
-              <a:t>Compress(</a:t>
-            </a:r>
-            <a:r>
-              <a:rPr lang="zh-CN" altLang="en-US" sz="1600" dirty="0" smtClean="0"/>
-              <a:t>打包</a:t>
-            </a:r>
-            <a:r>
-              <a:rPr lang="en-US" sz="1600" dirty="0" smtClean="0"/>
-              <a:t>)</a:t>
-            </a:r>
-            <a:endParaRPr lang="en-US" sz="1600" dirty="0"/>
+            <a:pPr marL="0" indent="0">
+              <a:lnSpc>
+                <a:spcPct val="100000"/>
+              </a:lnSpc>
+              <a:buNone/>
+            </a:pPr>
+            <a:r>
+              <a:rPr lang="en-US" sz="1800" dirty="0"/>
+              <a:t>#header {</a:t>
+            </a:r>
+          </a:p>
+          <a:p>
+            <a:pPr marL="0" indent="0">
+              <a:lnSpc>
+                <a:spcPct val="100000"/>
+              </a:lnSpc>
+              <a:buNone/>
+            </a:pPr>
+            <a:r>
+              <a:rPr lang="en-US" sz="1800" dirty="0"/>
+              <a:t>    color: black</a:t>
+            </a:r>
+            <a:r>
+              <a:rPr lang="en-US" sz="1800" dirty="0" smtClean="0"/>
+              <a:t>;</a:t>
+            </a:r>
+            <a:endParaRPr lang="en-US" sz="1800" dirty="0"/>
+          </a:p>
+          <a:p>
+            <a:pPr marL="0" indent="0">
+              <a:lnSpc>
+                <a:spcPct val="100000"/>
+              </a:lnSpc>
+              <a:buNone/>
+            </a:pPr>
+            <a:r>
+              <a:rPr lang="en-US" sz="1800" dirty="0"/>
+              <a:t>    .navigation {</a:t>
+            </a:r>
+          </a:p>
+          <a:p>
+            <a:pPr marL="0" indent="0">
+              <a:lnSpc>
+                <a:spcPct val="100000"/>
+              </a:lnSpc>
+              <a:buNone/>
+            </a:pPr>
+            <a:r>
+              <a:rPr lang="en-US" sz="1800" dirty="0"/>
+              <a:t>        font-size: 12px;</a:t>
+            </a:r>
+          </a:p>
+          <a:p>
+            <a:pPr marL="0" indent="0">
+              <a:lnSpc>
+                <a:spcPct val="100000"/>
+              </a:lnSpc>
+              <a:buNone/>
+            </a:pPr>
+            <a:r>
+              <a:rPr lang="en-US" sz="1800" dirty="0"/>
+              <a:t>    </a:t>
+            </a:r>
+            <a:r>
+              <a:rPr lang="en-US" sz="1800" dirty="0" smtClean="0"/>
+              <a:t>}</a:t>
+            </a:r>
+            <a:endParaRPr lang="en-US" sz="1800" dirty="0"/>
+          </a:p>
+          <a:p>
+            <a:pPr marL="0" indent="0">
+              <a:lnSpc>
+                <a:spcPct val="100000"/>
+              </a:lnSpc>
+              <a:buNone/>
+            </a:pPr>
+            <a:r>
+              <a:rPr lang="en-US" sz="1800" dirty="0"/>
+              <a:t>    .logo {</a:t>
+            </a:r>
+          </a:p>
+          <a:p>
+            <a:pPr marL="0" indent="0">
+              <a:lnSpc>
+                <a:spcPct val="100000"/>
+              </a:lnSpc>
+              <a:buNone/>
+            </a:pPr>
+            <a:r>
+              <a:rPr lang="en-US" sz="1800" dirty="0"/>
+              <a:t>        width: 300px;</a:t>
+            </a:r>
+          </a:p>
+          <a:p>
+            <a:pPr marL="0" indent="0">
+              <a:lnSpc>
+                <a:spcPct val="100000"/>
+              </a:lnSpc>
+              <a:buNone/>
+            </a:pPr>
+            <a:r>
+              <a:rPr lang="en-US" sz="1800" dirty="0"/>
+              <a:t>        &amp;:hover { text-decoration: none }</a:t>
+            </a:r>
+          </a:p>
+          <a:p>
+            <a:pPr marL="0" indent="0">
+              <a:lnSpc>
+                <a:spcPct val="100000"/>
+              </a:lnSpc>
+              <a:buNone/>
+            </a:pPr>
+            <a:r>
+              <a:rPr lang="en-US" sz="1800" dirty="0"/>
+              <a:t>    }</a:t>
+            </a:r>
+          </a:p>
+          <a:p>
+            <a:pPr marL="0" indent="0">
+              <a:lnSpc>
+                <a:spcPct val="100000"/>
+              </a:lnSpc>
+              <a:buNone/>
+            </a:pPr>
+            <a:r>
+              <a:rPr lang="en-US" sz="1800" dirty="0"/>
+              <a:t>}</a:t>
+            </a:r>
+            <a:endParaRPr lang="en-US" sz="1800" dirty="0"/>
           </a:p>
         </p:txBody>
       </p:sp>
     </p:spTree>
     <p:extLst>
       <p:ext uri="{BB962C8B-B14F-4D97-AF65-F5344CB8AC3E}">
-        <p14:creationId xmlns:p14="http://schemas.microsoft.com/office/powerpoint/2010/main" val="3639114124"/>
+        <p14:creationId xmlns:p14="http://schemas.microsoft.com/office/powerpoint/2010/main" val="903428728"/>
       </p:ext>
     </p:extLst>
   </p:cSld>
   <p:clrMapOvr>
     <a:masterClrMapping/>
   </p:clrMapOvr>
+  <p:timing>
+    <p:tnLst>
+      <p:par>
+        <p:cTn id="1" dur="indefinite" restart="never" nodeType="tmRoot"/>
+      </p:par>
+    </p:tnLst>
+  </p:timing>
 </p:sld>
 </file>
 
@@ -4435,113 +4769,237 @@
       </p:grpSpPr>
       <p:sp>
         <p:nvSpPr>
-          <p:cNvPr id="2" name="标题 1"/>
-          <p:cNvSpPr>
-            <a:spLocks noGrp="1"/>
-          </p:cNvSpPr>
-          <p:nvPr>
-            <p:ph type="title"/>
-          </p:nvPr>
-        </p:nvSpPr>
-        <p:spPr/>
+          <p:cNvPr id="4" name="内容占位符 2"/>
+          <p:cNvSpPr>
+            <a:spLocks noGrp="1"/>
+          </p:cNvSpPr>
+          <p:nvPr>
+            <p:ph idx="1"/>
+          </p:nvPr>
+        </p:nvSpPr>
+        <p:spPr>
+          <a:xfrm>
+            <a:off x="838200" y="1191492"/>
+            <a:ext cx="10515600" cy="4682836"/>
+          </a:xfrm>
+        </p:spPr>
+        <p:style>
+          <a:lnRef idx="2">
+            <a:schemeClr val="accent1"/>
+          </a:lnRef>
+          <a:fillRef idx="1">
+            <a:schemeClr val="lt1"/>
+          </a:fillRef>
+          <a:effectRef idx="0">
+            <a:schemeClr val="accent1"/>
+          </a:effectRef>
+          <a:fontRef idx="minor">
+            <a:schemeClr val="dk1"/>
+          </a:fontRef>
+        </p:style>
         <p:txBody>
           <a:bodyPr>
-            <a:normAutofit/>
+            <a:noAutofit/>
           </a:bodyPr>
           <a:lstStyle/>
           <a:p>
-            <a:r>
-              <a:rPr lang="zh-CN" altLang="en-US" dirty="0">
-                <a:latin typeface="微软雅黑" panose="020B0503020204020204" pitchFamily="34" charset="-122"/>
-                <a:ea typeface="微软雅黑" panose="020B0503020204020204" pitchFamily="34" charset="-122"/>
-              </a:rPr>
-              <a:t>模块化</a:t>
-            </a:r>
-            <a:r>
-              <a:rPr lang="zh-CN" altLang="en-US" dirty="0" smtClean="0">
-                <a:latin typeface="微软雅黑" panose="020B0503020204020204" pitchFamily="34" charset="-122"/>
-                <a:ea typeface="微软雅黑" panose="020B0503020204020204" pitchFamily="34" charset="-122"/>
-              </a:rPr>
-              <a:t>规范</a:t>
-            </a:r>
-            <a:endParaRPr lang="en-US" dirty="0">
-              <a:latin typeface="微软雅黑" panose="020B0503020204020204" pitchFamily="34" charset="-122"/>
-              <a:ea typeface="微软雅黑" panose="020B0503020204020204" pitchFamily="34" charset="-122"/>
-            </a:endParaRPr>
-          </a:p>
-        </p:txBody>
-      </p:sp>
-      <p:sp>
-        <p:nvSpPr>
-          <p:cNvPr id="3" name="内容占位符 2"/>
-          <p:cNvSpPr>
-            <a:spLocks noGrp="1"/>
-          </p:cNvSpPr>
-          <p:nvPr>
-            <p:ph idx="1"/>
-          </p:nvPr>
-        </p:nvSpPr>
-        <p:spPr/>
-        <p:txBody>
-          <a:bodyPr/>
-          <a:lstStyle/>
-          <a:p>
-            <a:r>
-              <a:rPr lang="en-US" dirty="0" err="1"/>
-              <a:t>CMD（Common</a:t>
-            </a:r>
-            <a:r>
-              <a:rPr lang="en-US" dirty="0"/>
-              <a:t> Module Definition</a:t>
-            </a:r>
-            <a:r>
-              <a:rPr lang="en-US" dirty="0" smtClean="0"/>
-              <a:t>）-</a:t>
-            </a:r>
-            <a:r>
-              <a:rPr lang="en-US" dirty="0" err="1"/>
-              <a:t>S</a:t>
-            </a:r>
-            <a:r>
-              <a:rPr lang="en-US" dirty="0" err="1" smtClean="0"/>
-              <a:t>eajs</a:t>
-            </a:r>
-            <a:endParaRPr lang="en-US" dirty="0" smtClean="0"/>
-          </a:p>
-          <a:p>
-            <a:r>
-              <a:rPr lang="en-US" dirty="0" err="1"/>
-              <a:t>AMD（Asynchronous</a:t>
-            </a:r>
-            <a:r>
-              <a:rPr lang="en-US" dirty="0"/>
-              <a:t> Module Definition）-</a:t>
-            </a:r>
-            <a:r>
-              <a:rPr lang="en-US" dirty="0" err="1" smtClean="0"/>
-              <a:t>RequireJS</a:t>
-            </a:r>
-            <a:endParaRPr lang="en-US" dirty="0" smtClean="0"/>
+            <a:pPr marL="0" indent="0">
+              <a:lnSpc>
+                <a:spcPct val="100000"/>
+              </a:lnSpc>
+              <a:buNone/>
+            </a:pPr>
+            <a:r>
+              <a:rPr lang="en-US" sz="1800" dirty="0"/>
+              <a:t>#header { </a:t>
+            </a:r>
+            <a:endParaRPr lang="en-US" sz="1800" dirty="0" smtClean="0"/>
+          </a:p>
+          <a:p>
+            <a:pPr marL="0" indent="0">
+              <a:lnSpc>
+                <a:spcPct val="100000"/>
+              </a:lnSpc>
+              <a:buNone/>
+            </a:pPr>
+            <a:r>
+              <a:rPr lang="en-US" sz="1800" dirty="0" smtClean="0"/>
+              <a:t>    color</a:t>
+            </a:r>
+            <a:r>
+              <a:rPr lang="en-US" sz="1800" dirty="0"/>
+              <a:t>: black; </a:t>
+            </a:r>
+            <a:endParaRPr lang="en-US" sz="1800" dirty="0" smtClean="0"/>
+          </a:p>
+          <a:p>
+            <a:pPr marL="0" indent="0">
+              <a:lnSpc>
+                <a:spcPct val="100000"/>
+              </a:lnSpc>
+              <a:buNone/>
+            </a:pPr>
+            <a:r>
+              <a:rPr lang="en-US" sz="1800" dirty="0" smtClean="0"/>
+              <a:t>}</a:t>
+            </a:r>
+            <a:endParaRPr lang="en-US" sz="1800" dirty="0"/>
+          </a:p>
+          <a:p>
+            <a:pPr marL="0" indent="0">
+              <a:lnSpc>
+                <a:spcPct val="100000"/>
+              </a:lnSpc>
+              <a:buNone/>
+            </a:pPr>
+            <a:r>
+              <a:rPr lang="en-US" sz="1800" dirty="0"/>
+              <a:t>#header .navigation {</a:t>
+            </a:r>
+          </a:p>
+          <a:p>
+            <a:pPr marL="0" indent="0">
+              <a:lnSpc>
+                <a:spcPct val="100000"/>
+              </a:lnSpc>
+              <a:buNone/>
+            </a:pPr>
+            <a:r>
+              <a:rPr lang="en-US" sz="1800" dirty="0"/>
+              <a:t> </a:t>
+            </a:r>
+            <a:r>
+              <a:rPr lang="en-US" sz="1800" dirty="0" smtClean="0"/>
+              <a:t>   font-size</a:t>
+            </a:r>
+            <a:r>
+              <a:rPr lang="en-US" sz="1800" dirty="0"/>
+              <a:t>: 12px;</a:t>
+            </a:r>
+          </a:p>
+          <a:p>
+            <a:pPr marL="0" indent="0">
+              <a:lnSpc>
+                <a:spcPct val="100000"/>
+              </a:lnSpc>
+              <a:buNone/>
+            </a:pPr>
+            <a:r>
+              <a:rPr lang="en-US" sz="1800" dirty="0" smtClean="0"/>
+              <a:t>}</a:t>
+            </a:r>
+            <a:endParaRPr lang="en-US" sz="1800" dirty="0"/>
+          </a:p>
+          <a:p>
+            <a:pPr marL="0" indent="0">
+              <a:lnSpc>
+                <a:spcPct val="100000"/>
+              </a:lnSpc>
+              <a:buNone/>
+            </a:pPr>
+            <a:r>
+              <a:rPr lang="en-US" sz="1800" dirty="0"/>
+              <a:t>#header .logo {</a:t>
+            </a:r>
+          </a:p>
+          <a:p>
+            <a:pPr marL="0" indent="0">
+              <a:lnSpc>
+                <a:spcPct val="100000"/>
+              </a:lnSpc>
+              <a:buNone/>
+            </a:pPr>
+            <a:r>
+              <a:rPr lang="en-US" sz="1800" dirty="0"/>
+              <a:t> </a:t>
+            </a:r>
+            <a:r>
+              <a:rPr lang="en-US" sz="1800" dirty="0" smtClean="0"/>
+              <a:t>   width</a:t>
+            </a:r>
+            <a:r>
+              <a:rPr lang="en-US" sz="1800" dirty="0"/>
+              <a:t>: 300px;</a:t>
+            </a:r>
+          </a:p>
+          <a:p>
+            <a:pPr marL="0" indent="0">
+              <a:lnSpc>
+                <a:spcPct val="100000"/>
+              </a:lnSpc>
+              <a:buNone/>
+            </a:pPr>
+            <a:r>
+              <a:rPr lang="en-US" sz="1800" dirty="0" smtClean="0"/>
+              <a:t>}</a:t>
+            </a:r>
+            <a:endParaRPr lang="en-US" sz="1800" dirty="0"/>
+          </a:p>
+          <a:p>
+            <a:pPr marL="0" indent="0">
+              <a:lnSpc>
+                <a:spcPct val="100000"/>
+              </a:lnSpc>
+              <a:buNone/>
+            </a:pPr>
+            <a:r>
+              <a:rPr lang="en-US" sz="1800" dirty="0"/>
+              <a:t>#header .</a:t>
+            </a:r>
+            <a:r>
+              <a:rPr lang="en-US" sz="1800" dirty="0" err="1"/>
+              <a:t>logo:hover</a:t>
+            </a:r>
+            <a:r>
+              <a:rPr lang="en-US" sz="1800" dirty="0"/>
+              <a:t> </a:t>
+            </a:r>
+            <a:r>
+              <a:rPr lang="en-US" sz="1800" dirty="0" smtClean="0"/>
+              <a:t>{</a:t>
+            </a:r>
+          </a:p>
+          <a:p>
+            <a:pPr marL="0" indent="0">
+              <a:lnSpc>
+                <a:spcPct val="100000"/>
+              </a:lnSpc>
+              <a:buNone/>
+            </a:pPr>
+            <a:r>
+              <a:rPr lang="en-US" sz="1800" dirty="0"/>
+              <a:t> </a:t>
+            </a:r>
+            <a:r>
+              <a:rPr lang="en-US" sz="1800" dirty="0" smtClean="0"/>
+              <a:t>   text-decoration: none;</a:t>
+            </a:r>
+          </a:p>
+          <a:p>
+            <a:pPr marL="0" indent="0">
+              <a:lnSpc>
+                <a:spcPct val="100000"/>
+              </a:lnSpc>
+              <a:buNone/>
+            </a:pPr>
+            <a:r>
+              <a:rPr lang="en-US" sz="1800" dirty="0" smtClean="0"/>
+              <a:t>}</a:t>
+            </a:r>
+            <a:endParaRPr lang="en-US" sz="1800" dirty="0"/>
           </a:p>
         </p:txBody>
       </p:sp>
     </p:spTree>
     <p:extLst>
       <p:ext uri="{BB962C8B-B14F-4D97-AF65-F5344CB8AC3E}">
-        <p14:creationId xmlns:p14="http://schemas.microsoft.com/office/powerpoint/2010/main" val="3807339202"/>
+        <p14:creationId xmlns:p14="http://schemas.microsoft.com/office/powerpoint/2010/main" val="604695130"/>
       </p:ext>
     </p:extLst>
   </p:cSld>
   <p:clrMapOvr>
     <a:masterClrMapping/>
   </p:clrMapOvr>
-  <p:timing>
-    <p:tnLst>
-      <p:par>
-        <p:cTn id="1" dur="indefinite" restart="never" nodeType="tmRoot"/>
-      </p:par>
-    </p:tnLst>
-  </p:timing>
 </p:sld>
 </file>
 
@@ -4579,7 +5037,11 @@
           <a:p>
             <a:r>
               <a:rPr lang="en-US" dirty="0" smtClean="0"/>
-              <a:t>AMD</a:t>
+              <a:t>Less</a:t>
+            </a:r>
+            <a:r>
+              <a:rPr lang="zh-CN" altLang="en-US" dirty="0" smtClean="0"/>
+              <a:t>循环</a:t>
             </a:r>
             <a:endParaRPr lang="en-US" dirty="0"/>
           </a:p>
@@ -4587,7 +5049,7 @@
       </p:sp>
       <p:sp>
         <p:nvSpPr>
-          <p:cNvPr id="3" name="内容占位符 2"/>
+          <p:cNvPr id="4" name="内容占位符 2"/>
           <p:cNvSpPr>
             <a:spLocks noGrp="1"/>
           </p:cNvSpPr>
@@ -4597,132 +5059,9 @@
         </p:nvSpPr>
         <p:spPr>
           <a:xfrm>
-            <a:off x="713509" y="1437697"/>
-            <a:ext cx="10515600" cy="2704812"/>
+            <a:off x="838200" y="2605087"/>
+            <a:ext cx="10515600" cy="2742768"/>
           </a:xfrm>
-        </p:spPr>
-        <p:txBody>
-          <a:bodyPr/>
-          <a:lstStyle/>
-          <a:p>
-            <a:r>
-              <a:rPr lang="zh-CN" altLang="en-US" dirty="0" smtClean="0"/>
-              <a:t>第一</a:t>
-            </a:r>
-            <a:r>
-              <a:rPr lang="zh-CN" altLang="en-US" dirty="0"/>
-              <a:t>个参数</a:t>
-            </a:r>
-            <a:r>
-              <a:rPr lang="en-US" altLang="zh-CN" dirty="0"/>
-              <a:t>,</a:t>
-            </a:r>
-            <a:r>
-              <a:rPr lang="zh-CN" altLang="en-US" dirty="0"/>
-              <a:t> </a:t>
-            </a:r>
-            <a:r>
-              <a:rPr lang="en-US" altLang="zh-CN" dirty="0"/>
-              <a:t>id </a:t>
-            </a:r>
-            <a:r>
-              <a:rPr lang="zh-CN" altLang="en-US" dirty="0"/>
-              <a:t>为字符串类型，表示了模块</a:t>
-            </a:r>
-            <a:r>
-              <a:rPr lang="zh-CN" altLang="en-US" dirty="0" smtClean="0"/>
-              <a:t>标识</a:t>
-            </a:r>
-            <a:endParaRPr lang="en-US" altLang="zh-CN" dirty="0"/>
-          </a:p>
-          <a:p>
-            <a:r>
-              <a:rPr lang="zh-CN" altLang="en-US" dirty="0" smtClean="0"/>
-              <a:t>第二</a:t>
-            </a:r>
-            <a:r>
-              <a:rPr lang="zh-CN" altLang="en-US" dirty="0"/>
-              <a:t>个参数</a:t>
-            </a:r>
-            <a:r>
-              <a:rPr lang="en-US" altLang="zh-CN" dirty="0"/>
-              <a:t>,dependencies </a:t>
-            </a:r>
-            <a:r>
-              <a:rPr lang="zh-CN" altLang="en-US" dirty="0"/>
-              <a:t>，是一个当前模块依赖的</a:t>
-            </a:r>
-            <a:r>
-              <a:rPr lang="zh-CN" altLang="en-US" dirty="0" smtClean="0"/>
-              <a:t>，已</a:t>
-            </a:r>
-            <a:r>
-              <a:rPr lang="zh-CN" altLang="en-US" dirty="0"/>
-              <a:t>被模块定义的模块标识的数组字面</a:t>
-            </a:r>
-            <a:r>
-              <a:rPr lang="zh-CN" altLang="en-US" dirty="0" smtClean="0"/>
-              <a:t>量</a:t>
-            </a:r>
-            <a:endParaRPr lang="en-US" altLang="zh-CN" dirty="0"/>
-          </a:p>
-          <a:p>
-            <a:r>
-              <a:rPr lang="zh-CN" altLang="en-US" dirty="0" smtClean="0"/>
-              <a:t>第三</a:t>
-            </a:r>
-            <a:r>
-              <a:rPr lang="zh-CN" altLang="en-US" dirty="0"/>
-              <a:t>个参数</a:t>
-            </a:r>
-            <a:r>
-              <a:rPr lang="en-US" altLang="zh-CN" dirty="0"/>
-              <a:t>,factory</a:t>
-            </a:r>
-            <a:r>
-              <a:rPr lang="zh-CN" altLang="en-US" dirty="0"/>
-              <a:t>，是一个需要进行实例化的函数或</a:t>
-            </a:r>
-            <a:r>
-              <a:rPr lang="en-US" altLang="zh-CN" dirty="0"/>
-              <a:t>	</a:t>
-            </a:r>
-            <a:r>
-              <a:rPr lang="zh-CN" altLang="en-US" dirty="0" smtClean="0"/>
-              <a:t>者</a:t>
-            </a:r>
-            <a:r>
-              <a:rPr lang="zh-CN" altLang="en-US" dirty="0"/>
-              <a:t>一个</a:t>
-            </a:r>
-            <a:r>
-              <a:rPr lang="zh-CN" altLang="en-US" dirty="0" smtClean="0"/>
-              <a:t>对象</a:t>
-            </a:r>
-            <a:endParaRPr lang="en-US" altLang="zh-CN" dirty="0" smtClean="0"/>
-          </a:p>
-          <a:p>
-            <a:pPr marL="0" indent="0">
-              <a:buNone/>
-            </a:pPr>
-            <a:endParaRPr lang="en-US" dirty="0"/>
-          </a:p>
-        </p:txBody>
-      </p:sp>
-      <p:sp>
-        <p:nvSpPr>
-          <p:cNvPr id="5" name="文本框 4"/>
-          <p:cNvSpPr txBox="1"/>
-          <p:nvPr/>
-        </p:nvSpPr>
-        <p:spPr>
-          <a:xfrm>
-            <a:off x="1288474" y="4308765"/>
-            <a:ext cx="9504218" cy="1754326"/>
-          </a:xfrm>
-          <a:prstGeom prst="rect">
-            <a:avLst/>
-          </a:prstGeom>
         </p:spPr>
         <p:style>
           <a:lnRef idx="2">
@@ -4739,103 +5078,152 @@
           </a:fontRef>
         </p:style>
         <p:txBody>
-          <a:bodyPr wrap="square" rtlCol="0">
-            <a:spAutoFit/>
+          <a:bodyPr>
+            <a:noAutofit/>
           </a:bodyPr>
           <a:lstStyle/>
           <a:p>
-            <a:r>
-              <a:rPr lang="en-US" dirty="0"/>
-              <a:t>define("alpha", [ "require", "exports", "beta" ], function( require, exports, beta </a:t>
-            </a:r>
-            <a:r>
-              <a:rPr lang="en-US" dirty="0" smtClean="0"/>
-              <a:t>){</a:t>
-            </a:r>
-            <a:endParaRPr lang="en-US" dirty="0"/>
-          </a:p>
-          <a:p>
-            <a:r>
-              <a:rPr lang="en-US" dirty="0"/>
-              <a:t>    </a:t>
-            </a:r>
-            <a:r>
-              <a:rPr lang="en-US" dirty="0" err="1"/>
-              <a:t>export.verb</a:t>
-            </a:r>
-            <a:r>
-              <a:rPr lang="en-US" dirty="0"/>
-              <a:t> = function</a:t>
-            </a:r>
-            <a:r>
-              <a:rPr lang="en-US" dirty="0" smtClean="0"/>
-              <a:t>(){</a:t>
-            </a:r>
-            <a:endParaRPr lang="en-US" dirty="0"/>
-          </a:p>
-          <a:p>
-            <a:r>
-              <a:rPr lang="en-US" dirty="0"/>
-              <a:t>        return </a:t>
-            </a:r>
-            <a:r>
-              <a:rPr lang="en-US" dirty="0" err="1"/>
-              <a:t>beta.verb</a:t>
-            </a:r>
-            <a:r>
-              <a:rPr lang="en-US" dirty="0" smtClean="0"/>
-              <a:t>();</a:t>
-            </a:r>
-            <a:endParaRPr lang="en-US" dirty="0"/>
-          </a:p>
-          <a:p>
-            <a:r>
-              <a:rPr lang="en-US" dirty="0"/>
-              <a:t>        return require("beta").verb</a:t>
-            </a:r>
-            <a:r>
-              <a:rPr lang="en-US" dirty="0" smtClean="0"/>
-              <a:t>();</a:t>
-            </a:r>
-            <a:endParaRPr lang="en-US" dirty="0"/>
-          </a:p>
-          <a:p>
-            <a:r>
-              <a:rPr lang="en-US" dirty="0"/>
-              <a:t>    </a:t>
-            </a:r>
-            <a:r>
-              <a:rPr lang="en-US" dirty="0" smtClean="0"/>
+            <a:pPr marL="0" indent="0">
+              <a:lnSpc>
+                <a:spcPct val="100000"/>
+              </a:lnSpc>
+              <a:buNone/>
+            </a:pPr>
+            <a:r>
+              <a:rPr lang="en-US" sz="1800" dirty="0"/>
+              <a:t>.generate-columns(4</a:t>
+            </a:r>
+            <a:r>
+              <a:rPr lang="en-US" sz="1800" dirty="0" smtClean="0"/>
+              <a:t>);</a:t>
+            </a:r>
+            <a:endParaRPr lang="en-US" sz="1800" dirty="0"/>
+          </a:p>
+          <a:p>
+            <a:pPr marL="0" indent="0">
+              <a:lnSpc>
+                <a:spcPct val="100000"/>
+              </a:lnSpc>
+              <a:buNone/>
+            </a:pPr>
+            <a:r>
+              <a:rPr lang="en-US" sz="1800" dirty="0"/>
+              <a:t>.generate-columns(@n, @</a:t>
+            </a:r>
+            <a:r>
+              <a:rPr lang="en-US" sz="1800" dirty="0" err="1"/>
+              <a:t>i</a:t>
+            </a:r>
+            <a:r>
+              <a:rPr lang="en-US" sz="1800" dirty="0"/>
+              <a:t>: 1) when (@</a:t>
+            </a:r>
+            <a:r>
+              <a:rPr lang="en-US" sz="1800" dirty="0" err="1"/>
+              <a:t>i</a:t>
+            </a:r>
+            <a:r>
+              <a:rPr lang="en-US" sz="1800" dirty="0"/>
+              <a:t> =&lt; @n) {</a:t>
+            </a:r>
+          </a:p>
+          <a:p>
+            <a:pPr marL="0" indent="0">
+              <a:lnSpc>
+                <a:spcPct val="100000"/>
+              </a:lnSpc>
+              <a:buNone/>
+            </a:pPr>
+            <a:r>
+              <a:rPr lang="en-US" sz="1800" dirty="0"/>
+              <a:t>  .column-@{</a:t>
+            </a:r>
+            <a:r>
+              <a:rPr lang="en-US" sz="1800" dirty="0" err="1"/>
+              <a:t>i</a:t>
+            </a:r>
+            <a:r>
+              <a:rPr lang="en-US" sz="1800" dirty="0"/>
+              <a:t>} {</a:t>
+            </a:r>
+          </a:p>
+          <a:p>
+            <a:pPr marL="0" indent="0">
+              <a:lnSpc>
+                <a:spcPct val="100000"/>
+              </a:lnSpc>
+              <a:buNone/>
+            </a:pPr>
+            <a:r>
+              <a:rPr lang="en-US" sz="1800" dirty="0"/>
+              <a:t>    width: (@</a:t>
+            </a:r>
+            <a:r>
+              <a:rPr lang="en-US" sz="1800" dirty="0" err="1"/>
+              <a:t>i</a:t>
+            </a:r>
+            <a:r>
+              <a:rPr lang="en-US" sz="1800" dirty="0"/>
+              <a:t> * 100% / @n);</a:t>
+            </a:r>
+          </a:p>
+          <a:p>
+            <a:pPr marL="0" indent="0">
+              <a:lnSpc>
+                <a:spcPct val="100000"/>
+              </a:lnSpc>
+              <a:buNone/>
+            </a:pPr>
+            <a:r>
+              <a:rPr lang="en-US" sz="1800" dirty="0"/>
+              <a:t>  }</a:t>
+            </a:r>
+          </a:p>
+          <a:p>
+            <a:pPr marL="0" indent="0">
+              <a:lnSpc>
+                <a:spcPct val="100000"/>
+              </a:lnSpc>
+              <a:buNone/>
+            </a:pPr>
+            <a:r>
+              <a:rPr lang="en-US" sz="1800" dirty="0"/>
+              <a:t>  .generate-columns(@n, (@</a:t>
+            </a:r>
+            <a:r>
+              <a:rPr lang="en-US" sz="1800" dirty="0" err="1"/>
+              <a:t>i</a:t>
+            </a:r>
+            <a:r>
+              <a:rPr lang="en-US" sz="1800" dirty="0"/>
+              <a:t> + 1));</a:t>
+            </a:r>
+          </a:p>
+          <a:p>
+            <a:pPr marL="0" indent="0">
+              <a:lnSpc>
+                <a:spcPct val="100000"/>
+              </a:lnSpc>
+              <a:buNone/>
+            </a:pPr>
+            <a:r>
+              <a:rPr lang="en-US" sz="1800" dirty="0"/>
               <a:t>}</a:t>
             </a:r>
-            <a:endParaRPr lang="en-US" dirty="0"/>
-          </a:p>
-          <a:p>
-            <a:r>
-              <a:rPr lang="en-US" dirty="0" smtClean="0"/>
-              <a:t>});</a:t>
-            </a:r>
-            <a:endParaRPr lang="en-US" dirty="0"/>
+            <a:endParaRPr lang="en-US" sz="1800" dirty="0"/>
           </a:p>
         </p:txBody>
       </p:sp>
     </p:spTree>
     <p:extLst>
       <p:ext uri="{BB962C8B-B14F-4D97-AF65-F5344CB8AC3E}">
-        <p14:creationId xmlns:p14="http://schemas.microsoft.com/office/powerpoint/2010/main" val="3809866508"/>
+        <p14:creationId xmlns:p14="http://schemas.microsoft.com/office/powerpoint/2010/main" val="287880059"/>
       </p:ext>
     </p:extLst>
   </p:cSld>
   <p:clrMapOvr>
     <a:masterClrMapping/>
   </p:clrMapOvr>
-  <p:timing>
-    <p:tnLst>
-      <p:par>
-        <p:cTn id="1" dur="indefinite" restart="never" nodeType="tmRoot"/>
-      </p:par>
-    </p:tnLst>
-  </p:timing>
 </p:sld>
 </file>
 
@@ -4858,30 +5246,7 @@
       </p:grpSpPr>
       <p:sp>
         <p:nvSpPr>
-          <p:cNvPr id="2" name="标题 1"/>
-          <p:cNvSpPr>
-            <a:spLocks noGrp="1"/>
-          </p:cNvSpPr>
-          <p:nvPr>
-            <p:ph type="title"/>
-          </p:nvPr>
-        </p:nvSpPr>
-        <p:spPr/>
-        <p:txBody>
-          <a:bodyPr/>
-          <a:lstStyle/>
-          <a:p>
-            <a:r>
-              <a:rPr lang="en-US" dirty="0" smtClean="0"/>
-              <a:t>CMD</a:t>
-            </a:r>
-            <a:endParaRPr lang="en-US" dirty="0"/>
-          </a:p>
-        </p:txBody>
-      </p:sp>
-      <p:sp>
-        <p:nvSpPr>
-          <p:cNvPr id="3" name="内容占位符 2"/>
+          <p:cNvPr id="4" name="内容占位符 2"/>
           <p:cNvSpPr>
             <a:spLocks noGrp="1"/>
           </p:cNvSpPr>
@@ -4891,82 +5256,180 @@
         </p:nvSpPr>
         <p:spPr>
           <a:xfrm>
-            <a:off x="838200" y="1825625"/>
-            <a:ext cx="10515600" cy="2524702"/>
+            <a:off x="962890" y="997959"/>
+            <a:ext cx="10515600" cy="4862514"/>
           </a:xfrm>
         </p:spPr>
-        <p:txBody>
-          <a:bodyPr/>
-          <a:lstStyle/>
-          <a:p>
-            <a:pPr marL="0" indent="0">
-              <a:buNone/>
-            </a:pPr>
-            <a:r>
-              <a:rPr lang="zh-CN" altLang="en-US" dirty="0"/>
-              <a:t>一个模块就是一个</a:t>
-            </a:r>
-            <a:r>
-              <a:rPr lang="zh-CN" altLang="en-US" dirty="0" smtClean="0"/>
-              <a:t>文件</a:t>
-            </a:r>
-            <a:endParaRPr lang="en-US" altLang="zh-CN" dirty="0" smtClean="0"/>
-          </a:p>
-          <a:p>
-            <a:pPr marL="0" indent="0">
-              <a:buNone/>
-            </a:pPr>
-            <a:r>
-              <a:rPr lang="zh-CN" altLang="en-US" dirty="0" smtClean="0"/>
-              <a:t>格式</a:t>
-            </a:r>
-            <a:r>
-              <a:rPr lang="zh-CN" altLang="en-US" dirty="0"/>
-              <a:t>为</a:t>
-            </a:r>
-            <a:r>
-              <a:rPr lang="zh-CN" altLang="en-US" dirty="0" smtClean="0"/>
-              <a:t>：</a:t>
-            </a:r>
-            <a:endParaRPr lang="en-US" altLang="zh-CN" dirty="0" smtClean="0"/>
-          </a:p>
-          <a:p>
-            <a:pPr marL="0" indent="0">
-              <a:buNone/>
-            </a:pPr>
-            <a:r>
-              <a:rPr lang="en-US" altLang="zh-CN" dirty="0"/>
-              <a:t>	</a:t>
-            </a:r>
-            <a:r>
-              <a:rPr lang="en-US" altLang="zh-CN" dirty="0" smtClean="0"/>
-              <a:t>	define</a:t>
-            </a:r>
-            <a:r>
-              <a:rPr lang="en-US" altLang="zh-CN" dirty="0"/>
-              <a:t>( factory </a:t>
-            </a:r>
-            <a:r>
-              <a:rPr lang="en-US" altLang="zh-CN" dirty="0" smtClean="0"/>
-              <a:t>);</a:t>
-            </a:r>
-          </a:p>
-          <a:p>
-            <a:pPr marL="0" indent="0">
-              <a:buNone/>
-            </a:pPr>
-            <a:r>
-              <a:rPr lang="en-US" altLang="zh-CN" dirty="0"/>
-              <a:t>		define( id?, deps?, factory );</a:t>
-            </a:r>
-            <a:endParaRPr lang="en-US" altLang="zh-CN" dirty="0" smtClean="0"/>
+        <p:style>
+          <a:lnRef idx="2">
+            <a:schemeClr val="accent1"/>
+          </a:lnRef>
+          <a:fillRef idx="1">
+            <a:schemeClr val="lt1"/>
+          </a:fillRef>
+          <a:effectRef idx="0">
+            <a:schemeClr val="accent1"/>
+          </a:effectRef>
+          <a:fontRef idx="minor">
+            <a:schemeClr val="dk1"/>
+          </a:fontRef>
+        </p:style>
+        <p:txBody>
+          <a:bodyPr>
+            <a:noAutofit/>
+          </a:bodyPr>
+          <a:lstStyle/>
+          <a:p>
+            <a:pPr marL="0" indent="0">
+              <a:lnSpc>
+                <a:spcPct val="100000"/>
+              </a:lnSpc>
+              <a:buNone/>
+            </a:pPr>
+            <a:r>
+              <a:rPr lang="en-US" sz="1800" dirty="0"/>
+              <a:t>.column-1 {</a:t>
+            </a:r>
+          </a:p>
+          <a:p>
+            <a:pPr marL="0" indent="0">
+              <a:lnSpc>
+                <a:spcPct val="100000"/>
+              </a:lnSpc>
+              <a:buNone/>
+            </a:pPr>
+            <a:r>
+              <a:rPr lang="en-US" sz="1800" dirty="0"/>
+              <a:t>  width: 25%;</a:t>
+            </a:r>
+          </a:p>
+          <a:p>
+            <a:pPr marL="0" indent="0">
+              <a:lnSpc>
+                <a:spcPct val="100000"/>
+              </a:lnSpc>
+              <a:buNone/>
+            </a:pPr>
+            <a:r>
+              <a:rPr lang="en-US" sz="1800" dirty="0"/>
+              <a:t>}</a:t>
+            </a:r>
+          </a:p>
+          <a:p>
+            <a:pPr marL="0" indent="0">
+              <a:lnSpc>
+                <a:spcPct val="100000"/>
+              </a:lnSpc>
+              <a:buNone/>
+            </a:pPr>
+            <a:r>
+              <a:rPr lang="en-US" sz="1800" dirty="0"/>
+              <a:t>.column-2 {</a:t>
+            </a:r>
+          </a:p>
+          <a:p>
+            <a:pPr marL="0" indent="0">
+              <a:lnSpc>
+                <a:spcPct val="100000"/>
+              </a:lnSpc>
+              <a:buNone/>
+            </a:pPr>
+            <a:r>
+              <a:rPr lang="en-US" sz="1800" dirty="0"/>
+              <a:t>  width: 50%;</a:t>
+            </a:r>
+          </a:p>
+          <a:p>
+            <a:pPr marL="0" indent="0">
+              <a:lnSpc>
+                <a:spcPct val="100000"/>
+              </a:lnSpc>
+              <a:buNone/>
+            </a:pPr>
+            <a:r>
+              <a:rPr lang="en-US" sz="1800" dirty="0"/>
+              <a:t>}</a:t>
+            </a:r>
+          </a:p>
+          <a:p>
+            <a:pPr marL="0" indent="0">
+              <a:lnSpc>
+                <a:spcPct val="100000"/>
+              </a:lnSpc>
+              <a:buNone/>
+            </a:pPr>
+            <a:r>
+              <a:rPr lang="en-US" sz="1800" dirty="0"/>
+              <a:t>.column-3 {</a:t>
+            </a:r>
+          </a:p>
+          <a:p>
+            <a:pPr marL="0" indent="0">
+              <a:lnSpc>
+                <a:spcPct val="100000"/>
+              </a:lnSpc>
+              <a:buNone/>
+            </a:pPr>
+            <a:r>
+              <a:rPr lang="en-US" sz="1800" dirty="0"/>
+              <a:t>  width: 75%;</a:t>
+            </a:r>
+          </a:p>
+          <a:p>
+            <a:pPr marL="0" indent="0">
+              <a:lnSpc>
+                <a:spcPct val="100000"/>
+              </a:lnSpc>
+              <a:buNone/>
+            </a:pPr>
+            <a:r>
+              <a:rPr lang="en-US" sz="1800" dirty="0"/>
+              <a:t>}</a:t>
+            </a:r>
+          </a:p>
+          <a:p>
+            <a:pPr marL="0" indent="0">
+              <a:lnSpc>
+                <a:spcPct val="100000"/>
+              </a:lnSpc>
+              <a:buNone/>
+            </a:pPr>
+            <a:r>
+              <a:rPr lang="en-US" sz="1800" dirty="0"/>
+              <a:t>.column-4 {</a:t>
+            </a:r>
+          </a:p>
+          <a:p>
+            <a:pPr marL="0" indent="0">
+              <a:lnSpc>
+                <a:spcPct val="100000"/>
+              </a:lnSpc>
+              <a:buNone/>
+            </a:pPr>
+            <a:r>
+              <a:rPr lang="en-US" sz="1800" dirty="0"/>
+              <a:t>  width: 100%;</a:t>
+            </a:r>
+          </a:p>
+          <a:p>
+            <a:pPr marL="0" indent="0">
+              <a:lnSpc>
+                <a:spcPct val="100000"/>
+              </a:lnSpc>
+              <a:buNone/>
+            </a:pPr>
+            <a:r>
+              <a:rPr lang="en-US" sz="1800" dirty="0"/>
+              <a:t>}</a:t>
+            </a:r>
+            <a:endParaRPr lang="en-US" sz="1800" dirty="0"/>
           </a:p>
         </p:txBody>
       </p:sp>
     </p:spTree>
     <p:extLst>
       <p:ext uri="{BB962C8B-B14F-4D97-AF65-F5344CB8AC3E}">
-        <p14:creationId xmlns:p14="http://schemas.microsoft.com/office/powerpoint/2010/main" val="2494872064"/>
+        <p14:creationId xmlns:p14="http://schemas.microsoft.com/office/powerpoint/2010/main" val="491224325"/>
       </p:ext>
     </p:extLst>
   </p:cSld>
@@ -5009,29 +5472,20 @@
           <a:lstStyle/>
           <a:p>
             <a:r>
-              <a:rPr lang="en-US" dirty="0" err="1" smtClean="0">
-                <a:latin typeface="微软雅黑" panose="020B0503020204020204" pitchFamily="34" charset="-122"/>
-                <a:ea typeface="微软雅黑" panose="020B0503020204020204" pitchFamily="34" charset="-122"/>
-              </a:rPr>
-              <a:t>Seajs</a:t>
-            </a:r>
-            <a:r>
-              <a:rPr lang="en-US" dirty="0" smtClean="0">
-                <a:latin typeface="微软雅黑" panose="020B0503020204020204" pitchFamily="34" charset="-122"/>
-                <a:ea typeface="微软雅黑" panose="020B0503020204020204" pitchFamily="34" charset="-122"/>
-              </a:rPr>
-              <a:t>(seajs.org)</a:t>
-            </a:r>
-            <a:endParaRPr lang="en-US" dirty="0">
-              <a:latin typeface="微软雅黑" panose="020B0503020204020204" pitchFamily="34" charset="-122"/>
-              <a:ea typeface="微软雅黑" panose="020B0503020204020204" pitchFamily="34" charset="-122"/>
-            </a:endParaRPr>
-          </a:p>
-        </p:txBody>
-      </p:sp>
-      <p:sp>
-        <p:nvSpPr>
-          <p:cNvPr id="3" name="内容占位符 2"/>
+              <a:rPr lang="en-US" dirty="0" smtClean="0"/>
+              <a:t>Less </a:t>
+            </a:r>
+            <a:r>
+              <a:rPr lang="zh-CN" altLang="en-US" dirty="0" smtClean="0"/>
+              <a:t>函数</a:t>
+            </a:r>
+            <a:endParaRPr lang="en-US" dirty="0"/>
+          </a:p>
+        </p:txBody>
+      </p:sp>
+      <p:sp>
+        <p:nvSpPr>
+          <p:cNvPr id="4" name="内容占位符 2"/>
           <p:cNvSpPr>
             <a:spLocks noGrp="1"/>
           </p:cNvSpPr>
@@ -5039,107 +5493,133 @@
             <p:ph idx="1"/>
           </p:nvPr>
         </p:nvSpPr>
-        <p:spPr/>
-        <p:txBody>
-          <a:bodyPr/>
-          <a:lstStyle/>
-          <a:p>
-            <a:r>
-              <a:rPr lang="zh-CN" altLang="en-US" dirty="0" smtClean="0"/>
-              <a:t>自动模块加载框架</a:t>
-            </a:r>
-            <a:endParaRPr lang="en-US" altLang="zh-CN" dirty="0" smtClean="0"/>
-          </a:p>
-          <a:p>
-            <a:r>
-              <a:rPr lang="zh-CN" altLang="en-US" dirty="0" smtClean="0"/>
-              <a:t>简单</a:t>
-            </a:r>
-            <a:r>
-              <a:rPr lang="zh-CN" altLang="en-US" dirty="0"/>
-              <a:t>友好的模块定义</a:t>
-            </a:r>
-            <a:r>
-              <a:rPr lang="zh-CN" altLang="en-US" dirty="0" smtClean="0"/>
-              <a:t>规范 </a:t>
-            </a:r>
-            <a:r>
-              <a:rPr lang="en-US" altLang="zh-CN" dirty="0" smtClean="0"/>
-              <a:t>(CMD) </a:t>
-            </a:r>
-          </a:p>
-          <a:p>
-            <a:r>
-              <a:rPr lang="zh-CN" altLang="en-US" dirty="0" smtClean="0"/>
-              <a:t>和</a:t>
-            </a:r>
-            <a:r>
-              <a:rPr lang="en-US" altLang="zh-CN" dirty="0" smtClean="0"/>
-              <a:t>node.js</a:t>
-            </a:r>
-            <a:r>
-              <a:rPr lang="zh-CN" altLang="en-US" dirty="0" smtClean="0"/>
-              <a:t>的写法一样</a:t>
-            </a:r>
-            <a:endParaRPr lang="en-US" altLang="zh-CN" dirty="0" smtClean="0"/>
-          </a:p>
-          <a:p>
-            <a:r>
-              <a:rPr lang="zh-CN" altLang="en-US" dirty="0"/>
-              <a:t>自然直观的代码组织</a:t>
-            </a:r>
-            <a:r>
-              <a:rPr lang="zh-CN" altLang="en-US" dirty="0" smtClean="0"/>
-              <a:t>方式</a:t>
-            </a:r>
-            <a:r>
-              <a:rPr lang="en-US" altLang="zh-CN" dirty="0" smtClean="0"/>
-              <a:t>,</a:t>
-            </a:r>
-            <a:r>
-              <a:rPr lang="zh-CN" altLang="en-US" dirty="0"/>
-              <a:t> </a:t>
-            </a:r>
-            <a:r>
-              <a:rPr lang="zh-CN" altLang="en-US" dirty="0" smtClean="0"/>
-              <a:t>依赖自动</a:t>
-            </a:r>
-            <a:r>
-              <a:rPr lang="zh-CN" altLang="en-US" dirty="0"/>
-              <a:t>加载、</a:t>
-            </a:r>
-            <a:r>
-              <a:rPr lang="zh-CN" altLang="en-US" dirty="0" smtClean="0"/>
-              <a:t>配置简洁清晰</a:t>
-            </a:r>
-            <a:endParaRPr lang="en-US" altLang="zh-CN" dirty="0" smtClean="0"/>
-          </a:p>
-          <a:p>
-            <a:r>
-              <a:rPr lang="zh-CN" altLang="en-US" dirty="0" smtClean="0"/>
-              <a:t>提供常用插件和扩展接口</a:t>
-            </a:r>
-            <a:endParaRPr lang="en-US" dirty="0"/>
+        <p:spPr>
+          <a:xfrm>
+            <a:off x="838200" y="1565565"/>
+            <a:ext cx="10515600" cy="3463635"/>
+          </a:xfrm>
+        </p:spPr>
+        <p:style>
+          <a:lnRef idx="2">
+            <a:schemeClr val="accent1"/>
+          </a:lnRef>
+          <a:fillRef idx="1">
+            <a:schemeClr val="lt1"/>
+          </a:fillRef>
+          <a:effectRef idx="0">
+            <a:schemeClr val="accent1"/>
+          </a:effectRef>
+          <a:fontRef idx="minor">
+            <a:schemeClr val="dk1"/>
+          </a:fontRef>
+        </p:style>
+        <p:txBody>
+          <a:bodyPr>
+            <a:noAutofit/>
+          </a:bodyPr>
+          <a:lstStyle/>
+          <a:p>
+            <a:pPr marL="0" indent="0">
+              <a:lnSpc>
+                <a:spcPct val="100000"/>
+              </a:lnSpc>
+              <a:buNone/>
+            </a:pPr>
+            <a:r>
+              <a:rPr lang="en-US" sz="1800" dirty="0"/>
+              <a:t>@base: #f04615;</a:t>
+            </a:r>
+          </a:p>
+          <a:p>
+            <a:pPr marL="0" indent="0">
+              <a:lnSpc>
+                <a:spcPct val="100000"/>
+              </a:lnSpc>
+              <a:buNone/>
+            </a:pPr>
+            <a:r>
+              <a:rPr lang="en-US" sz="1800" dirty="0"/>
+              <a:t>@width: 0.5</a:t>
+            </a:r>
+            <a:r>
+              <a:rPr lang="en-US" sz="1800" dirty="0" smtClean="0"/>
+              <a:t>;</a:t>
+            </a:r>
+            <a:endParaRPr lang="en-US" sz="1800" dirty="0"/>
+          </a:p>
+          <a:p>
+            <a:pPr marL="0" indent="0">
+              <a:lnSpc>
+                <a:spcPct val="100000"/>
+              </a:lnSpc>
+              <a:buNone/>
+            </a:pPr>
+            <a:r>
+              <a:rPr lang="en-US" sz="1800" dirty="0"/>
+              <a:t>.class {</a:t>
+            </a:r>
+          </a:p>
+          <a:p>
+            <a:pPr marL="0" indent="0">
+              <a:lnSpc>
+                <a:spcPct val="100000"/>
+              </a:lnSpc>
+              <a:buNone/>
+            </a:pPr>
+            <a:r>
+              <a:rPr lang="en-US" sz="1800" dirty="0"/>
+              <a:t>    width: percentage(0.5); // returns `50%`</a:t>
+            </a:r>
+          </a:p>
+          <a:p>
+            <a:pPr marL="0" indent="0">
+              <a:lnSpc>
+                <a:spcPct val="100000"/>
+              </a:lnSpc>
+              <a:buNone/>
+            </a:pPr>
+            <a:r>
+              <a:rPr lang="en-US" sz="1800" dirty="0"/>
+              <a:t>    color: saturate(@base, 5%);</a:t>
+            </a:r>
+          </a:p>
+          <a:p>
+            <a:pPr marL="0" indent="0">
+              <a:lnSpc>
+                <a:spcPct val="100000"/>
+              </a:lnSpc>
+              <a:buNone/>
+            </a:pPr>
+            <a:r>
+              <a:rPr lang="en-US" sz="1800" dirty="0"/>
+              <a:t>    background-color: spin(lighten(@base, 25%), 8);</a:t>
+            </a:r>
+          </a:p>
+          <a:p>
+            <a:pPr marL="0" indent="0">
+              <a:lnSpc>
+                <a:spcPct val="100000"/>
+              </a:lnSpc>
+              <a:buNone/>
+            </a:pPr>
+            <a:r>
+              <a:rPr lang="en-US" sz="1800" dirty="0"/>
+              <a:t>}</a:t>
+            </a:r>
+            <a:endParaRPr lang="en-US" sz="1800" dirty="0"/>
           </a:p>
         </p:txBody>
       </p:sp>
     </p:spTree>
     <p:extLst>
       <p:ext uri="{BB962C8B-B14F-4D97-AF65-F5344CB8AC3E}">
-        <p14:creationId xmlns:p14="http://schemas.microsoft.com/office/powerpoint/2010/main" val="3011780872"/>
+        <p14:creationId xmlns:p14="http://schemas.microsoft.com/office/powerpoint/2010/main" val="1394365320"/>
       </p:ext>
     </p:extLst>
   </p:cSld>
   <p:clrMapOvr>
     <a:masterClrMapping/>
   </p:clrMapOvr>
-  <p:timing>
-    <p:tnLst>
-      <p:par>
-        <p:cTn id="1" dur="indefinite" restart="never" nodeType="tmRoot"/>
-      </p:par>
-    </p:tnLst>
-  </p:timing>
 </p:sld>
 </file>
 
@@ -5376,7 +5856,30 @@
                 <a:latin typeface="微软雅黑" panose="020B0503020204020204" pitchFamily="34" charset="-122"/>
                 <a:ea typeface="微软雅黑" panose="020B0503020204020204" pitchFamily="34" charset="-122"/>
               </a:rPr>
-              <a:t>(node.js</a:t>
+              <a:t>(node.js)</a:t>
+            </a:r>
+          </a:p>
+          <a:p>
+            <a:r>
+              <a:rPr lang="zh-CN" altLang="en-US" dirty="0" smtClean="0">
+                <a:latin typeface="微软雅黑" panose="020B0503020204020204" pitchFamily="34" charset="-122"/>
+                <a:ea typeface="微软雅黑" panose="020B0503020204020204" pitchFamily="34" charset="-122"/>
+              </a:rPr>
+              <a:t>上游为</a:t>
+            </a:r>
+            <a:r>
+              <a:rPr lang="en-US" altLang="zh-CN" dirty="0" smtClean="0">
+                <a:latin typeface="微软雅黑" panose="020B0503020204020204" pitchFamily="34" charset="-122"/>
+                <a:ea typeface="微软雅黑" panose="020B0503020204020204" pitchFamily="34" charset="-122"/>
+              </a:rPr>
+              <a:t>UI(</a:t>
+            </a:r>
+            <a:r>
+              <a:rPr lang="zh-CN" altLang="en-US" dirty="0" smtClean="0">
+                <a:latin typeface="微软雅黑" panose="020B0503020204020204" pitchFamily="34" charset="-122"/>
+                <a:ea typeface="微软雅黑" panose="020B0503020204020204" pitchFamily="34" charset="-122"/>
+              </a:rPr>
+              <a:t>交互设计师</a:t>
             </a:r>
             <a:r>
               <a:rPr lang="en-US" altLang="zh-CN" dirty="0" smtClean="0">
@@ -5385,28 +5888,26 @@
               </a:rPr>
               <a:t>)</a:t>
             </a:r>
-          </a:p>
-          <a:p>
             <a:r>
               <a:rPr lang="zh-CN" altLang="en-US" dirty="0" smtClean="0">
                 <a:latin typeface="微软雅黑" panose="020B0503020204020204" pitchFamily="34" charset="-122"/>
                 <a:ea typeface="微软雅黑" panose="020B0503020204020204" pitchFamily="34" charset="-122"/>
               </a:rPr>
-              <a:t>上游为</a:t>
+              <a:t>下游为</a:t>
             </a:r>
             <a:r>
               <a:rPr lang="en-US" altLang="zh-CN" dirty="0" smtClean="0">
                 <a:latin typeface="微软雅黑" panose="020B0503020204020204" pitchFamily="34" charset="-122"/>
                 <a:ea typeface="微软雅黑" panose="020B0503020204020204" pitchFamily="34" charset="-122"/>
               </a:rPr>
-              <a:t>UI(</a:t>
+              <a:t>(</a:t>
             </a:r>
             <a:r>
               <a:rPr lang="zh-CN" altLang="en-US" dirty="0" smtClean="0">
                 <a:latin typeface="微软雅黑" panose="020B0503020204020204" pitchFamily="34" charset="-122"/>
                 <a:ea typeface="微软雅黑" panose="020B0503020204020204" pitchFamily="34" charset="-122"/>
               </a:rPr>
-              <a:t>交互设计师</a:t>
+              <a:t>软件工程师</a:t>
             </a:r>
             <a:r>
               <a:rPr lang="en-US" altLang="zh-CN" dirty="0" smtClean="0">
@@ -5415,38 +5916,6 @@
               </a:rPr>
               <a:t>)</a:t>
             </a:r>
-            <a:r>
-              <a:rPr lang="zh-CN" altLang="en-US" dirty="0" smtClean="0">
-                <a:latin typeface="微软雅黑" panose="020B0503020204020204" pitchFamily="34" charset="-122"/>
-                <a:ea typeface="微软雅黑" panose="020B0503020204020204" pitchFamily="34" charset="-122"/>
-              </a:rPr>
-              <a:t>下游为</a:t>
-            </a:r>
-            <a:r>
-              <a:rPr lang="en-US" altLang="zh-CN" dirty="0" smtClean="0">
-                <a:latin typeface="微软雅黑" panose="020B0503020204020204" pitchFamily="34" charset="-122"/>
-                <a:ea typeface="微软雅黑" panose="020B0503020204020204" pitchFamily="34" charset="-122"/>
-              </a:rPr>
-              <a:t>(</a:t>
-            </a:r>
-            <a:r>
-              <a:rPr lang="zh-CN" altLang="en-US" dirty="0" smtClean="0">
-                <a:latin typeface="微软雅黑" panose="020B0503020204020204" pitchFamily="34" charset="-122"/>
-                <a:ea typeface="微软雅黑" panose="020B0503020204020204" pitchFamily="34" charset="-122"/>
-              </a:rPr>
-              <a:t>软件工程师</a:t>
-            </a:r>
-            <a:r>
-              <a:rPr lang="en-US" altLang="zh-CN" dirty="0" smtClean="0">
-                <a:latin typeface="微软雅黑" panose="020B0503020204020204" pitchFamily="34" charset="-122"/>
-                <a:ea typeface="微软雅黑" panose="020B0503020204020204" pitchFamily="34" charset="-122"/>
-              </a:rPr>
-              <a:t>)</a:t>
-            </a:r>
-            <a:endParaRPr lang="en-US" altLang="zh-CN" dirty="0" smtClean="0">
-              <a:latin typeface="微软雅黑" panose="020B0503020204020204" pitchFamily="34" charset="-122"/>
-              <a:ea typeface="微软雅黑" panose="020B0503020204020204" pitchFamily="34" charset="-122"/>
-            </a:endParaRPr>
           </a:p>
           <a:p>
             <a:endParaRPr lang="en-US" dirty="0">
@@ -5505,107 +5974,81 @@
         </p:nvSpPr>
         <p:spPr/>
         <p:txBody>
+          <a:bodyPr/>
+          <a:lstStyle/>
+          <a:p>
+            <a:r>
+              <a:rPr lang="en-US" altLang="zh-CN" dirty="0" smtClean="0"/>
+              <a:t>Less </a:t>
+            </a:r>
+            <a:r>
+              <a:rPr lang="zh-CN" altLang="en-US" dirty="0" smtClean="0"/>
+              <a:t>导入</a:t>
+            </a:r>
+            <a:endParaRPr lang="en-US" dirty="0"/>
+          </a:p>
+        </p:txBody>
+      </p:sp>
+      <p:sp>
+        <p:nvSpPr>
+          <p:cNvPr id="4" name="内容占位符 2"/>
+          <p:cNvSpPr>
+            <a:spLocks noGrp="1"/>
+          </p:cNvSpPr>
+          <p:nvPr>
+            <p:ph idx="1"/>
+          </p:nvPr>
+        </p:nvSpPr>
+        <p:spPr>
+          <a:xfrm>
+            <a:off x="838200" y="2064327"/>
+            <a:ext cx="10515600" cy="2964873"/>
+          </a:xfrm>
+        </p:spPr>
+        <p:style>
+          <a:lnRef idx="2">
+            <a:schemeClr val="accent1"/>
+          </a:lnRef>
+          <a:fillRef idx="1">
+            <a:schemeClr val="lt1"/>
+          </a:fillRef>
+          <a:effectRef idx="0">
+            <a:schemeClr val="accent1"/>
+          </a:effectRef>
+          <a:fontRef idx="minor">
+            <a:schemeClr val="dk1"/>
+          </a:fontRef>
+        </p:style>
+        <p:txBody>
           <a:bodyPr>
-            <a:normAutofit/>
+            <a:noAutofit/>
           </a:bodyPr>
           <a:lstStyle/>
           <a:p>
-            <a:r>
-              <a:rPr lang="en-US" altLang="zh-CN" dirty="0">
-                <a:latin typeface="微软雅黑" panose="020B0503020204020204" pitchFamily="34" charset="-122"/>
-                <a:ea typeface="微软雅黑" panose="020B0503020204020204" pitchFamily="34" charset="-122"/>
-              </a:rPr>
-              <a:t>W3C</a:t>
-            </a:r>
-            <a:r>
-              <a:rPr lang="zh-CN" altLang="en-US" dirty="0" smtClean="0">
-                <a:latin typeface="微软雅黑" panose="020B0503020204020204" pitchFamily="34" charset="-122"/>
-                <a:ea typeface="微软雅黑" panose="020B0503020204020204" pitchFamily="34" charset="-122"/>
-              </a:rPr>
-              <a:t>标准</a:t>
-            </a:r>
-            <a:r>
-              <a:rPr lang="en-US" altLang="zh-CN" dirty="0" smtClean="0">
-                <a:latin typeface="微软雅黑" panose="020B0503020204020204" pitchFamily="34" charset="-122"/>
-                <a:ea typeface="微软雅黑" panose="020B0503020204020204" pitchFamily="34" charset="-122"/>
-              </a:rPr>
-              <a:t>(</a:t>
-            </a:r>
-            <a:r>
-              <a:rPr lang="zh-CN" altLang="en-US" dirty="0">
-                <a:latin typeface="微软雅黑" panose="020B0503020204020204" pitchFamily="34" charset="-122"/>
-                <a:ea typeface="微软雅黑" panose="020B0503020204020204" pitchFamily="34" charset="-122"/>
-              </a:rPr>
-              <a:t>万维网联盟</a:t>
-            </a:r>
-            <a:r>
-              <a:rPr lang="en-US" altLang="zh-CN" dirty="0" smtClean="0">
-                <a:latin typeface="微软雅黑" panose="020B0503020204020204" pitchFamily="34" charset="-122"/>
-                <a:ea typeface="微软雅黑" panose="020B0503020204020204" pitchFamily="34" charset="-122"/>
-              </a:rPr>
-              <a:t>)</a:t>
-            </a:r>
-            <a:endParaRPr lang="en-US" dirty="0">
-              <a:latin typeface="微软雅黑" panose="020B0503020204020204" pitchFamily="34" charset="-122"/>
-              <a:ea typeface="微软雅黑" panose="020B0503020204020204" pitchFamily="34" charset="-122"/>
-            </a:endParaRPr>
-          </a:p>
-        </p:txBody>
-      </p:sp>
-      <p:sp>
-        <p:nvSpPr>
-          <p:cNvPr id="3" name="内容占位符 2"/>
-          <p:cNvSpPr>
-            <a:spLocks noGrp="1"/>
-          </p:cNvSpPr>
-          <p:nvPr>
-            <p:ph idx="1"/>
-          </p:nvPr>
-        </p:nvSpPr>
-        <p:spPr/>
-        <p:txBody>
-          <a:bodyPr/>
-          <a:lstStyle/>
-          <a:p>
-            <a:r>
-              <a:rPr lang="zh-CN" altLang="en-US" dirty="0" smtClean="0"/>
-              <a:t>机构化标准</a:t>
-            </a:r>
-            <a:endParaRPr lang="en-US" altLang="zh-CN" dirty="0" smtClean="0"/>
-          </a:p>
-          <a:p>
-            <a:r>
-              <a:rPr lang="zh-CN" altLang="en-US" dirty="0" smtClean="0"/>
-              <a:t>表现标准</a:t>
-            </a:r>
-            <a:endParaRPr lang="en-US" altLang="zh-CN" dirty="0" smtClean="0"/>
-          </a:p>
-          <a:p>
-            <a:r>
-              <a:rPr lang="zh-CN" altLang="en-US" dirty="0" smtClean="0"/>
-              <a:t>行为标准</a:t>
-            </a:r>
-            <a:endParaRPr lang="en-US" dirty="0"/>
+            <a:pPr marL="0" indent="0">
+              <a:lnSpc>
+                <a:spcPct val="100000"/>
+              </a:lnSpc>
+              <a:buNone/>
+            </a:pPr>
+            <a:r>
+              <a:rPr lang="en-US" sz="1800" dirty="0"/>
+              <a:t>@import "lib.css";</a:t>
+            </a:r>
+            <a:endParaRPr lang="en-US" sz="1800" dirty="0"/>
           </a:p>
         </p:txBody>
       </p:sp>
     </p:spTree>
     <p:extLst>
       <p:ext uri="{BB962C8B-B14F-4D97-AF65-F5344CB8AC3E}">
-        <p14:creationId xmlns:p14="http://schemas.microsoft.com/office/powerpoint/2010/main" val="2404099156"/>
+        <p14:creationId xmlns:p14="http://schemas.microsoft.com/office/powerpoint/2010/main" val="771754195"/>
       </p:ext>
     </p:extLst>
   </p:cSld>
   <p:clrMapOvr>
     <a:masterClrMapping/>
   </p:clrMapOvr>
-  <p:timing>
-    <p:tnLst>
-      <p:par>
-        <p:cTn id="1" dur="indefinite" restart="never" nodeType="tmRoot"/>
-      </p:par>
-    </p:tnLst>
-  </p:timing>
 </p:sld>
 </file>
 
@@ -5638,22 +6081,16 @@
         </p:nvSpPr>
         <p:spPr/>
         <p:txBody>
-          <a:bodyPr>
-            <a:normAutofit/>
-          </a:bodyPr>
-          <a:lstStyle/>
-          <a:p>
-            <a:r>
-              <a:rPr lang="zh-CN" altLang="en-US" dirty="0">
+          <a:bodyPr/>
+          <a:lstStyle/>
+          <a:p>
+            <a:r>
+              <a:rPr lang="en-US" dirty="0">
                 <a:latin typeface="微软雅黑" panose="020B0503020204020204" pitchFamily="34" charset="-122"/>
                 <a:ea typeface="微软雅黑" panose="020B0503020204020204" pitchFamily="34" charset="-122"/>
               </a:rPr>
-              <a:t>前端性能</a:t>
-            </a:r>
-            <a:endParaRPr lang="en-US" dirty="0">
-              <a:latin typeface="微软雅黑" panose="020B0503020204020204" pitchFamily="34" charset="-122"/>
-              <a:ea typeface="微软雅黑" panose="020B0503020204020204" pitchFamily="34" charset="-122"/>
-            </a:endParaRPr>
+              <a:t>Bootstrap(bootcss.com)</a:t>
+            </a:r>
           </a:p>
         </p:txBody>
       </p:sp>
@@ -5669,195 +6106,75 @@
         </p:nvSpPr>
         <p:spPr/>
         <p:txBody>
-          <a:bodyPr>
-            <a:normAutofit/>
-          </a:bodyPr>
-          <a:lstStyle/>
-          <a:p>
-            <a:r>
-              <a:rPr lang="zh-CN" altLang="en-US" sz="1800" dirty="0"/>
-              <a:t>尽量减少</a:t>
-            </a:r>
-            <a:r>
-              <a:rPr lang="en-US" altLang="zh-CN" sz="1800" dirty="0"/>
-              <a:t>HTTP</a:t>
-            </a:r>
-            <a:r>
-              <a:rPr lang="zh-CN" altLang="en-US" sz="1800" dirty="0" smtClean="0"/>
-              <a:t>请求</a:t>
-            </a:r>
-            <a:endParaRPr lang="en-US" altLang="zh-CN" sz="1800" dirty="0" smtClean="0"/>
-          </a:p>
-          <a:p>
-            <a:r>
-              <a:rPr lang="zh-CN" altLang="en-US" sz="1800" dirty="0"/>
-              <a:t>使用内容发布</a:t>
-            </a:r>
-            <a:r>
-              <a:rPr lang="zh-CN" altLang="en-US" sz="1800" dirty="0" smtClean="0"/>
-              <a:t>网络</a:t>
-            </a:r>
-            <a:r>
-              <a:rPr lang="en-US" altLang="zh-CN" sz="1800" dirty="0" smtClean="0"/>
-              <a:t>(CDN)</a:t>
-            </a:r>
-          </a:p>
-          <a:p>
-            <a:r>
-              <a:rPr lang="zh-CN" altLang="en-US" sz="1800" dirty="0"/>
-              <a:t>添加</a:t>
-            </a:r>
-            <a:r>
-              <a:rPr lang="en-US" sz="1800" dirty="0"/>
-              <a:t>Expires</a:t>
-            </a:r>
-            <a:r>
-              <a:rPr lang="zh-CN" altLang="en-US" sz="1800" dirty="0" smtClean="0"/>
-              <a:t>头</a:t>
-            </a:r>
-            <a:endParaRPr lang="en-US" altLang="zh-CN" sz="1800" dirty="0" smtClean="0"/>
-          </a:p>
-          <a:p>
-            <a:r>
-              <a:rPr lang="zh-CN" altLang="en-US" sz="1800" dirty="0"/>
-              <a:t>压缩组件（使用</a:t>
-            </a:r>
-            <a:r>
-              <a:rPr lang="en-US" altLang="zh-CN" sz="1800" dirty="0" err="1"/>
-              <a:t>Gzip</a:t>
-            </a:r>
-            <a:r>
-              <a:rPr lang="zh-CN" altLang="en-US" sz="1800" dirty="0"/>
-              <a:t>方式</a:t>
-            </a:r>
-            <a:r>
-              <a:rPr lang="zh-CN" altLang="en-US" sz="1800" dirty="0" smtClean="0"/>
-              <a:t>）</a:t>
-            </a:r>
-            <a:endParaRPr lang="en-US" altLang="zh-CN" sz="1800" dirty="0" smtClean="0"/>
-          </a:p>
-          <a:p>
-            <a:r>
-              <a:rPr lang="zh-CN" altLang="en-US" sz="1800" dirty="0"/>
-              <a:t>将</a:t>
-            </a:r>
-            <a:r>
-              <a:rPr lang="en-US" altLang="zh-CN" sz="1800" dirty="0"/>
-              <a:t>CSS</a:t>
-            </a:r>
-            <a:r>
-              <a:rPr lang="zh-CN" altLang="en-US" sz="1800" dirty="0"/>
-              <a:t>样式表放在</a:t>
-            </a:r>
-            <a:r>
-              <a:rPr lang="zh-CN" altLang="en-US" sz="1800" dirty="0" smtClean="0"/>
-              <a:t>顶部</a:t>
-            </a:r>
-            <a:endParaRPr lang="en-US" altLang="zh-CN" sz="1800" dirty="0" smtClean="0"/>
-          </a:p>
-          <a:p>
-            <a:r>
-              <a:rPr lang="zh-CN" altLang="en-US" sz="1800" dirty="0"/>
-              <a:t>将</a:t>
-            </a:r>
-            <a:r>
-              <a:rPr lang="en-US" sz="1800" dirty="0" err="1"/>
-              <a:t>javascript</a:t>
-            </a:r>
-            <a:r>
-              <a:rPr lang="zh-CN" altLang="en-US" sz="1800" dirty="0"/>
-              <a:t>脚本放在</a:t>
-            </a:r>
-            <a:r>
-              <a:rPr lang="zh-CN" altLang="en-US" sz="1800" dirty="0" smtClean="0"/>
-              <a:t>底部</a:t>
-            </a:r>
-            <a:endParaRPr lang="en-US" altLang="zh-CN" sz="1800" dirty="0" smtClean="0"/>
-          </a:p>
-          <a:p>
-            <a:r>
-              <a:rPr lang="zh-CN" altLang="en-US" sz="1800" dirty="0"/>
-              <a:t>避免使用</a:t>
-            </a:r>
-            <a:r>
-              <a:rPr lang="en-US" altLang="zh-CN" sz="1800" dirty="0"/>
-              <a:t>CSS</a:t>
-            </a:r>
-            <a:r>
-              <a:rPr lang="zh-CN" altLang="en-US" sz="1800" dirty="0" smtClean="0"/>
-              <a:t>表达式</a:t>
-            </a:r>
-            <a:endParaRPr lang="en-US" altLang="zh-CN" sz="1800" dirty="0" smtClean="0"/>
-          </a:p>
-          <a:p>
-            <a:r>
-              <a:rPr lang="zh-CN" altLang="en-US" sz="1800" dirty="0"/>
-              <a:t>使用外部</a:t>
-            </a:r>
-            <a:r>
-              <a:rPr lang="en-US" sz="1800" dirty="0" err="1"/>
-              <a:t>javascript</a:t>
-            </a:r>
-            <a:r>
-              <a:rPr lang="zh-CN" altLang="en-US" sz="1800" dirty="0"/>
-              <a:t>和</a:t>
-            </a:r>
-            <a:r>
-              <a:rPr lang="en-US" sz="1800" dirty="0" smtClean="0"/>
-              <a:t>CSS</a:t>
-            </a:r>
-          </a:p>
-          <a:p>
-            <a:r>
-              <a:rPr lang="zh-CN" altLang="en-US" sz="1800" dirty="0"/>
-              <a:t>减少</a:t>
-            </a:r>
-            <a:r>
-              <a:rPr lang="en-US" sz="1800" dirty="0"/>
-              <a:t>DNS</a:t>
-            </a:r>
-            <a:r>
-              <a:rPr lang="zh-CN" altLang="en-US" sz="1800" dirty="0" smtClean="0"/>
-              <a:t>查询</a:t>
-            </a:r>
-            <a:endParaRPr lang="en-US" altLang="zh-CN" sz="1800" dirty="0" smtClean="0"/>
-          </a:p>
-          <a:p>
-            <a:r>
-              <a:rPr lang="zh-CN" altLang="en-US" sz="1800" dirty="0"/>
-              <a:t>精简</a:t>
-            </a:r>
-            <a:r>
-              <a:rPr lang="en-US" sz="1800" dirty="0" err="1" smtClean="0"/>
-              <a:t>javascript</a:t>
-            </a:r>
-            <a:endParaRPr lang="en-US" sz="1800" dirty="0" smtClean="0"/>
-          </a:p>
-          <a:p>
-            <a:r>
-              <a:rPr lang="zh-CN" altLang="en-US" sz="1800" dirty="0" smtClean="0"/>
-              <a:t>使</a:t>
-            </a:r>
-            <a:r>
-              <a:rPr lang="en-US" sz="1800" dirty="0"/>
-              <a:t>Ajax</a:t>
-            </a:r>
-            <a:r>
-              <a:rPr lang="zh-CN" altLang="en-US" sz="1800" dirty="0"/>
-              <a:t>可</a:t>
-            </a:r>
-            <a:r>
-              <a:rPr lang="zh-CN" altLang="en-US" sz="1800" dirty="0" smtClean="0"/>
-              <a:t>缓存数据到本地</a:t>
-            </a:r>
-            <a:endParaRPr lang="en-US" sz="1800" dirty="0" smtClean="0"/>
+          <a:bodyPr/>
+          <a:lstStyle/>
+          <a:p>
+            <a:pPr marL="0" indent="0">
+              <a:buNone/>
+            </a:pPr>
+            <a:r>
+              <a:rPr lang="en-US" altLang="zh-CN" dirty="0" smtClean="0"/>
+              <a:t>	</a:t>
+            </a:r>
+            <a:r>
+              <a:rPr lang="zh-CN" altLang="en-US" dirty="0" smtClean="0"/>
+              <a:t>基于</a:t>
+            </a:r>
+            <a:r>
+              <a:rPr lang="en-US" dirty="0" smtClean="0"/>
+              <a:t>HTML，CSS，JAVASCRIPT</a:t>
+            </a:r>
+            <a:r>
+              <a:rPr lang="zh-CN" altLang="en-US" dirty="0" smtClean="0"/>
+              <a:t>的简洁灵活的流行前端框架及交互组件集</a:t>
+            </a:r>
+            <a:endParaRPr lang="en-US" altLang="zh-CN" dirty="0" smtClean="0"/>
+          </a:p>
+          <a:p>
+            <a:pPr marL="0" indent="0">
+              <a:buNone/>
+            </a:pPr>
+            <a:endParaRPr lang="en-US" altLang="zh-CN" dirty="0" smtClean="0"/>
+          </a:p>
+          <a:p>
+            <a:pPr marL="514350" indent="-514350">
+              <a:buFont typeface="+mj-lt"/>
+              <a:buAutoNum type="arabicPeriod"/>
+            </a:pPr>
+            <a:r>
+              <a:rPr lang="zh-CN" altLang="en-US" dirty="0" smtClean="0"/>
+              <a:t>自定义</a:t>
+            </a:r>
+            <a:endParaRPr lang="en-US" altLang="zh-CN" dirty="0" smtClean="0"/>
+          </a:p>
+          <a:p>
+            <a:pPr marL="514350" indent="-514350">
+              <a:buFont typeface="+mj-lt"/>
+              <a:buAutoNum type="arabicPeriod"/>
+            </a:pPr>
+            <a:r>
+              <a:rPr lang="zh-CN" altLang="en-US" dirty="0" smtClean="0"/>
+              <a:t>编译</a:t>
+            </a:r>
+            <a:endParaRPr lang="en-US" altLang="zh-CN" dirty="0" smtClean="0"/>
+          </a:p>
+          <a:p>
+            <a:pPr marL="514350" indent="-514350">
+              <a:buFont typeface="+mj-lt"/>
+              <a:buAutoNum type="arabicPeriod"/>
+            </a:pPr>
+            <a:r>
+              <a:rPr lang="zh-CN" altLang="en-US" dirty="0"/>
+              <a:t>使用</a:t>
+            </a:r>
+            <a:endParaRPr lang="en-US" altLang="zh-CN" dirty="0" smtClean="0"/>
           </a:p>
         </p:txBody>
       </p:sp>
     </p:spTree>
     <p:extLst>
       <p:ext uri="{BB962C8B-B14F-4D97-AF65-F5344CB8AC3E}">
-        <p14:creationId xmlns:p14="http://schemas.microsoft.com/office/powerpoint/2010/main" val="1574961573"/>
+        <p14:creationId xmlns:p14="http://schemas.microsoft.com/office/powerpoint/2010/main" val="2044090847"/>
       </p:ext>
     </p:extLst>
   </p:cSld>
@@ -5907,14 +6224,16 @@
           <a:lstStyle/>
           <a:p>
             <a:r>
-              <a:rPr lang="zh-CN" altLang="en-US" b="1" dirty="0"/>
-              <a:t>把你份内之事做到</a:t>
-            </a:r>
-            <a:r>
-              <a:rPr lang="zh-CN" altLang="en-US" b="1" dirty="0" smtClean="0"/>
-              <a:t>极致</a:t>
-            </a:r>
-            <a:endParaRPr lang="en-US" dirty="0"/>
+              <a:rPr lang="en-US" dirty="0" smtClean="0">
+                <a:latin typeface="微软雅黑" panose="020B0503020204020204" pitchFamily="34" charset="-122"/>
+                <a:ea typeface="微软雅黑" panose="020B0503020204020204" pitchFamily="34" charset="-122"/>
+              </a:rPr>
+              <a:t>Grunt(www.gruntjs.net)</a:t>
+            </a:r>
+            <a:endParaRPr lang="en-US" dirty="0">
+              <a:latin typeface="微软雅黑" panose="020B0503020204020204" pitchFamily="34" charset="-122"/>
+              <a:ea typeface="微软雅黑" panose="020B0503020204020204" pitchFamily="34" charset="-122"/>
+            </a:endParaRPr>
           </a:p>
         </p:txBody>
       </p:sp>
@@ -5934,15 +6253,104 @@
           <a:lstStyle/>
           <a:p>
             <a:r>
+              <a:rPr lang="en-US" altLang="zh-CN" dirty="0" err="1" smtClean="0"/>
+              <a:t>Javascript</a:t>
+            </a:r>
+            <a:r>
+              <a:rPr lang="en-US" altLang="zh-CN" dirty="0" smtClean="0"/>
+              <a:t> </a:t>
+            </a:r>
+            <a:r>
               <a:rPr lang="zh-CN" altLang="en-US" dirty="0" smtClean="0"/>
-              <a:t>克军</a:t>
+              <a:t>世界</a:t>
+            </a:r>
+            <a:r>
+              <a:rPr lang="zh-CN" altLang="en-US" dirty="0"/>
+              <a:t>的构建</a:t>
+            </a:r>
+            <a:r>
+              <a:rPr lang="zh-CN" altLang="en-US" dirty="0" smtClean="0"/>
+              <a:t>工具</a:t>
+            </a:r>
+            <a:endParaRPr lang="en-US" altLang="zh-CN" dirty="0"/>
+          </a:p>
+          <a:p>
+            <a:r>
+              <a:rPr lang="zh-CN" altLang="en-US" dirty="0" smtClean="0"/>
+              <a:t>自动化完成工具</a:t>
             </a:r>
             <a:endParaRPr lang="en-US" altLang="zh-CN" dirty="0" smtClean="0"/>
           </a:p>
           <a:p>
             <a:r>
               <a:rPr lang="zh-CN" altLang="en-US" dirty="0" smtClean="0"/>
-              <a:t>玉伯</a:t>
+              <a:t>有庞大的生态系统</a:t>
+            </a:r>
+            <a:endParaRPr lang="en-US" altLang="zh-CN" dirty="0" smtClean="0"/>
+          </a:p>
+          <a:p>
+            <a:pPr marL="0" indent="0">
+              <a:buNone/>
+            </a:pPr>
+            <a:endParaRPr lang="en-US" altLang="zh-CN" dirty="0" smtClean="0"/>
+          </a:p>
+          <a:p>
+            <a:pPr marL="0" indent="0">
+              <a:buNone/>
+            </a:pPr>
+            <a:r>
+              <a:rPr lang="en-US" dirty="0"/>
+              <a:t>	</a:t>
+            </a:r>
+            <a:r>
+              <a:rPr lang="zh-CN" altLang="en-US" dirty="0" smtClean="0"/>
+              <a:t>安装 </a:t>
+            </a:r>
+            <a:r>
+              <a:rPr lang="en-US" altLang="zh-CN" dirty="0" smtClean="0"/>
+              <a:t>:</a:t>
+            </a:r>
+            <a:r>
+              <a:rPr lang="en-US" altLang="zh-CN" dirty="0" err="1" smtClean="0"/>
+              <a:t>npm</a:t>
+            </a:r>
+            <a:r>
+              <a:rPr lang="en-US" altLang="zh-CN" dirty="0"/>
+              <a:t> install </a:t>
+            </a:r>
+            <a:r>
+              <a:rPr lang="en-US" altLang="zh-CN" dirty="0" smtClean="0"/>
+              <a:t>grunt-cli –g</a:t>
+            </a:r>
+          </a:p>
+          <a:p>
+            <a:pPr marL="0" indent="0">
+              <a:buNone/>
+            </a:pPr>
+            <a:r>
+              <a:rPr lang="en-US" dirty="0"/>
+              <a:t>	</a:t>
+            </a:r>
+            <a:r>
+              <a:rPr lang="zh-CN" altLang="en-US" dirty="0" smtClean="0"/>
+              <a:t>使用</a:t>
+            </a:r>
+            <a:r>
+              <a:rPr lang="en-US" altLang="zh-CN" dirty="0" smtClean="0"/>
+              <a:t>:</a:t>
+            </a:r>
+          </a:p>
+          <a:p>
+            <a:pPr marL="0" indent="0">
+              <a:buNone/>
+            </a:pPr>
+            <a:r>
+              <a:rPr lang="en-US" dirty="0"/>
+              <a:t>	</a:t>
+            </a:r>
+            <a:r>
+              <a:rPr lang="en-US" dirty="0" smtClean="0"/>
+              <a:t>	grunt xx</a:t>
             </a:r>
             <a:endParaRPr lang="en-US" dirty="0"/>
           </a:p>
@@ -5951,7 +6359,7 @@
     </p:spTree>
     <p:extLst>
       <p:ext uri="{BB962C8B-B14F-4D97-AF65-F5344CB8AC3E}">
-        <p14:creationId xmlns:p14="http://schemas.microsoft.com/office/powerpoint/2010/main" val="2394040145"/>
+        <p14:creationId xmlns:p14="http://schemas.microsoft.com/office/powerpoint/2010/main" val="2331359407"/>
       </p:ext>
     </p:extLst>
   </p:cSld>
@@ -5995,35 +6403,1405 @@
             <p:ph type="title"/>
           </p:nvPr>
         </p:nvSpPr>
-        <p:spPr>
-          <a:xfrm>
-            <a:off x="699655" y="2734252"/>
-            <a:ext cx="10515600" cy="1325563"/>
-          </a:xfrm>
-        </p:spPr>
-        <p:txBody>
-          <a:bodyPr/>
-          <a:lstStyle/>
-          <a:p>
-            <a:pPr algn="ctr"/>
-            <a:r>
-              <a:rPr lang="en-US" sz="8000" dirty="0" smtClean="0">
+        <p:spPr/>
+        <p:txBody>
+          <a:bodyPr>
+            <a:normAutofit/>
+          </a:bodyPr>
+          <a:lstStyle/>
+          <a:p>
+            <a:r>
+              <a:rPr lang="en-US" altLang="zh-CN" dirty="0">
                 <a:latin typeface="微软雅黑" panose="020B0503020204020204" pitchFamily="34" charset="-122"/>
                 <a:ea typeface="微软雅黑" panose="020B0503020204020204" pitchFamily="34" charset="-122"/>
               </a:rPr>
-              <a:t>Q&amp;A</a:t>
-            </a:r>
-            <a:endParaRPr lang="en-US" sz="8000" dirty="0">
+              <a:t>Grunt</a:t>
+            </a:r>
+            <a:r>
+              <a:rPr lang="zh-CN" altLang="en-US" dirty="0">
+                <a:latin typeface="微软雅黑" panose="020B0503020204020204" pitchFamily="34" charset="-122"/>
+                <a:ea typeface="微软雅黑" panose="020B0503020204020204" pitchFamily="34" charset="-122"/>
+              </a:rPr>
+              <a:t>常用工具</a:t>
+            </a:r>
+            <a:endParaRPr lang="en-US" dirty="0">
               <a:latin typeface="微软雅黑" panose="020B0503020204020204" pitchFamily="34" charset="-122"/>
               <a:ea typeface="微软雅黑" panose="020B0503020204020204" pitchFamily="34" charset="-122"/>
             </a:endParaRPr>
           </a:p>
         </p:txBody>
       </p:sp>
+      <p:sp>
+        <p:nvSpPr>
+          <p:cNvPr id="3" name="内容占位符 2"/>
+          <p:cNvSpPr>
+            <a:spLocks noGrp="1"/>
+          </p:cNvSpPr>
+          <p:nvPr>
+            <p:ph idx="1"/>
+          </p:nvPr>
+        </p:nvSpPr>
+        <p:spPr/>
+        <p:txBody>
+          <a:bodyPr/>
+          <a:lstStyle/>
+          <a:p>
+            <a:r>
+              <a:rPr lang="en-US" sz="1600" dirty="0" smtClean="0"/>
+              <a:t>Clean(</a:t>
+            </a:r>
+            <a:r>
+              <a:rPr lang="zh-CN" altLang="en-US" sz="1600" dirty="0" smtClean="0"/>
+              <a:t>清理</a:t>
+            </a:r>
+            <a:r>
+              <a:rPr lang="en-US" sz="1600" dirty="0" smtClean="0"/>
+              <a:t>)</a:t>
+            </a:r>
+          </a:p>
+          <a:p>
+            <a:r>
+              <a:rPr lang="en-US" sz="1600" dirty="0" err="1" smtClean="0"/>
+              <a:t>Concat</a:t>
+            </a:r>
+            <a:r>
+              <a:rPr lang="en-US" sz="1600" dirty="0" smtClean="0"/>
+              <a:t>(</a:t>
+            </a:r>
+            <a:r>
+              <a:rPr lang="zh-CN" altLang="en-US" sz="1600" dirty="0" smtClean="0"/>
+              <a:t>合并</a:t>
+            </a:r>
+            <a:r>
+              <a:rPr lang="en-US" sz="1600" dirty="0" smtClean="0"/>
+              <a:t>)</a:t>
+            </a:r>
+          </a:p>
+          <a:p>
+            <a:r>
+              <a:rPr lang="en-US" sz="1600" dirty="0" err="1" smtClean="0"/>
+              <a:t>Uglify</a:t>
+            </a:r>
+            <a:r>
+              <a:rPr lang="en-US" sz="1600" dirty="0" smtClean="0"/>
+              <a:t>(</a:t>
+            </a:r>
+            <a:r>
+              <a:rPr lang="en-US" altLang="zh-CN" sz="1600" dirty="0" err="1" smtClean="0"/>
+              <a:t>js</a:t>
+            </a:r>
+            <a:r>
+              <a:rPr lang="zh-CN" altLang="en-US" sz="1600" dirty="0" smtClean="0"/>
+              <a:t>压缩</a:t>
+            </a:r>
+            <a:r>
+              <a:rPr lang="en-US" sz="1600" dirty="0" smtClean="0"/>
+              <a:t>)</a:t>
+            </a:r>
+          </a:p>
+          <a:p>
+            <a:r>
+              <a:rPr lang="en-US" sz="1600" dirty="0" smtClean="0"/>
+              <a:t>Less(less</a:t>
+            </a:r>
+            <a:r>
+              <a:rPr lang="zh-CN" altLang="en-US" sz="1600" dirty="0" smtClean="0"/>
+              <a:t>编译</a:t>
+            </a:r>
+            <a:r>
+              <a:rPr lang="en-US" sz="1600" dirty="0" smtClean="0"/>
+              <a:t>)</a:t>
+            </a:r>
+          </a:p>
+          <a:p>
+            <a:r>
+              <a:rPr lang="en-US" sz="1600" dirty="0" err="1" smtClean="0"/>
+              <a:t>Autoprefixer</a:t>
+            </a:r>
+            <a:r>
+              <a:rPr lang="en-US" sz="1600" dirty="0" smtClean="0"/>
+              <a:t>(</a:t>
+            </a:r>
+            <a:r>
+              <a:rPr lang="zh-CN" altLang="en-US" sz="1600" dirty="0" smtClean="0"/>
+              <a:t>处理浏览器兼容</a:t>
+            </a:r>
+            <a:r>
+              <a:rPr lang="en-US" sz="1600" dirty="0" smtClean="0"/>
+              <a:t>)</a:t>
+            </a:r>
+          </a:p>
+          <a:p>
+            <a:r>
+              <a:rPr lang="en-US" sz="1600" dirty="0" err="1" smtClean="0"/>
+              <a:t>Csscomb</a:t>
+            </a:r>
+            <a:r>
+              <a:rPr lang="en-US" sz="1600" dirty="0" smtClean="0"/>
+              <a:t>(</a:t>
+            </a:r>
+            <a:r>
+              <a:rPr lang="zh-CN" altLang="en-US" sz="1600" dirty="0" smtClean="0"/>
+              <a:t>属性排序</a:t>
+            </a:r>
+            <a:r>
+              <a:rPr lang="en-US" sz="1600" dirty="0" smtClean="0"/>
+              <a:t>)</a:t>
+            </a:r>
+          </a:p>
+          <a:p>
+            <a:r>
+              <a:rPr lang="en-US" sz="1600" dirty="0" err="1" smtClean="0"/>
+              <a:t>Csslint</a:t>
+            </a:r>
+            <a:r>
+              <a:rPr lang="en-US" sz="1600" dirty="0" smtClean="0"/>
+              <a:t>(</a:t>
+            </a:r>
+            <a:r>
+              <a:rPr lang="zh-CN" altLang="en-US" sz="1600" dirty="0" smtClean="0"/>
+              <a:t>语法检查</a:t>
+            </a:r>
+            <a:r>
+              <a:rPr lang="en-US" sz="1600" dirty="0" smtClean="0"/>
+              <a:t>)</a:t>
+            </a:r>
+          </a:p>
+          <a:p>
+            <a:r>
+              <a:rPr lang="en-US" sz="1600" dirty="0" err="1" smtClean="0"/>
+              <a:t>Cssmin</a:t>
+            </a:r>
+            <a:r>
+              <a:rPr lang="en-US" sz="1600" dirty="0" smtClean="0"/>
+              <a:t>(</a:t>
+            </a:r>
+            <a:r>
+              <a:rPr lang="en-US" altLang="zh-CN" sz="1600" dirty="0" err="1" smtClean="0"/>
+              <a:t>css</a:t>
+            </a:r>
+            <a:r>
+              <a:rPr lang="zh-CN" altLang="en-US" sz="1600" dirty="0" smtClean="0"/>
+              <a:t>压缩</a:t>
+            </a:r>
+            <a:r>
+              <a:rPr lang="en-US" sz="1600" dirty="0" smtClean="0"/>
+              <a:t>)</a:t>
+            </a:r>
+          </a:p>
+          <a:p>
+            <a:r>
+              <a:rPr lang="en-US" sz="1600" dirty="0" smtClean="0"/>
+              <a:t>Transport(</a:t>
+            </a:r>
+            <a:r>
+              <a:rPr lang="zh-CN" altLang="en-US" sz="1600" dirty="0" smtClean="0"/>
+              <a:t>具名</a:t>
+            </a:r>
+            <a:r>
+              <a:rPr lang="en-US" sz="1600" dirty="0" smtClean="0"/>
+              <a:t>)</a:t>
+            </a:r>
+          </a:p>
+          <a:p>
+            <a:r>
+              <a:rPr lang="en-US" sz="1600" dirty="0" smtClean="0"/>
+              <a:t>Copy(</a:t>
+            </a:r>
+            <a:r>
+              <a:rPr lang="zh-CN" altLang="en-US" sz="1600" dirty="0" smtClean="0"/>
+              <a:t>复制文件</a:t>
+            </a:r>
+            <a:r>
+              <a:rPr lang="en-US" sz="1600" dirty="0" smtClean="0"/>
+              <a:t>)</a:t>
+            </a:r>
+          </a:p>
+          <a:p>
+            <a:r>
+              <a:rPr lang="en-US" sz="1600" dirty="0" smtClean="0"/>
+              <a:t>Compress(</a:t>
+            </a:r>
+            <a:r>
+              <a:rPr lang="zh-CN" altLang="en-US" sz="1600" dirty="0" smtClean="0"/>
+              <a:t>打包</a:t>
+            </a:r>
+            <a:r>
+              <a:rPr lang="en-US" sz="1600" dirty="0" smtClean="0"/>
+              <a:t>)</a:t>
+            </a:r>
+            <a:endParaRPr lang="en-US" sz="1600" dirty="0"/>
+          </a:p>
+        </p:txBody>
+      </p:sp>
     </p:spTree>
     <p:extLst>
       <p:ext uri="{BB962C8B-B14F-4D97-AF65-F5344CB8AC3E}">
-        <p14:creationId xmlns:p14="http://schemas.microsoft.com/office/powerpoint/2010/main" val="848604723"/>
+        <p14:creationId xmlns:p14="http://schemas.microsoft.com/office/powerpoint/2010/main" val="3639114124"/>
+      </p:ext>
+    </p:extLst>
+  </p:cSld>
+  <p:clrMapOvr>
+    <a:masterClrMapping/>
+  </p:clrMapOvr>
+</p:sld>
+</file>
+
+<file path=ppt/slides/slide24.xml><?xml version="1.0" encoding="utf-8"?>
+<p:sld xmlns:a="http://schemas.openxmlformats.org/drawingml/2006/main" xmlns:r="http://schemas.openxmlformats.org/officeDocument/2006/relationships" xmlns:p="http://schemas.openxmlformats.org/presentationml/2006/main">
+  <p:cSld>
+    <p:spTree>
+      <p:nvGrpSpPr>
+        <p:cNvPr id="1" name=""/>
+        <p:cNvGrpSpPr/>
+        <p:nvPr/>
+      </p:nvGrpSpPr>
+      <p:grpSpPr>
+        <a:xfrm>
+          <a:off x="0" y="0"/>
+          <a:ext cx="0" cy="0"/>
+          <a:chOff x="0" y="0"/>
+          <a:chExt cx="0" cy="0"/>
+        </a:xfrm>
+      </p:grpSpPr>
+      <p:sp>
+        <p:nvSpPr>
+          <p:cNvPr id="2" name="标题 1"/>
+          <p:cNvSpPr>
+            <a:spLocks noGrp="1"/>
+          </p:cNvSpPr>
+          <p:nvPr>
+            <p:ph type="title"/>
+          </p:nvPr>
+        </p:nvSpPr>
+        <p:spPr/>
+        <p:txBody>
+          <a:bodyPr>
+            <a:normAutofit/>
+          </a:bodyPr>
+          <a:lstStyle/>
+          <a:p>
+            <a:r>
+              <a:rPr lang="zh-CN" altLang="en-US" dirty="0">
+                <a:latin typeface="微软雅黑" panose="020B0503020204020204" pitchFamily="34" charset="-122"/>
+                <a:ea typeface="微软雅黑" panose="020B0503020204020204" pitchFamily="34" charset="-122"/>
+              </a:rPr>
+              <a:t>模块化</a:t>
+            </a:r>
+            <a:r>
+              <a:rPr lang="zh-CN" altLang="en-US" dirty="0" smtClean="0">
+                <a:latin typeface="微软雅黑" panose="020B0503020204020204" pitchFamily="34" charset="-122"/>
+                <a:ea typeface="微软雅黑" panose="020B0503020204020204" pitchFamily="34" charset="-122"/>
+              </a:rPr>
+              <a:t>规范</a:t>
+            </a:r>
+            <a:endParaRPr lang="en-US" dirty="0">
+              <a:latin typeface="微软雅黑" panose="020B0503020204020204" pitchFamily="34" charset="-122"/>
+              <a:ea typeface="微软雅黑" panose="020B0503020204020204" pitchFamily="34" charset="-122"/>
+            </a:endParaRPr>
+          </a:p>
+        </p:txBody>
+      </p:sp>
+      <p:sp>
+        <p:nvSpPr>
+          <p:cNvPr id="3" name="内容占位符 2"/>
+          <p:cNvSpPr>
+            <a:spLocks noGrp="1"/>
+          </p:cNvSpPr>
+          <p:nvPr>
+            <p:ph idx="1"/>
+          </p:nvPr>
+        </p:nvSpPr>
+        <p:spPr/>
+        <p:txBody>
+          <a:bodyPr/>
+          <a:lstStyle/>
+          <a:p>
+            <a:r>
+              <a:rPr lang="en-US" dirty="0" err="1"/>
+              <a:t>CMD（Common</a:t>
+            </a:r>
+            <a:r>
+              <a:rPr lang="en-US" dirty="0"/>
+              <a:t> Module Definition</a:t>
+            </a:r>
+            <a:r>
+              <a:rPr lang="en-US" dirty="0" smtClean="0"/>
+              <a:t>）-</a:t>
+            </a:r>
+            <a:r>
+              <a:rPr lang="en-US" dirty="0" err="1"/>
+              <a:t>S</a:t>
+            </a:r>
+            <a:r>
+              <a:rPr lang="en-US" dirty="0" err="1" smtClean="0"/>
+              <a:t>eajs</a:t>
+            </a:r>
+            <a:endParaRPr lang="en-US" dirty="0" smtClean="0"/>
+          </a:p>
+          <a:p>
+            <a:r>
+              <a:rPr lang="en-US" dirty="0" err="1"/>
+              <a:t>AMD（Asynchronous</a:t>
+            </a:r>
+            <a:r>
+              <a:rPr lang="en-US" dirty="0"/>
+              <a:t> Module Definition）-</a:t>
+            </a:r>
+            <a:r>
+              <a:rPr lang="en-US" dirty="0" err="1" smtClean="0"/>
+              <a:t>RequireJS</a:t>
+            </a:r>
+            <a:endParaRPr lang="en-US" dirty="0" smtClean="0"/>
+          </a:p>
+        </p:txBody>
+      </p:sp>
+    </p:spTree>
+    <p:extLst>
+      <p:ext uri="{BB962C8B-B14F-4D97-AF65-F5344CB8AC3E}">
+        <p14:creationId xmlns:p14="http://schemas.microsoft.com/office/powerpoint/2010/main" val="3807339202"/>
+      </p:ext>
+    </p:extLst>
+  </p:cSld>
+  <p:clrMapOvr>
+    <a:masterClrMapping/>
+  </p:clrMapOvr>
+  <p:timing>
+    <p:tnLst>
+      <p:par>
+        <p:cTn id="1" dur="indefinite" restart="never" nodeType="tmRoot"/>
+      </p:par>
+    </p:tnLst>
+  </p:timing>
+</p:sld>
+</file>
+
+<file path=ppt/slides/slide25.xml><?xml version="1.0" encoding="utf-8"?>
+<p:sld xmlns:a="http://schemas.openxmlformats.org/drawingml/2006/main" xmlns:r="http://schemas.openxmlformats.org/officeDocument/2006/relationships" xmlns:p="http://schemas.openxmlformats.org/presentationml/2006/main">
+  <p:cSld>
+    <p:spTree>
+      <p:nvGrpSpPr>
+        <p:cNvPr id="1" name=""/>
+        <p:cNvGrpSpPr/>
+        <p:nvPr/>
+      </p:nvGrpSpPr>
+      <p:grpSpPr>
+        <a:xfrm>
+          <a:off x="0" y="0"/>
+          <a:ext cx="0" cy="0"/>
+          <a:chOff x="0" y="0"/>
+          <a:chExt cx="0" cy="0"/>
+        </a:xfrm>
+      </p:grpSpPr>
+      <p:sp>
+        <p:nvSpPr>
+          <p:cNvPr id="2" name="标题 1"/>
+          <p:cNvSpPr>
+            <a:spLocks noGrp="1"/>
+          </p:cNvSpPr>
+          <p:nvPr>
+            <p:ph type="title"/>
+          </p:nvPr>
+        </p:nvSpPr>
+        <p:spPr/>
+        <p:txBody>
+          <a:bodyPr/>
+          <a:lstStyle/>
+          <a:p>
+            <a:r>
+              <a:rPr lang="en-US" dirty="0" smtClean="0"/>
+              <a:t>AMD</a:t>
+            </a:r>
+            <a:endParaRPr lang="en-US" dirty="0"/>
+          </a:p>
+        </p:txBody>
+      </p:sp>
+      <p:sp>
+        <p:nvSpPr>
+          <p:cNvPr id="3" name="内容占位符 2"/>
+          <p:cNvSpPr>
+            <a:spLocks noGrp="1"/>
+          </p:cNvSpPr>
+          <p:nvPr>
+            <p:ph idx="1"/>
+          </p:nvPr>
+        </p:nvSpPr>
+        <p:spPr>
+          <a:xfrm>
+            <a:off x="713509" y="1437697"/>
+            <a:ext cx="10515600" cy="2704812"/>
+          </a:xfrm>
+        </p:spPr>
+        <p:txBody>
+          <a:bodyPr/>
+          <a:lstStyle/>
+          <a:p>
+            <a:r>
+              <a:rPr lang="zh-CN" altLang="en-US" dirty="0" smtClean="0"/>
+              <a:t>第一</a:t>
+            </a:r>
+            <a:r>
+              <a:rPr lang="zh-CN" altLang="en-US" dirty="0"/>
+              <a:t>个参数</a:t>
+            </a:r>
+            <a:r>
+              <a:rPr lang="en-US" altLang="zh-CN" dirty="0"/>
+              <a:t>,</a:t>
+            </a:r>
+            <a:r>
+              <a:rPr lang="zh-CN" altLang="en-US" dirty="0"/>
+              <a:t> </a:t>
+            </a:r>
+            <a:r>
+              <a:rPr lang="en-US" altLang="zh-CN" dirty="0"/>
+              <a:t>id </a:t>
+            </a:r>
+            <a:r>
+              <a:rPr lang="zh-CN" altLang="en-US" dirty="0"/>
+              <a:t>为字符串类型，表示了模块</a:t>
+            </a:r>
+            <a:r>
+              <a:rPr lang="zh-CN" altLang="en-US" dirty="0" smtClean="0"/>
+              <a:t>标识</a:t>
+            </a:r>
+            <a:endParaRPr lang="en-US" altLang="zh-CN" dirty="0"/>
+          </a:p>
+          <a:p>
+            <a:r>
+              <a:rPr lang="zh-CN" altLang="en-US" dirty="0" smtClean="0"/>
+              <a:t>第二</a:t>
+            </a:r>
+            <a:r>
+              <a:rPr lang="zh-CN" altLang="en-US" dirty="0"/>
+              <a:t>个参数</a:t>
+            </a:r>
+            <a:r>
+              <a:rPr lang="en-US" altLang="zh-CN" dirty="0"/>
+              <a:t>,dependencies </a:t>
+            </a:r>
+            <a:r>
+              <a:rPr lang="zh-CN" altLang="en-US" dirty="0"/>
+              <a:t>，是一个当前模块依赖的</a:t>
+            </a:r>
+            <a:r>
+              <a:rPr lang="zh-CN" altLang="en-US" dirty="0" smtClean="0"/>
+              <a:t>，已</a:t>
+            </a:r>
+            <a:r>
+              <a:rPr lang="zh-CN" altLang="en-US" dirty="0"/>
+              <a:t>被模块定义的模块标识的数组字面</a:t>
+            </a:r>
+            <a:r>
+              <a:rPr lang="zh-CN" altLang="en-US" dirty="0" smtClean="0"/>
+              <a:t>量</a:t>
+            </a:r>
+            <a:endParaRPr lang="en-US" altLang="zh-CN" dirty="0"/>
+          </a:p>
+          <a:p>
+            <a:r>
+              <a:rPr lang="zh-CN" altLang="en-US" dirty="0" smtClean="0"/>
+              <a:t>第三</a:t>
+            </a:r>
+            <a:r>
+              <a:rPr lang="zh-CN" altLang="en-US" dirty="0"/>
+              <a:t>个参数</a:t>
+            </a:r>
+            <a:r>
+              <a:rPr lang="en-US" altLang="zh-CN" dirty="0"/>
+              <a:t>,factory</a:t>
+            </a:r>
+            <a:r>
+              <a:rPr lang="zh-CN" altLang="en-US" dirty="0"/>
+              <a:t>，是一个需要进行实例化的函数或</a:t>
+            </a:r>
+            <a:r>
+              <a:rPr lang="en-US" altLang="zh-CN" dirty="0"/>
+              <a:t>	</a:t>
+            </a:r>
+            <a:r>
+              <a:rPr lang="zh-CN" altLang="en-US" dirty="0" smtClean="0"/>
+              <a:t>者</a:t>
+            </a:r>
+            <a:r>
+              <a:rPr lang="zh-CN" altLang="en-US" dirty="0"/>
+              <a:t>一个</a:t>
+            </a:r>
+            <a:r>
+              <a:rPr lang="zh-CN" altLang="en-US" dirty="0" smtClean="0"/>
+              <a:t>对象</a:t>
+            </a:r>
+            <a:endParaRPr lang="en-US" altLang="zh-CN" dirty="0" smtClean="0"/>
+          </a:p>
+          <a:p>
+            <a:pPr marL="0" indent="0">
+              <a:buNone/>
+            </a:pPr>
+            <a:endParaRPr lang="en-US" dirty="0"/>
+          </a:p>
+        </p:txBody>
+      </p:sp>
+      <p:sp>
+        <p:nvSpPr>
+          <p:cNvPr id="5" name="文本框 4"/>
+          <p:cNvSpPr txBox="1"/>
+          <p:nvPr/>
+        </p:nvSpPr>
+        <p:spPr>
+          <a:xfrm>
+            <a:off x="1288474" y="4308765"/>
+            <a:ext cx="9504218" cy="1754326"/>
+          </a:xfrm>
+          <a:prstGeom prst="rect">
+            <a:avLst/>
+          </a:prstGeom>
+        </p:spPr>
+        <p:style>
+          <a:lnRef idx="2">
+            <a:schemeClr val="accent1"/>
+          </a:lnRef>
+          <a:fillRef idx="1">
+            <a:schemeClr val="lt1"/>
+          </a:fillRef>
+          <a:effectRef idx="0">
+            <a:schemeClr val="accent1"/>
+          </a:effectRef>
+          <a:fontRef idx="minor">
+            <a:schemeClr val="dk1"/>
+          </a:fontRef>
+        </p:style>
+        <p:txBody>
+          <a:bodyPr wrap="square" rtlCol="0">
+            <a:spAutoFit/>
+          </a:bodyPr>
+          <a:lstStyle/>
+          <a:p>
+            <a:r>
+              <a:rPr lang="en-US" dirty="0"/>
+              <a:t>define("alpha", [ "require", "exports", "beta" ], function( require, exports, beta </a:t>
+            </a:r>
+            <a:r>
+              <a:rPr lang="en-US" dirty="0" smtClean="0"/>
+              <a:t>){</a:t>
+            </a:r>
+            <a:endParaRPr lang="en-US" dirty="0"/>
+          </a:p>
+          <a:p>
+            <a:r>
+              <a:rPr lang="en-US" dirty="0"/>
+              <a:t>    </a:t>
+            </a:r>
+            <a:r>
+              <a:rPr lang="en-US" dirty="0" err="1"/>
+              <a:t>export.verb</a:t>
+            </a:r>
+            <a:r>
+              <a:rPr lang="en-US" dirty="0"/>
+              <a:t> = function</a:t>
+            </a:r>
+            <a:r>
+              <a:rPr lang="en-US" dirty="0" smtClean="0"/>
+              <a:t>(){</a:t>
+            </a:r>
+            <a:endParaRPr lang="en-US" dirty="0"/>
+          </a:p>
+          <a:p>
+            <a:r>
+              <a:rPr lang="en-US" dirty="0"/>
+              <a:t>        return </a:t>
+            </a:r>
+            <a:r>
+              <a:rPr lang="en-US" dirty="0" err="1"/>
+              <a:t>beta.verb</a:t>
+            </a:r>
+            <a:r>
+              <a:rPr lang="en-US" dirty="0" smtClean="0"/>
+              <a:t>();</a:t>
+            </a:r>
+            <a:endParaRPr lang="en-US" dirty="0"/>
+          </a:p>
+          <a:p>
+            <a:r>
+              <a:rPr lang="en-US" dirty="0"/>
+              <a:t>        return require("beta").verb</a:t>
+            </a:r>
+            <a:r>
+              <a:rPr lang="en-US" dirty="0" smtClean="0"/>
+              <a:t>();</a:t>
+            </a:r>
+            <a:endParaRPr lang="en-US" dirty="0"/>
+          </a:p>
+          <a:p>
+            <a:r>
+              <a:rPr lang="en-US" dirty="0"/>
+              <a:t>    </a:t>
+            </a:r>
+            <a:r>
+              <a:rPr lang="en-US" dirty="0" smtClean="0"/>
+              <a:t>}</a:t>
+            </a:r>
+            <a:endParaRPr lang="en-US" dirty="0"/>
+          </a:p>
+          <a:p>
+            <a:r>
+              <a:rPr lang="en-US" dirty="0" smtClean="0"/>
+              <a:t>});</a:t>
+            </a:r>
+            <a:endParaRPr lang="en-US" dirty="0"/>
+          </a:p>
+        </p:txBody>
+      </p:sp>
+    </p:spTree>
+    <p:extLst>
+      <p:ext uri="{BB962C8B-B14F-4D97-AF65-F5344CB8AC3E}">
+        <p14:creationId xmlns:p14="http://schemas.microsoft.com/office/powerpoint/2010/main" val="3809866508"/>
+      </p:ext>
+    </p:extLst>
+  </p:cSld>
+  <p:clrMapOvr>
+    <a:masterClrMapping/>
+  </p:clrMapOvr>
+  <p:timing>
+    <p:tnLst>
+      <p:par>
+        <p:cTn id="1" dur="indefinite" restart="never" nodeType="tmRoot"/>
+      </p:par>
+    </p:tnLst>
+  </p:timing>
+</p:sld>
+</file>
+
+<file path=ppt/slides/slide26.xml><?xml version="1.0" encoding="utf-8"?>
+<p:sld xmlns:a="http://schemas.openxmlformats.org/drawingml/2006/main" xmlns:r="http://schemas.openxmlformats.org/officeDocument/2006/relationships" xmlns:p="http://schemas.openxmlformats.org/presentationml/2006/main">
+  <p:cSld>
+    <p:spTree>
+      <p:nvGrpSpPr>
+        <p:cNvPr id="1" name=""/>
+        <p:cNvGrpSpPr/>
+        <p:nvPr/>
+      </p:nvGrpSpPr>
+      <p:grpSpPr>
+        <a:xfrm>
+          <a:off x="0" y="0"/>
+          <a:ext cx="0" cy="0"/>
+          <a:chOff x="0" y="0"/>
+          <a:chExt cx="0" cy="0"/>
+        </a:xfrm>
+      </p:grpSpPr>
+      <p:sp>
+        <p:nvSpPr>
+          <p:cNvPr id="2" name="标题 1"/>
+          <p:cNvSpPr>
+            <a:spLocks noGrp="1"/>
+          </p:cNvSpPr>
+          <p:nvPr>
+            <p:ph type="title"/>
+          </p:nvPr>
+        </p:nvSpPr>
+        <p:spPr/>
+        <p:txBody>
+          <a:bodyPr/>
+          <a:lstStyle/>
+          <a:p>
+            <a:r>
+              <a:rPr lang="en-US" dirty="0" smtClean="0"/>
+              <a:t>CMD</a:t>
+            </a:r>
+            <a:endParaRPr lang="en-US" dirty="0"/>
+          </a:p>
+        </p:txBody>
+      </p:sp>
+      <p:sp>
+        <p:nvSpPr>
+          <p:cNvPr id="3" name="内容占位符 2"/>
+          <p:cNvSpPr>
+            <a:spLocks noGrp="1"/>
+          </p:cNvSpPr>
+          <p:nvPr>
+            <p:ph idx="1"/>
+          </p:nvPr>
+        </p:nvSpPr>
+        <p:spPr>
+          <a:xfrm>
+            <a:off x="838200" y="1825625"/>
+            <a:ext cx="10515600" cy="2524702"/>
+          </a:xfrm>
+        </p:spPr>
+        <p:txBody>
+          <a:bodyPr/>
+          <a:lstStyle/>
+          <a:p>
+            <a:pPr marL="0" indent="0">
+              <a:buNone/>
+            </a:pPr>
+            <a:r>
+              <a:rPr lang="zh-CN" altLang="en-US" dirty="0"/>
+              <a:t>一个模块就是一个</a:t>
+            </a:r>
+            <a:r>
+              <a:rPr lang="zh-CN" altLang="en-US" dirty="0" smtClean="0"/>
+              <a:t>文件</a:t>
+            </a:r>
+            <a:endParaRPr lang="en-US" altLang="zh-CN" dirty="0" smtClean="0"/>
+          </a:p>
+          <a:p>
+            <a:pPr marL="0" indent="0">
+              <a:buNone/>
+            </a:pPr>
+            <a:r>
+              <a:rPr lang="zh-CN" altLang="en-US" dirty="0" smtClean="0"/>
+              <a:t>格式</a:t>
+            </a:r>
+            <a:r>
+              <a:rPr lang="zh-CN" altLang="en-US" dirty="0"/>
+              <a:t>为</a:t>
+            </a:r>
+            <a:r>
+              <a:rPr lang="zh-CN" altLang="en-US" dirty="0" smtClean="0"/>
+              <a:t>：</a:t>
+            </a:r>
+            <a:endParaRPr lang="en-US" altLang="zh-CN" dirty="0" smtClean="0"/>
+          </a:p>
+          <a:p>
+            <a:pPr marL="0" indent="0">
+              <a:buNone/>
+            </a:pPr>
+            <a:r>
+              <a:rPr lang="en-US" altLang="zh-CN" dirty="0"/>
+              <a:t>	</a:t>
+            </a:r>
+            <a:r>
+              <a:rPr lang="en-US" altLang="zh-CN" dirty="0" smtClean="0"/>
+              <a:t>	define</a:t>
+            </a:r>
+            <a:r>
+              <a:rPr lang="en-US" altLang="zh-CN" dirty="0"/>
+              <a:t>( factory </a:t>
+            </a:r>
+            <a:r>
+              <a:rPr lang="en-US" altLang="zh-CN" dirty="0" smtClean="0"/>
+              <a:t>);</a:t>
+            </a:r>
+          </a:p>
+          <a:p>
+            <a:pPr marL="0" indent="0">
+              <a:buNone/>
+            </a:pPr>
+            <a:r>
+              <a:rPr lang="en-US" altLang="zh-CN" dirty="0"/>
+              <a:t>		define( id?, deps?, factory );</a:t>
+            </a:r>
+            <a:endParaRPr lang="en-US" altLang="zh-CN" dirty="0" smtClean="0"/>
+          </a:p>
+        </p:txBody>
+      </p:sp>
+    </p:spTree>
+    <p:extLst>
+      <p:ext uri="{BB962C8B-B14F-4D97-AF65-F5344CB8AC3E}">
+        <p14:creationId xmlns:p14="http://schemas.microsoft.com/office/powerpoint/2010/main" val="2494872064"/>
+      </p:ext>
+    </p:extLst>
+  </p:cSld>
+  <p:clrMapOvr>
+    <a:masterClrMapping/>
+  </p:clrMapOvr>
+</p:sld>
+</file>
+
+<file path=ppt/slides/slide27.xml><?xml version="1.0" encoding="utf-8"?>
+<p:sld xmlns:a="http://schemas.openxmlformats.org/drawingml/2006/main" xmlns:r="http://schemas.openxmlformats.org/officeDocument/2006/relationships" xmlns:p="http://schemas.openxmlformats.org/presentationml/2006/main">
+  <p:cSld>
+    <p:spTree>
+      <p:nvGrpSpPr>
+        <p:cNvPr id="1" name=""/>
+        <p:cNvGrpSpPr/>
+        <p:nvPr/>
+      </p:nvGrpSpPr>
+      <p:grpSpPr>
+        <a:xfrm>
+          <a:off x="0" y="0"/>
+          <a:ext cx="0" cy="0"/>
+          <a:chOff x="0" y="0"/>
+          <a:chExt cx="0" cy="0"/>
+        </a:xfrm>
+      </p:grpSpPr>
+      <p:sp>
+        <p:nvSpPr>
+          <p:cNvPr id="2" name="标题 1"/>
+          <p:cNvSpPr>
+            <a:spLocks noGrp="1"/>
+          </p:cNvSpPr>
+          <p:nvPr>
+            <p:ph type="title"/>
+          </p:nvPr>
+        </p:nvSpPr>
+        <p:spPr/>
+        <p:txBody>
+          <a:bodyPr/>
+          <a:lstStyle/>
+          <a:p>
+            <a:r>
+              <a:rPr lang="en-US" dirty="0" err="1" smtClean="0">
+                <a:latin typeface="微软雅黑" panose="020B0503020204020204" pitchFamily="34" charset="-122"/>
+                <a:ea typeface="微软雅黑" panose="020B0503020204020204" pitchFamily="34" charset="-122"/>
+              </a:rPr>
+              <a:t>Seajs</a:t>
+            </a:r>
+            <a:r>
+              <a:rPr lang="en-US" dirty="0" smtClean="0">
+                <a:latin typeface="微软雅黑" panose="020B0503020204020204" pitchFamily="34" charset="-122"/>
+                <a:ea typeface="微软雅黑" panose="020B0503020204020204" pitchFamily="34" charset="-122"/>
+              </a:rPr>
+              <a:t>(seajs.org)</a:t>
+            </a:r>
+            <a:endParaRPr lang="en-US" dirty="0">
+              <a:latin typeface="微软雅黑" panose="020B0503020204020204" pitchFamily="34" charset="-122"/>
+              <a:ea typeface="微软雅黑" panose="020B0503020204020204" pitchFamily="34" charset="-122"/>
+            </a:endParaRPr>
+          </a:p>
+        </p:txBody>
+      </p:sp>
+      <p:sp>
+        <p:nvSpPr>
+          <p:cNvPr id="3" name="内容占位符 2"/>
+          <p:cNvSpPr>
+            <a:spLocks noGrp="1"/>
+          </p:cNvSpPr>
+          <p:nvPr>
+            <p:ph idx="1"/>
+          </p:nvPr>
+        </p:nvSpPr>
+        <p:spPr/>
+        <p:txBody>
+          <a:bodyPr/>
+          <a:lstStyle/>
+          <a:p>
+            <a:r>
+              <a:rPr lang="zh-CN" altLang="en-US" dirty="0" smtClean="0"/>
+              <a:t>自动模块加载框架</a:t>
+            </a:r>
+            <a:endParaRPr lang="en-US" altLang="zh-CN" dirty="0" smtClean="0"/>
+          </a:p>
+          <a:p>
+            <a:r>
+              <a:rPr lang="zh-CN" altLang="en-US" dirty="0" smtClean="0"/>
+              <a:t>简单</a:t>
+            </a:r>
+            <a:r>
+              <a:rPr lang="zh-CN" altLang="en-US" dirty="0"/>
+              <a:t>友好的模块定义</a:t>
+            </a:r>
+            <a:r>
+              <a:rPr lang="zh-CN" altLang="en-US" dirty="0" smtClean="0"/>
+              <a:t>规范 </a:t>
+            </a:r>
+            <a:r>
+              <a:rPr lang="en-US" altLang="zh-CN" dirty="0" smtClean="0"/>
+              <a:t>(CMD) </a:t>
+            </a:r>
+          </a:p>
+          <a:p>
+            <a:r>
+              <a:rPr lang="zh-CN" altLang="en-US" dirty="0" smtClean="0"/>
+              <a:t>和</a:t>
+            </a:r>
+            <a:r>
+              <a:rPr lang="en-US" altLang="zh-CN" dirty="0" smtClean="0"/>
+              <a:t>node.js</a:t>
+            </a:r>
+            <a:r>
+              <a:rPr lang="zh-CN" altLang="en-US" dirty="0" smtClean="0"/>
+              <a:t>的写法一样</a:t>
+            </a:r>
+            <a:endParaRPr lang="en-US" altLang="zh-CN" dirty="0" smtClean="0"/>
+          </a:p>
+          <a:p>
+            <a:r>
+              <a:rPr lang="zh-CN" altLang="en-US" dirty="0"/>
+              <a:t>自然直观的代码组织</a:t>
+            </a:r>
+            <a:r>
+              <a:rPr lang="zh-CN" altLang="en-US" dirty="0" smtClean="0"/>
+              <a:t>方式</a:t>
+            </a:r>
+            <a:r>
+              <a:rPr lang="en-US" altLang="zh-CN" dirty="0" smtClean="0"/>
+              <a:t>,</a:t>
+            </a:r>
+            <a:r>
+              <a:rPr lang="zh-CN" altLang="en-US" dirty="0"/>
+              <a:t> </a:t>
+            </a:r>
+            <a:r>
+              <a:rPr lang="zh-CN" altLang="en-US" dirty="0" smtClean="0"/>
+              <a:t>依赖自动</a:t>
+            </a:r>
+            <a:r>
+              <a:rPr lang="zh-CN" altLang="en-US" dirty="0"/>
+              <a:t>加载、</a:t>
+            </a:r>
+            <a:r>
+              <a:rPr lang="zh-CN" altLang="en-US" dirty="0" smtClean="0"/>
+              <a:t>配置简洁清晰</a:t>
+            </a:r>
+            <a:endParaRPr lang="en-US" altLang="zh-CN" dirty="0" smtClean="0"/>
+          </a:p>
+          <a:p>
+            <a:r>
+              <a:rPr lang="zh-CN" altLang="en-US" dirty="0" smtClean="0"/>
+              <a:t>提供常用插件和扩展接口</a:t>
+            </a:r>
+            <a:endParaRPr lang="en-US" dirty="0"/>
+          </a:p>
+        </p:txBody>
+      </p:sp>
+    </p:spTree>
+    <p:extLst>
+      <p:ext uri="{BB962C8B-B14F-4D97-AF65-F5344CB8AC3E}">
+        <p14:creationId xmlns:p14="http://schemas.microsoft.com/office/powerpoint/2010/main" val="3011780872"/>
+      </p:ext>
+    </p:extLst>
+  </p:cSld>
+  <p:clrMapOvr>
+    <a:masterClrMapping/>
+  </p:clrMapOvr>
+  <p:timing>
+    <p:tnLst>
+      <p:par>
+        <p:cTn id="1" dur="indefinite" restart="never" nodeType="tmRoot"/>
+      </p:par>
+    </p:tnLst>
+  </p:timing>
+</p:sld>
+</file>
+
+<file path=ppt/slides/slide28.xml><?xml version="1.0" encoding="utf-8"?>
+<p:sld xmlns:a="http://schemas.openxmlformats.org/drawingml/2006/main" xmlns:r="http://schemas.openxmlformats.org/officeDocument/2006/relationships" xmlns:p="http://schemas.openxmlformats.org/presentationml/2006/main">
+  <p:cSld>
+    <p:spTree>
+      <p:nvGrpSpPr>
+        <p:cNvPr id="1" name=""/>
+        <p:cNvGrpSpPr/>
+        <p:nvPr/>
+      </p:nvGrpSpPr>
+      <p:grpSpPr>
+        <a:xfrm>
+          <a:off x="0" y="0"/>
+          <a:ext cx="0" cy="0"/>
+          <a:chOff x="0" y="0"/>
+          <a:chExt cx="0" cy="0"/>
+        </a:xfrm>
+      </p:grpSpPr>
+      <p:sp>
+        <p:nvSpPr>
+          <p:cNvPr id="2" name="标题 1"/>
+          <p:cNvSpPr>
+            <a:spLocks noGrp="1"/>
+          </p:cNvSpPr>
+          <p:nvPr>
+            <p:ph type="title"/>
+          </p:nvPr>
+        </p:nvSpPr>
+        <p:spPr/>
+        <p:txBody>
+          <a:bodyPr>
+            <a:normAutofit/>
+          </a:bodyPr>
+          <a:lstStyle/>
+          <a:p>
+            <a:r>
+              <a:rPr lang="en-US" altLang="zh-CN" dirty="0">
+                <a:latin typeface="微软雅黑" panose="020B0503020204020204" pitchFamily="34" charset="-122"/>
+                <a:ea typeface="微软雅黑" panose="020B0503020204020204" pitchFamily="34" charset="-122"/>
+              </a:rPr>
+              <a:t>W3C</a:t>
+            </a:r>
+            <a:r>
+              <a:rPr lang="zh-CN" altLang="en-US" dirty="0" smtClean="0">
+                <a:latin typeface="微软雅黑" panose="020B0503020204020204" pitchFamily="34" charset="-122"/>
+                <a:ea typeface="微软雅黑" panose="020B0503020204020204" pitchFamily="34" charset="-122"/>
+              </a:rPr>
+              <a:t>标准</a:t>
+            </a:r>
+            <a:r>
+              <a:rPr lang="en-US" altLang="zh-CN" dirty="0" smtClean="0">
+                <a:latin typeface="微软雅黑" panose="020B0503020204020204" pitchFamily="34" charset="-122"/>
+                <a:ea typeface="微软雅黑" panose="020B0503020204020204" pitchFamily="34" charset="-122"/>
+              </a:rPr>
+              <a:t>(</a:t>
+            </a:r>
+            <a:r>
+              <a:rPr lang="zh-CN" altLang="en-US" dirty="0">
+                <a:latin typeface="微软雅黑" panose="020B0503020204020204" pitchFamily="34" charset="-122"/>
+                <a:ea typeface="微软雅黑" panose="020B0503020204020204" pitchFamily="34" charset="-122"/>
+              </a:rPr>
+              <a:t>万维网联盟</a:t>
+            </a:r>
+            <a:r>
+              <a:rPr lang="en-US" altLang="zh-CN" dirty="0" smtClean="0">
+                <a:latin typeface="微软雅黑" panose="020B0503020204020204" pitchFamily="34" charset="-122"/>
+                <a:ea typeface="微软雅黑" panose="020B0503020204020204" pitchFamily="34" charset="-122"/>
+              </a:rPr>
+              <a:t>)</a:t>
+            </a:r>
+            <a:endParaRPr lang="en-US" dirty="0">
+              <a:latin typeface="微软雅黑" panose="020B0503020204020204" pitchFamily="34" charset="-122"/>
+              <a:ea typeface="微软雅黑" panose="020B0503020204020204" pitchFamily="34" charset="-122"/>
+            </a:endParaRPr>
+          </a:p>
+        </p:txBody>
+      </p:sp>
+      <p:sp>
+        <p:nvSpPr>
+          <p:cNvPr id="3" name="内容占位符 2"/>
+          <p:cNvSpPr>
+            <a:spLocks noGrp="1"/>
+          </p:cNvSpPr>
+          <p:nvPr>
+            <p:ph idx="1"/>
+          </p:nvPr>
+        </p:nvSpPr>
+        <p:spPr/>
+        <p:txBody>
+          <a:bodyPr/>
+          <a:lstStyle/>
+          <a:p>
+            <a:r>
+              <a:rPr lang="zh-CN" altLang="en-US" dirty="0" smtClean="0"/>
+              <a:t>机构化标准</a:t>
+            </a:r>
+            <a:endParaRPr lang="en-US" altLang="zh-CN" dirty="0" smtClean="0"/>
+          </a:p>
+          <a:p>
+            <a:r>
+              <a:rPr lang="zh-CN" altLang="en-US" dirty="0" smtClean="0"/>
+              <a:t>表现标准</a:t>
+            </a:r>
+            <a:endParaRPr lang="en-US" altLang="zh-CN" dirty="0" smtClean="0"/>
+          </a:p>
+          <a:p>
+            <a:r>
+              <a:rPr lang="zh-CN" altLang="en-US" dirty="0" smtClean="0"/>
+              <a:t>行为</a:t>
+            </a:r>
+            <a:r>
+              <a:rPr lang="zh-CN" altLang="en-US" dirty="0" smtClean="0"/>
+              <a:t>标准</a:t>
+            </a:r>
+            <a:endParaRPr lang="en-US" altLang="zh-CN" dirty="0" smtClean="0"/>
+          </a:p>
+          <a:p>
+            <a:pPr marL="0" indent="0">
+              <a:buNone/>
+            </a:pPr>
+            <a:endParaRPr lang="en-US" dirty="0" smtClean="0"/>
+          </a:p>
+          <a:p>
+            <a:pPr marL="0" indent="0">
+              <a:buNone/>
+            </a:pPr>
+            <a:r>
+              <a:rPr lang="zh-CN" altLang="en-US" dirty="0" smtClean="0"/>
+              <a:t>验证</a:t>
+            </a:r>
+            <a:r>
+              <a:rPr lang="en-US" altLang="zh-CN" dirty="0" smtClean="0"/>
+              <a:t>:</a:t>
+            </a:r>
+          </a:p>
+          <a:p>
+            <a:r>
+              <a:rPr lang="en-US" dirty="0"/>
+              <a:t>http://</a:t>
+            </a:r>
+            <a:r>
+              <a:rPr lang="en-US" dirty="0" smtClean="0"/>
+              <a:t>www.w3school.com.cn/site/site_validate.asp</a:t>
+            </a:r>
+          </a:p>
+          <a:p>
+            <a:r>
+              <a:rPr lang="zh-CN" altLang="en-US" dirty="0" smtClean="0"/>
+              <a:t>浏览器插件</a:t>
+            </a:r>
+            <a:endParaRPr lang="en-US" dirty="0" smtClean="0"/>
+          </a:p>
+          <a:p>
+            <a:pPr marL="0" indent="0">
+              <a:buNone/>
+            </a:pPr>
+            <a:endParaRPr lang="en-US" dirty="0"/>
+          </a:p>
+        </p:txBody>
+      </p:sp>
+    </p:spTree>
+    <p:extLst>
+      <p:ext uri="{BB962C8B-B14F-4D97-AF65-F5344CB8AC3E}">
+        <p14:creationId xmlns:p14="http://schemas.microsoft.com/office/powerpoint/2010/main" val="2404099156"/>
+      </p:ext>
+    </p:extLst>
+  </p:cSld>
+  <p:clrMapOvr>
+    <a:masterClrMapping/>
+  </p:clrMapOvr>
+  <p:timing>
+    <p:tnLst>
+      <p:par>
+        <p:cTn id="1" dur="indefinite" restart="never" nodeType="tmRoot"/>
+      </p:par>
+    </p:tnLst>
+  </p:timing>
+</p:sld>
+</file>
+
+<file path=ppt/slides/slide29.xml><?xml version="1.0" encoding="utf-8"?>
+<p:sld xmlns:a="http://schemas.openxmlformats.org/drawingml/2006/main" xmlns:r="http://schemas.openxmlformats.org/officeDocument/2006/relationships" xmlns:p="http://schemas.openxmlformats.org/presentationml/2006/main">
+  <p:cSld>
+    <p:spTree>
+      <p:nvGrpSpPr>
+        <p:cNvPr id="1" name=""/>
+        <p:cNvGrpSpPr/>
+        <p:nvPr/>
+      </p:nvGrpSpPr>
+      <p:grpSpPr>
+        <a:xfrm>
+          <a:off x="0" y="0"/>
+          <a:ext cx="0" cy="0"/>
+          <a:chOff x="0" y="0"/>
+          <a:chExt cx="0" cy="0"/>
+        </a:xfrm>
+      </p:grpSpPr>
+      <p:sp>
+        <p:nvSpPr>
+          <p:cNvPr id="2" name="标题 1"/>
+          <p:cNvSpPr>
+            <a:spLocks noGrp="1"/>
+          </p:cNvSpPr>
+          <p:nvPr>
+            <p:ph type="title"/>
+          </p:nvPr>
+        </p:nvSpPr>
+        <p:spPr/>
+        <p:txBody>
+          <a:bodyPr>
+            <a:normAutofit/>
+          </a:bodyPr>
+          <a:lstStyle/>
+          <a:p>
+            <a:r>
+              <a:rPr lang="zh-CN" altLang="en-US" dirty="0">
+                <a:latin typeface="微软雅黑" panose="020B0503020204020204" pitchFamily="34" charset="-122"/>
+                <a:ea typeface="微软雅黑" panose="020B0503020204020204" pitchFamily="34" charset="-122"/>
+              </a:rPr>
+              <a:t>前端性能</a:t>
+            </a:r>
+            <a:endParaRPr lang="en-US" dirty="0">
+              <a:latin typeface="微软雅黑" panose="020B0503020204020204" pitchFamily="34" charset="-122"/>
+              <a:ea typeface="微软雅黑" panose="020B0503020204020204" pitchFamily="34" charset="-122"/>
+            </a:endParaRPr>
+          </a:p>
+        </p:txBody>
+      </p:sp>
+      <p:sp>
+        <p:nvSpPr>
+          <p:cNvPr id="3" name="内容占位符 2"/>
+          <p:cNvSpPr>
+            <a:spLocks noGrp="1"/>
+          </p:cNvSpPr>
+          <p:nvPr>
+            <p:ph idx="1"/>
+          </p:nvPr>
+        </p:nvSpPr>
+        <p:spPr/>
+        <p:txBody>
+          <a:bodyPr>
+            <a:normAutofit/>
+          </a:bodyPr>
+          <a:lstStyle/>
+          <a:p>
+            <a:r>
+              <a:rPr lang="zh-CN" altLang="en-US" sz="1800" dirty="0"/>
+              <a:t>尽量减少</a:t>
+            </a:r>
+            <a:r>
+              <a:rPr lang="en-US" altLang="zh-CN" sz="1800" dirty="0"/>
+              <a:t>HTTP</a:t>
+            </a:r>
+            <a:r>
+              <a:rPr lang="zh-CN" altLang="en-US" sz="1800" dirty="0" smtClean="0"/>
+              <a:t>请求</a:t>
+            </a:r>
+            <a:endParaRPr lang="en-US" altLang="zh-CN" sz="1800" dirty="0" smtClean="0"/>
+          </a:p>
+          <a:p>
+            <a:r>
+              <a:rPr lang="zh-CN" altLang="en-US" sz="1800" dirty="0"/>
+              <a:t>使用内容发布</a:t>
+            </a:r>
+            <a:r>
+              <a:rPr lang="zh-CN" altLang="en-US" sz="1800" dirty="0" smtClean="0"/>
+              <a:t>网络</a:t>
+            </a:r>
+            <a:r>
+              <a:rPr lang="en-US" altLang="zh-CN" sz="1800" dirty="0" smtClean="0"/>
+              <a:t>(CDN)</a:t>
+            </a:r>
+          </a:p>
+          <a:p>
+            <a:r>
+              <a:rPr lang="zh-CN" altLang="en-US" sz="1800" dirty="0"/>
+              <a:t>添加</a:t>
+            </a:r>
+            <a:r>
+              <a:rPr lang="en-US" sz="1800" dirty="0"/>
+              <a:t>Expires</a:t>
+            </a:r>
+            <a:r>
+              <a:rPr lang="zh-CN" altLang="en-US" sz="1800" dirty="0" smtClean="0"/>
+              <a:t>头</a:t>
+            </a:r>
+            <a:endParaRPr lang="en-US" altLang="zh-CN" sz="1800" dirty="0" smtClean="0"/>
+          </a:p>
+          <a:p>
+            <a:r>
+              <a:rPr lang="zh-CN" altLang="en-US" sz="1800" dirty="0"/>
+              <a:t>压缩组件（使用</a:t>
+            </a:r>
+            <a:r>
+              <a:rPr lang="en-US" altLang="zh-CN" sz="1800" dirty="0" err="1"/>
+              <a:t>Gzip</a:t>
+            </a:r>
+            <a:r>
+              <a:rPr lang="zh-CN" altLang="en-US" sz="1800" dirty="0"/>
+              <a:t>方式</a:t>
+            </a:r>
+            <a:r>
+              <a:rPr lang="zh-CN" altLang="en-US" sz="1800" dirty="0" smtClean="0"/>
+              <a:t>）</a:t>
+            </a:r>
+            <a:endParaRPr lang="en-US" altLang="zh-CN" sz="1800" dirty="0" smtClean="0"/>
+          </a:p>
+          <a:p>
+            <a:r>
+              <a:rPr lang="zh-CN" altLang="en-US" sz="1800" dirty="0"/>
+              <a:t>将</a:t>
+            </a:r>
+            <a:r>
+              <a:rPr lang="en-US" altLang="zh-CN" sz="1800" dirty="0"/>
+              <a:t>CSS</a:t>
+            </a:r>
+            <a:r>
+              <a:rPr lang="zh-CN" altLang="en-US" sz="1800" dirty="0"/>
+              <a:t>样式表放在</a:t>
+            </a:r>
+            <a:r>
+              <a:rPr lang="zh-CN" altLang="en-US" sz="1800" dirty="0" smtClean="0"/>
+              <a:t>顶部</a:t>
+            </a:r>
+            <a:endParaRPr lang="en-US" altLang="zh-CN" sz="1800" dirty="0" smtClean="0"/>
+          </a:p>
+          <a:p>
+            <a:r>
+              <a:rPr lang="zh-CN" altLang="en-US" sz="1800" dirty="0"/>
+              <a:t>将</a:t>
+            </a:r>
+            <a:r>
+              <a:rPr lang="en-US" sz="1800" dirty="0" err="1"/>
+              <a:t>javascript</a:t>
+            </a:r>
+            <a:r>
+              <a:rPr lang="zh-CN" altLang="en-US" sz="1800" dirty="0"/>
+              <a:t>脚本放在</a:t>
+            </a:r>
+            <a:r>
+              <a:rPr lang="zh-CN" altLang="en-US" sz="1800" dirty="0" smtClean="0"/>
+              <a:t>底部</a:t>
+            </a:r>
+            <a:endParaRPr lang="en-US" altLang="zh-CN" sz="1800" dirty="0" smtClean="0"/>
+          </a:p>
+          <a:p>
+            <a:r>
+              <a:rPr lang="zh-CN" altLang="en-US" sz="1800" dirty="0"/>
+              <a:t>避免使用</a:t>
+            </a:r>
+            <a:r>
+              <a:rPr lang="en-US" altLang="zh-CN" sz="1800" dirty="0"/>
+              <a:t>CSS</a:t>
+            </a:r>
+            <a:r>
+              <a:rPr lang="zh-CN" altLang="en-US" sz="1800" dirty="0" smtClean="0"/>
+              <a:t>表达式</a:t>
+            </a:r>
+            <a:endParaRPr lang="en-US" altLang="zh-CN" sz="1800" dirty="0" smtClean="0"/>
+          </a:p>
+          <a:p>
+            <a:r>
+              <a:rPr lang="zh-CN" altLang="en-US" sz="1800" dirty="0"/>
+              <a:t>使用外部</a:t>
+            </a:r>
+            <a:r>
+              <a:rPr lang="en-US" sz="1800" dirty="0" err="1"/>
+              <a:t>javascript</a:t>
+            </a:r>
+            <a:r>
+              <a:rPr lang="zh-CN" altLang="en-US" sz="1800" dirty="0"/>
+              <a:t>和</a:t>
+            </a:r>
+            <a:r>
+              <a:rPr lang="en-US" sz="1800" dirty="0" smtClean="0"/>
+              <a:t>CSS</a:t>
+            </a:r>
+          </a:p>
+          <a:p>
+            <a:r>
+              <a:rPr lang="zh-CN" altLang="en-US" sz="1800" dirty="0"/>
+              <a:t>减少</a:t>
+            </a:r>
+            <a:r>
+              <a:rPr lang="en-US" sz="1800" dirty="0"/>
+              <a:t>DNS</a:t>
+            </a:r>
+            <a:r>
+              <a:rPr lang="zh-CN" altLang="en-US" sz="1800" dirty="0" smtClean="0"/>
+              <a:t>查询</a:t>
+            </a:r>
+            <a:endParaRPr lang="en-US" altLang="zh-CN" sz="1800" dirty="0" smtClean="0"/>
+          </a:p>
+          <a:p>
+            <a:r>
+              <a:rPr lang="zh-CN" altLang="en-US" sz="1800" dirty="0"/>
+              <a:t>精简</a:t>
+            </a:r>
+            <a:r>
+              <a:rPr lang="en-US" sz="1800" dirty="0" err="1" smtClean="0"/>
+              <a:t>javascript</a:t>
+            </a:r>
+            <a:endParaRPr lang="en-US" sz="1800" dirty="0" smtClean="0"/>
+          </a:p>
+          <a:p>
+            <a:r>
+              <a:rPr lang="zh-CN" altLang="en-US" sz="1800" dirty="0" smtClean="0"/>
+              <a:t>使</a:t>
+            </a:r>
+            <a:r>
+              <a:rPr lang="en-US" sz="1800" dirty="0"/>
+              <a:t>Ajax</a:t>
+            </a:r>
+            <a:r>
+              <a:rPr lang="zh-CN" altLang="en-US" sz="1800" dirty="0"/>
+              <a:t>可</a:t>
+            </a:r>
+            <a:r>
+              <a:rPr lang="zh-CN" altLang="en-US" sz="1800" dirty="0" smtClean="0"/>
+              <a:t>缓存数据到本地</a:t>
+            </a:r>
+            <a:endParaRPr lang="en-US" sz="1800" dirty="0" smtClean="0"/>
+          </a:p>
+        </p:txBody>
+      </p:sp>
+    </p:spTree>
+    <p:extLst>
+      <p:ext uri="{BB962C8B-B14F-4D97-AF65-F5344CB8AC3E}">
+        <p14:creationId xmlns:p14="http://schemas.microsoft.com/office/powerpoint/2010/main" val="1574961573"/>
       </p:ext>
     </p:extLst>
   </p:cSld>
@@ -6200,6 +7978,183 @@
     <p:extLst>
       <p:ext uri="{BB962C8B-B14F-4D97-AF65-F5344CB8AC3E}">
         <p14:creationId xmlns:p14="http://schemas.microsoft.com/office/powerpoint/2010/main" val="172230290"/>
+      </p:ext>
+    </p:extLst>
+  </p:cSld>
+  <p:clrMapOvr>
+    <a:masterClrMapping/>
+  </p:clrMapOvr>
+  <p:timing>
+    <p:tnLst>
+      <p:par>
+        <p:cTn id="1" dur="indefinite" restart="never" nodeType="tmRoot"/>
+      </p:par>
+    </p:tnLst>
+  </p:timing>
+</p:sld>
+</file>
+
+<file path=ppt/slides/slide30.xml><?xml version="1.0" encoding="utf-8"?>
+<p:sld xmlns:a="http://schemas.openxmlformats.org/drawingml/2006/main" xmlns:r="http://schemas.openxmlformats.org/officeDocument/2006/relationships" xmlns:p="http://schemas.openxmlformats.org/presentationml/2006/main">
+  <p:cSld>
+    <p:spTree>
+      <p:nvGrpSpPr>
+        <p:cNvPr id="1" name=""/>
+        <p:cNvGrpSpPr/>
+        <p:nvPr/>
+      </p:nvGrpSpPr>
+      <p:grpSpPr>
+        <a:xfrm>
+          <a:off x="0" y="0"/>
+          <a:ext cx="0" cy="0"/>
+          <a:chOff x="0" y="0"/>
+          <a:chExt cx="0" cy="0"/>
+        </a:xfrm>
+      </p:grpSpPr>
+      <p:sp>
+        <p:nvSpPr>
+          <p:cNvPr id="2" name="标题 1"/>
+          <p:cNvSpPr>
+            <a:spLocks noGrp="1"/>
+          </p:cNvSpPr>
+          <p:nvPr>
+            <p:ph type="title"/>
+          </p:nvPr>
+        </p:nvSpPr>
+        <p:spPr/>
+        <p:txBody>
+          <a:bodyPr/>
+          <a:lstStyle/>
+          <a:p>
+            <a:r>
+              <a:rPr lang="zh-CN" altLang="en-US" b="1" dirty="0"/>
+              <a:t>把你份内之事做到</a:t>
+            </a:r>
+            <a:r>
+              <a:rPr lang="zh-CN" altLang="en-US" b="1" dirty="0" smtClean="0"/>
+              <a:t>极致</a:t>
+            </a:r>
+            <a:endParaRPr lang="en-US" dirty="0"/>
+          </a:p>
+        </p:txBody>
+      </p:sp>
+      <p:sp>
+        <p:nvSpPr>
+          <p:cNvPr id="3" name="内容占位符 2"/>
+          <p:cNvSpPr>
+            <a:spLocks noGrp="1"/>
+          </p:cNvSpPr>
+          <p:nvPr>
+            <p:ph idx="1"/>
+          </p:nvPr>
+        </p:nvSpPr>
+        <p:spPr/>
+        <p:txBody>
+          <a:bodyPr/>
+          <a:lstStyle/>
+          <a:p>
+            <a:r>
+              <a:rPr lang="zh-CN" altLang="en-US" dirty="0" smtClean="0"/>
+              <a:t>克军</a:t>
+            </a:r>
+            <a:endParaRPr lang="en-US" altLang="zh-CN" dirty="0" smtClean="0"/>
+          </a:p>
+          <a:p>
+            <a:r>
+              <a:rPr lang="zh-CN" altLang="en-US" dirty="0" smtClean="0"/>
+              <a:t>玉</a:t>
+            </a:r>
+            <a:r>
+              <a:rPr lang="zh-CN" altLang="en-US" dirty="0" smtClean="0"/>
+              <a:t>伯</a:t>
+            </a:r>
+            <a:endParaRPr lang="en-US" altLang="zh-CN" dirty="0" smtClean="0"/>
+          </a:p>
+          <a:p>
+            <a:r>
+              <a:rPr lang="zh-CN" altLang="en-US" dirty="0" smtClean="0"/>
+              <a:t>瓜瓜</a:t>
+            </a:r>
+            <a:endParaRPr lang="en-US" dirty="0"/>
+          </a:p>
+        </p:txBody>
+      </p:sp>
+    </p:spTree>
+    <p:extLst>
+      <p:ext uri="{BB962C8B-B14F-4D97-AF65-F5344CB8AC3E}">
+        <p14:creationId xmlns:p14="http://schemas.microsoft.com/office/powerpoint/2010/main" val="2394040145"/>
+      </p:ext>
+    </p:extLst>
+  </p:cSld>
+  <p:clrMapOvr>
+    <a:masterClrMapping/>
+  </p:clrMapOvr>
+  <p:timing>
+    <p:tnLst>
+      <p:par>
+        <p:cTn id="1" dur="indefinite" restart="never" nodeType="tmRoot"/>
+      </p:par>
+    </p:tnLst>
+  </p:timing>
+</p:sld>
+</file>
+
+<file path=ppt/slides/slide31.xml><?xml version="1.0" encoding="utf-8"?>
+<p:sld xmlns:a="http://schemas.openxmlformats.org/drawingml/2006/main" xmlns:r="http://schemas.openxmlformats.org/officeDocument/2006/relationships" xmlns:p="http://schemas.openxmlformats.org/presentationml/2006/main">
+  <p:cSld>
+    <p:spTree>
+      <p:nvGrpSpPr>
+        <p:cNvPr id="1" name=""/>
+        <p:cNvGrpSpPr/>
+        <p:nvPr/>
+      </p:nvGrpSpPr>
+      <p:grpSpPr>
+        <a:xfrm>
+          <a:off x="0" y="0"/>
+          <a:ext cx="0" cy="0"/>
+          <a:chOff x="0" y="0"/>
+          <a:chExt cx="0" cy="0"/>
+        </a:xfrm>
+      </p:grpSpPr>
+      <p:sp>
+        <p:nvSpPr>
+          <p:cNvPr id="2" name="标题 1"/>
+          <p:cNvSpPr>
+            <a:spLocks noGrp="1"/>
+          </p:cNvSpPr>
+          <p:nvPr>
+            <p:ph type="title"/>
+          </p:nvPr>
+        </p:nvSpPr>
+        <p:spPr>
+          <a:xfrm>
+            <a:off x="699655" y="2734252"/>
+            <a:ext cx="10515600" cy="1325563"/>
+          </a:xfrm>
+        </p:spPr>
+        <p:txBody>
+          <a:bodyPr/>
+          <a:lstStyle/>
+          <a:p>
+            <a:pPr algn="ctr"/>
+            <a:r>
+              <a:rPr lang="en-US" sz="8000" dirty="0" smtClean="0">
+                <a:latin typeface="微软雅黑" panose="020B0503020204020204" pitchFamily="34" charset="-122"/>
+                <a:ea typeface="微软雅黑" panose="020B0503020204020204" pitchFamily="34" charset="-122"/>
+              </a:rPr>
+              <a:t>Q&amp;A</a:t>
+            </a:r>
+            <a:endParaRPr lang="en-US" sz="8000" dirty="0">
+              <a:latin typeface="微软雅黑" panose="020B0503020204020204" pitchFamily="34" charset="-122"/>
+              <a:ea typeface="微软雅黑" panose="020B0503020204020204" pitchFamily="34" charset="-122"/>
+            </a:endParaRPr>
+          </a:p>
+        </p:txBody>
+      </p:sp>
+    </p:spTree>
+    <p:extLst>
+      <p:ext uri="{BB962C8B-B14F-4D97-AF65-F5344CB8AC3E}">
+        <p14:creationId xmlns:p14="http://schemas.microsoft.com/office/powerpoint/2010/main" val="848604723"/>
       </p:ext>
     </p:extLst>
   </p:cSld>
@@ -6673,10 +8628,6 @@
               </a:rPr>
               <a:t>(nodejs.org)</a:t>
             </a:r>
-            <a:endParaRPr lang="en-US" dirty="0">
-              <a:latin typeface="微软雅黑" panose="020B0503020204020204" pitchFamily="34" charset="-122"/>
-              <a:ea typeface="微软雅黑" panose="020B0503020204020204" pitchFamily="34" charset="-122"/>
-            </a:endParaRPr>
           </a:p>
         </p:txBody>
       </p:sp>

--- a/WEB培训.pptx
+++ b/WEB培训.pptx
@@ -26,16 +26,19 @@
     <p:sldId id="289" r:id="rId20"/>
     <p:sldId id="291" r:id="rId21"/>
     <p:sldId id="264" r:id="rId22"/>
-    <p:sldId id="265" r:id="rId23"/>
-    <p:sldId id="283" r:id="rId24"/>
-    <p:sldId id="279" r:id="rId25"/>
-    <p:sldId id="280" r:id="rId26"/>
-    <p:sldId id="281" r:id="rId27"/>
-    <p:sldId id="267" r:id="rId28"/>
-    <p:sldId id="272" r:id="rId29"/>
-    <p:sldId id="273" r:id="rId30"/>
-    <p:sldId id="271" r:id="rId31"/>
-    <p:sldId id="282" r:id="rId32"/>
+    <p:sldId id="292" r:id="rId23"/>
+    <p:sldId id="293" r:id="rId24"/>
+    <p:sldId id="294" r:id="rId25"/>
+    <p:sldId id="265" r:id="rId26"/>
+    <p:sldId id="283" r:id="rId27"/>
+    <p:sldId id="279" r:id="rId28"/>
+    <p:sldId id="280" r:id="rId29"/>
+    <p:sldId id="281" r:id="rId30"/>
+    <p:sldId id="267" r:id="rId31"/>
+    <p:sldId id="272" r:id="rId32"/>
+    <p:sldId id="273" r:id="rId33"/>
+    <p:sldId id="271" r:id="rId34"/>
+    <p:sldId id="282" r:id="rId35"/>
   </p:sldIdLst>
   <p:sldSz cx="12192000" cy="6858000"/>
   <p:notesSz cx="6858000" cy="9144000"/>
@@ -4197,7 +4200,6 @@
               <a:rPr lang="en-US" sz="1800" dirty="0"/>
               <a:t>}</a:t>
             </a:r>
-            <a:endParaRPr lang="en-US" sz="1800" dirty="0"/>
           </a:p>
         </p:txBody>
       </p:sp>
@@ -4726,7 +4728,6 @@
               <a:rPr lang="en-US" sz="1800" dirty="0"/>
               <a:t>}</a:t>
             </a:r>
-            <a:endParaRPr lang="en-US" sz="1800" dirty="0"/>
           </a:p>
         </p:txBody>
       </p:sp>
@@ -5210,7 +5211,6 @@
               <a:rPr lang="en-US" sz="1800" dirty="0"/>
               <a:t>}</a:t>
             </a:r>
-            <a:endParaRPr lang="en-US" sz="1800" dirty="0"/>
           </a:p>
         </p:txBody>
       </p:sp>
@@ -5422,7 +5422,6 @@
               <a:rPr lang="en-US" sz="1800" dirty="0"/>
               <a:t>}</a:t>
             </a:r>
-            <a:endParaRPr lang="en-US" sz="1800" dirty="0"/>
           </a:p>
         </p:txBody>
       </p:sp>
@@ -5606,7 +5605,6 @@
               <a:rPr lang="en-US" sz="1800" dirty="0"/>
               <a:t>}</a:t>
             </a:r>
-            <a:endParaRPr lang="en-US" sz="1800" dirty="0"/>
           </a:p>
         </p:txBody>
       </p:sp>
@@ -6035,7 +6033,6 @@
               <a:rPr lang="en-US" sz="1800" dirty="0"/>
               <a:t>@import "lib.css";</a:t>
             </a:r>
-            <a:endParaRPr lang="en-US" sz="1800" dirty="0"/>
           </a:p>
         </p:txBody>
       </p:sp>
@@ -6224,16 +6221,14 @@
           <a:lstStyle/>
           <a:p>
             <a:r>
-              <a:rPr lang="en-US" dirty="0" smtClean="0">
-                <a:latin typeface="微软雅黑" panose="020B0503020204020204" pitchFamily="34" charset="-122"/>
-                <a:ea typeface="微软雅黑" panose="020B0503020204020204" pitchFamily="34" charset="-122"/>
-              </a:rPr>
-              <a:t>Grunt(www.gruntjs.net)</a:t>
-            </a:r>
-            <a:endParaRPr lang="en-US" dirty="0">
-              <a:latin typeface="微软雅黑" panose="020B0503020204020204" pitchFamily="34" charset="-122"/>
-              <a:ea typeface="微软雅黑" panose="020B0503020204020204" pitchFamily="34" charset="-122"/>
-            </a:endParaRPr>
+              <a:rPr lang="en-US" dirty="0" smtClean="0"/>
+              <a:t>Bootstrap </a:t>
+            </a:r>
+            <a:r>
+              <a:rPr lang="zh-CN" altLang="en-US" dirty="0" smtClean="0"/>
+              <a:t>组件</a:t>
+            </a:r>
+            <a:endParaRPr lang="en-US" dirty="0"/>
           </a:p>
         </p:txBody>
       </p:sp>
@@ -6253,105 +6248,78 @@
           <a:lstStyle/>
           <a:p>
             <a:r>
-              <a:rPr lang="en-US" altLang="zh-CN" dirty="0" err="1" smtClean="0"/>
-              <a:t>Javascript</a:t>
+              <a:rPr lang="en-US" dirty="0" err="1"/>
+              <a:t>Glyphicons</a:t>
+            </a:r>
+            <a:r>
+              <a:rPr lang="en-US" dirty="0"/>
+              <a:t> </a:t>
+            </a:r>
+            <a:r>
+              <a:rPr lang="zh-CN" altLang="en-US" dirty="0"/>
+              <a:t>字体图标</a:t>
+            </a:r>
+          </a:p>
+          <a:p>
+            <a:r>
+              <a:rPr lang="zh-CN" altLang="en-US" dirty="0"/>
+              <a:t>下拉菜单</a:t>
+            </a:r>
+          </a:p>
+          <a:p>
+            <a:r>
+              <a:rPr lang="zh-CN" altLang="en-US" dirty="0"/>
+              <a:t>按钮组</a:t>
+            </a:r>
+          </a:p>
+          <a:p>
+            <a:r>
+              <a:rPr lang="zh-CN" altLang="en-US" dirty="0"/>
+              <a:t>按钮式下拉菜单</a:t>
+            </a:r>
+          </a:p>
+          <a:p>
+            <a:r>
+              <a:rPr lang="zh-CN" altLang="en-US" dirty="0"/>
+              <a:t>输入框组</a:t>
+            </a:r>
+          </a:p>
+          <a:p>
+            <a:r>
+              <a:rPr lang="zh-CN" altLang="en-US" dirty="0"/>
+              <a:t>导航</a:t>
+            </a:r>
+          </a:p>
+          <a:p>
+            <a:r>
+              <a:rPr lang="zh-CN" altLang="en-US" dirty="0"/>
+              <a:t>导航条</a:t>
+            </a:r>
+          </a:p>
+          <a:p>
+            <a:r>
+              <a:rPr lang="zh-CN" altLang="en-US" dirty="0"/>
+              <a:t>路径</a:t>
+            </a:r>
+            <a:r>
+              <a:rPr lang="zh-CN" altLang="en-US" dirty="0" smtClean="0"/>
+              <a:t>导航</a:t>
             </a:r>
             <a:r>
               <a:rPr lang="en-US" altLang="zh-CN" dirty="0" smtClean="0"/>
-              <a:t> </a:t>
-            </a:r>
-            <a:r>
-              <a:rPr lang="zh-CN" altLang="en-US" dirty="0" smtClean="0"/>
-              <a:t>世界</a:t>
-            </a:r>
-            <a:r>
-              <a:rPr lang="zh-CN" altLang="en-US" dirty="0"/>
-              <a:t>的构建</a:t>
-            </a:r>
-            <a:r>
-              <a:rPr lang="zh-CN" altLang="en-US" dirty="0" smtClean="0"/>
-              <a:t>工具</a:t>
-            </a:r>
-            <a:endParaRPr lang="en-US" altLang="zh-CN" dirty="0"/>
-          </a:p>
-          <a:p>
-            <a:r>
-              <a:rPr lang="zh-CN" altLang="en-US" dirty="0" smtClean="0"/>
-              <a:t>自动化完成工具</a:t>
-            </a:r>
-            <a:endParaRPr lang="en-US" altLang="zh-CN" dirty="0" smtClean="0"/>
-          </a:p>
-          <a:p>
-            <a:r>
-              <a:rPr lang="zh-CN" altLang="en-US" dirty="0" smtClean="0"/>
-              <a:t>有庞大的生态系统</a:t>
-            </a:r>
-            <a:endParaRPr lang="en-US" altLang="zh-CN" dirty="0" smtClean="0"/>
-          </a:p>
-          <a:p>
-            <a:pPr marL="0" indent="0">
-              <a:buNone/>
-            </a:pPr>
-            <a:endParaRPr lang="en-US" altLang="zh-CN" dirty="0" smtClean="0"/>
-          </a:p>
-          <a:p>
-            <a:pPr marL="0" indent="0">
-              <a:buNone/>
-            </a:pPr>
-            <a:r>
-              <a:rPr lang="en-US" dirty="0"/>
-              <a:t>	</a:t>
-            </a:r>
-            <a:r>
-              <a:rPr lang="zh-CN" altLang="en-US" dirty="0" smtClean="0"/>
-              <a:t>安装 </a:t>
+              <a:t>(</a:t>
+            </a:r>
+            <a:r>
+              <a:rPr lang="zh-CN" altLang="en-US" dirty="0" smtClean="0"/>
+              <a:t>面包屑</a:t>
             </a:r>
             <a:r>
               <a:rPr lang="en-US" altLang="zh-CN" dirty="0" smtClean="0"/>
-              <a:t>:</a:t>
-            </a:r>
-            <a:r>
-              <a:rPr lang="en-US" altLang="zh-CN" dirty="0" err="1" smtClean="0"/>
-              <a:t>npm</a:t>
-            </a:r>
-            <a:r>
-              <a:rPr lang="en-US" altLang="zh-CN" dirty="0"/>
-              <a:t> install </a:t>
-            </a:r>
-            <a:r>
-              <a:rPr lang="en-US" altLang="zh-CN" dirty="0" smtClean="0"/>
-              <a:t>grunt-cli –g</a:t>
-            </a:r>
-          </a:p>
-          <a:p>
-            <a:pPr marL="0" indent="0">
-              <a:buNone/>
-            </a:pPr>
-            <a:r>
-              <a:rPr lang="en-US" dirty="0"/>
-              <a:t>	</a:t>
-            </a:r>
-            <a:r>
-              <a:rPr lang="zh-CN" altLang="en-US" dirty="0" smtClean="0"/>
-              <a:t>使用</a:t>
-            </a:r>
-            <a:r>
-              <a:rPr lang="en-US" altLang="zh-CN" dirty="0" smtClean="0"/>
-              <a:t>:</a:t>
-            </a:r>
-          </a:p>
-          <a:p>
-            <a:pPr marL="0" indent="0">
-              <a:buNone/>
-            </a:pPr>
-            <a:r>
-              <a:rPr lang="en-US" dirty="0"/>
-              <a:t>	</a:t>
-            </a:r>
-            <a:r>
-              <a:rPr lang="en-US" dirty="0" smtClean="0"/>
-              <a:t>	grunt xx</a:t>
-            </a:r>
+              <a:t>)</a:t>
+            </a:r>
+            <a:endParaRPr lang="zh-CN" altLang="en-US" dirty="0"/>
+          </a:p>
+          <a:p>
             <a:endParaRPr lang="en-US" dirty="0"/>
           </a:p>
         </p:txBody>
@@ -6359,20 +6327,13 @@
     </p:spTree>
     <p:extLst>
       <p:ext uri="{BB962C8B-B14F-4D97-AF65-F5344CB8AC3E}">
-        <p14:creationId xmlns:p14="http://schemas.microsoft.com/office/powerpoint/2010/main" val="2331359407"/>
+        <p14:creationId xmlns:p14="http://schemas.microsoft.com/office/powerpoint/2010/main" val="4288326427"/>
       </p:ext>
     </p:extLst>
   </p:cSld>
   <p:clrMapOvr>
     <a:masterClrMapping/>
   </p:clrMapOvr>
-  <p:timing>
-    <p:tnLst>
-      <p:par>
-        <p:cTn id="1" dur="indefinite" restart="never" nodeType="tmRoot"/>
-      </p:par>
-    </p:tnLst>
-  </p:timing>
 </p:sld>
 </file>
 
@@ -6395,249 +6356,134 @@
       </p:grpSpPr>
       <p:sp>
         <p:nvSpPr>
-          <p:cNvPr id="2" name="标题 1"/>
-          <p:cNvSpPr>
-            <a:spLocks noGrp="1"/>
-          </p:cNvSpPr>
-          <p:nvPr>
-            <p:ph type="title"/>
-          </p:nvPr>
-        </p:nvSpPr>
-        <p:spPr/>
+          <p:cNvPr id="3" name="内容占位符 2"/>
+          <p:cNvSpPr>
+            <a:spLocks noGrp="1"/>
+          </p:cNvSpPr>
+          <p:nvPr>
+            <p:ph idx="1"/>
+          </p:nvPr>
+        </p:nvSpPr>
+        <p:spPr>
+          <a:xfrm>
+            <a:off x="838200" y="540327"/>
+            <a:ext cx="10515600" cy="5721928"/>
+          </a:xfrm>
+        </p:spPr>
         <p:txBody>
           <a:bodyPr>
-            <a:normAutofit/>
+            <a:normAutofit lnSpcReduction="10000"/>
           </a:bodyPr>
           <a:lstStyle/>
           <a:p>
             <a:r>
-              <a:rPr lang="en-US" altLang="zh-CN" dirty="0">
-                <a:latin typeface="微软雅黑" panose="020B0503020204020204" pitchFamily="34" charset="-122"/>
-                <a:ea typeface="微软雅黑" panose="020B0503020204020204" pitchFamily="34" charset="-122"/>
-              </a:rPr>
-              <a:t>Grunt</a:t>
-            </a:r>
-            <a:r>
-              <a:rPr lang="zh-CN" altLang="en-US" dirty="0">
-                <a:latin typeface="微软雅黑" panose="020B0503020204020204" pitchFamily="34" charset="-122"/>
-                <a:ea typeface="微软雅黑" panose="020B0503020204020204" pitchFamily="34" charset="-122"/>
-              </a:rPr>
-              <a:t>常用工具</a:t>
-            </a:r>
-            <a:endParaRPr lang="en-US" dirty="0">
-              <a:latin typeface="微软雅黑" panose="020B0503020204020204" pitchFamily="34" charset="-122"/>
-              <a:ea typeface="微软雅黑" panose="020B0503020204020204" pitchFamily="34" charset="-122"/>
-            </a:endParaRPr>
-          </a:p>
-        </p:txBody>
-      </p:sp>
-      <p:sp>
-        <p:nvSpPr>
-          <p:cNvPr id="3" name="内容占位符 2"/>
-          <p:cNvSpPr>
-            <a:spLocks noGrp="1"/>
-          </p:cNvSpPr>
-          <p:nvPr>
-            <p:ph idx="1"/>
-          </p:nvPr>
-        </p:nvSpPr>
-        <p:spPr/>
-        <p:txBody>
-          <a:bodyPr/>
-          <a:lstStyle/>
-          <a:p>
-            <a:r>
-              <a:rPr lang="en-US" sz="1600" dirty="0" smtClean="0"/>
-              <a:t>Clean(</a:t>
-            </a:r>
-            <a:r>
-              <a:rPr lang="zh-CN" altLang="en-US" sz="1600" dirty="0" smtClean="0"/>
-              <a:t>清理</a:t>
-            </a:r>
-            <a:r>
-              <a:rPr lang="en-US" sz="1600" dirty="0" smtClean="0"/>
+              <a:rPr lang="zh-CN" altLang="en-US" dirty="0"/>
+              <a:t>分页</a:t>
+            </a:r>
+          </a:p>
+          <a:p>
+            <a:r>
+              <a:rPr lang="zh-CN" altLang="en-US" dirty="0"/>
+              <a:t>标签</a:t>
+            </a:r>
+          </a:p>
+          <a:p>
+            <a:r>
+              <a:rPr lang="zh-CN" altLang="en-US" dirty="0"/>
+              <a:t>徽章</a:t>
+            </a:r>
+          </a:p>
+          <a:p>
+            <a:r>
+              <a:rPr lang="zh-CN" altLang="en-US" dirty="0"/>
+              <a:t>巨幕</a:t>
+            </a:r>
+          </a:p>
+          <a:p>
+            <a:r>
+              <a:rPr lang="zh-CN" altLang="en-US" dirty="0"/>
+              <a:t>页头</a:t>
+            </a:r>
+          </a:p>
+          <a:p>
+            <a:r>
+              <a:rPr lang="zh-CN" altLang="en-US" dirty="0"/>
+              <a:t>缩略图</a:t>
+            </a:r>
+          </a:p>
+          <a:p>
+            <a:r>
+              <a:rPr lang="zh-CN" altLang="en-US" dirty="0"/>
+              <a:t>警告框</a:t>
+            </a:r>
+          </a:p>
+          <a:p>
+            <a:r>
+              <a:rPr lang="zh-CN" altLang="en-US" dirty="0"/>
+              <a:t>进度条</a:t>
+            </a:r>
+          </a:p>
+          <a:p>
+            <a:r>
+              <a:rPr lang="zh-CN" altLang="en-US" dirty="0"/>
+              <a:t>媒体对象</a:t>
+            </a:r>
+          </a:p>
+          <a:p>
+            <a:r>
+              <a:rPr lang="zh-CN" altLang="en-US" dirty="0"/>
+              <a:t>列表组</a:t>
+            </a:r>
+          </a:p>
+          <a:p>
+            <a:r>
+              <a:rPr lang="zh-CN" altLang="en-US" dirty="0"/>
+              <a:t>面</a:t>
+            </a:r>
+            <a:r>
+              <a:rPr lang="zh-CN" altLang="en-US" dirty="0" smtClean="0"/>
+              <a:t>版</a:t>
+            </a:r>
+            <a:r>
+              <a:rPr lang="en-US" altLang="zh-CN" dirty="0" smtClean="0"/>
+              <a:t>(panel)</a:t>
+            </a:r>
+          </a:p>
+          <a:p>
+            <a:r>
+              <a:rPr lang="zh-CN" altLang="en-US" dirty="0"/>
+              <a:t>响应式特性的</a:t>
+            </a:r>
+            <a:r>
+              <a:rPr lang="zh-CN" altLang="en-US" dirty="0" smtClean="0"/>
+              <a:t>嵌入</a:t>
+            </a:r>
+            <a:r>
+              <a:rPr lang="en-US" altLang="zh-CN" dirty="0" smtClean="0"/>
+              <a:t>(</a:t>
+            </a:r>
+            <a:r>
+              <a:rPr lang="en-US" dirty="0"/>
+              <a:t>iframe</a:t>
+            </a:r>
+            <a:r>
+              <a:rPr lang="en-US" altLang="zh-CN" dirty="0" smtClean="0"/>
               <a:t>)</a:t>
             </a:r>
-          </a:p>
-          <a:p>
-            <a:r>
-              <a:rPr lang="en-US" sz="1600" dirty="0" err="1" smtClean="0"/>
-              <a:t>Concat</a:t>
-            </a:r>
-            <a:r>
-              <a:rPr lang="en-US" sz="1600" dirty="0" smtClean="0"/>
-              <a:t>(</a:t>
-            </a:r>
-            <a:r>
-              <a:rPr lang="zh-CN" altLang="en-US" sz="1600" dirty="0" smtClean="0"/>
-              <a:t>合并</a:t>
-            </a:r>
-            <a:r>
-              <a:rPr lang="en-US" sz="1600" dirty="0" smtClean="0"/>
-              <a:t>)</a:t>
-            </a:r>
-          </a:p>
-          <a:p>
-            <a:r>
-              <a:rPr lang="en-US" sz="1600" dirty="0" err="1" smtClean="0"/>
-              <a:t>Uglify</a:t>
-            </a:r>
-            <a:r>
-              <a:rPr lang="en-US" sz="1600" dirty="0" smtClean="0"/>
-              <a:t>(</a:t>
-            </a:r>
-            <a:r>
-              <a:rPr lang="en-US" altLang="zh-CN" sz="1600" dirty="0" err="1" smtClean="0"/>
-              <a:t>js</a:t>
-            </a:r>
-            <a:r>
-              <a:rPr lang="zh-CN" altLang="en-US" sz="1600" dirty="0" smtClean="0"/>
-              <a:t>压缩</a:t>
-            </a:r>
-            <a:r>
-              <a:rPr lang="en-US" sz="1600" dirty="0" smtClean="0"/>
-              <a:t>)</a:t>
-            </a:r>
-          </a:p>
-          <a:p>
-            <a:r>
-              <a:rPr lang="en-US" sz="1600" dirty="0" smtClean="0"/>
-              <a:t>Less(less</a:t>
-            </a:r>
-            <a:r>
-              <a:rPr lang="zh-CN" altLang="en-US" sz="1600" dirty="0" smtClean="0"/>
-              <a:t>编译</a:t>
-            </a:r>
-            <a:r>
-              <a:rPr lang="en-US" sz="1600" dirty="0" smtClean="0"/>
-              <a:t>)</a:t>
-            </a:r>
-          </a:p>
-          <a:p>
-            <a:r>
-              <a:rPr lang="en-US" sz="1600" dirty="0" err="1" smtClean="0"/>
-              <a:t>Autoprefixer</a:t>
-            </a:r>
-            <a:r>
-              <a:rPr lang="en-US" sz="1600" dirty="0" smtClean="0"/>
-              <a:t>(</a:t>
-            </a:r>
-            <a:r>
-              <a:rPr lang="zh-CN" altLang="en-US" sz="1600" dirty="0" smtClean="0"/>
-              <a:t>处理浏览器兼容</a:t>
-            </a:r>
-            <a:r>
-              <a:rPr lang="en-US" sz="1600" dirty="0" smtClean="0"/>
-              <a:t>)</a:t>
-            </a:r>
-          </a:p>
-          <a:p>
-            <a:r>
-              <a:rPr lang="en-US" sz="1600" dirty="0" err="1" smtClean="0"/>
-              <a:t>Csscomb</a:t>
-            </a:r>
-            <a:r>
-              <a:rPr lang="en-US" sz="1600" dirty="0" smtClean="0"/>
-              <a:t>(</a:t>
-            </a:r>
-            <a:r>
-              <a:rPr lang="zh-CN" altLang="en-US" sz="1600" dirty="0" smtClean="0"/>
-              <a:t>属性排序</a:t>
-            </a:r>
-            <a:r>
-              <a:rPr lang="en-US" sz="1600" dirty="0" smtClean="0"/>
-              <a:t>)</a:t>
-            </a:r>
-          </a:p>
-          <a:p>
-            <a:r>
-              <a:rPr lang="en-US" sz="1600" dirty="0" err="1" smtClean="0"/>
-              <a:t>Csslint</a:t>
-            </a:r>
-            <a:r>
-              <a:rPr lang="en-US" sz="1600" dirty="0" smtClean="0"/>
-              <a:t>(</a:t>
-            </a:r>
-            <a:r>
-              <a:rPr lang="zh-CN" altLang="en-US" sz="1600" dirty="0" smtClean="0"/>
-              <a:t>语法检查</a:t>
-            </a:r>
-            <a:r>
-              <a:rPr lang="en-US" sz="1600" dirty="0" smtClean="0"/>
-              <a:t>)</a:t>
-            </a:r>
-          </a:p>
-          <a:p>
-            <a:r>
-              <a:rPr lang="en-US" sz="1600" dirty="0" err="1" smtClean="0"/>
-              <a:t>Cssmin</a:t>
-            </a:r>
-            <a:r>
-              <a:rPr lang="en-US" sz="1600" dirty="0" smtClean="0"/>
-              <a:t>(</a:t>
-            </a:r>
-            <a:r>
-              <a:rPr lang="en-US" altLang="zh-CN" sz="1600" dirty="0" err="1" smtClean="0"/>
-              <a:t>css</a:t>
-            </a:r>
-            <a:r>
-              <a:rPr lang="zh-CN" altLang="en-US" sz="1600" dirty="0" smtClean="0"/>
-              <a:t>压缩</a:t>
-            </a:r>
-            <a:r>
-              <a:rPr lang="en-US" sz="1600" dirty="0" smtClean="0"/>
-              <a:t>)</a:t>
-            </a:r>
-          </a:p>
-          <a:p>
-            <a:r>
-              <a:rPr lang="en-US" sz="1600" dirty="0" smtClean="0"/>
-              <a:t>Transport(</a:t>
-            </a:r>
-            <a:r>
-              <a:rPr lang="zh-CN" altLang="en-US" sz="1600" dirty="0" smtClean="0"/>
-              <a:t>具名</a:t>
-            </a:r>
-            <a:r>
-              <a:rPr lang="en-US" sz="1600" dirty="0" smtClean="0"/>
-              <a:t>)</a:t>
-            </a:r>
-          </a:p>
-          <a:p>
-            <a:r>
-              <a:rPr lang="en-US" sz="1600" dirty="0" smtClean="0"/>
-              <a:t>Copy(</a:t>
-            </a:r>
-            <a:r>
-              <a:rPr lang="zh-CN" altLang="en-US" sz="1600" dirty="0" smtClean="0"/>
-              <a:t>复制文件</a:t>
-            </a:r>
-            <a:r>
-              <a:rPr lang="en-US" sz="1600" dirty="0" smtClean="0"/>
-              <a:t>)</a:t>
-            </a:r>
-          </a:p>
-          <a:p>
-            <a:r>
-              <a:rPr lang="en-US" sz="1600" dirty="0" smtClean="0"/>
-              <a:t>Compress(</a:t>
-            </a:r>
-            <a:r>
-              <a:rPr lang="zh-CN" altLang="en-US" sz="1600" dirty="0" smtClean="0"/>
-              <a:t>打包</a:t>
-            </a:r>
-            <a:r>
-              <a:rPr lang="en-US" sz="1600" dirty="0" smtClean="0"/>
-              <a:t>)</a:t>
-            </a:r>
-            <a:endParaRPr lang="en-US" sz="1600" dirty="0"/>
+            <a:endParaRPr lang="zh-CN" altLang="en-US" dirty="0"/>
+          </a:p>
+          <a:p>
+            <a:endParaRPr lang="zh-CN" altLang="en-US" dirty="0"/>
+          </a:p>
+          <a:p>
+            <a:endParaRPr lang="en-US" dirty="0"/>
           </a:p>
         </p:txBody>
       </p:sp>
     </p:spTree>
     <p:extLst>
       <p:ext uri="{BB962C8B-B14F-4D97-AF65-F5344CB8AC3E}">
-        <p14:creationId xmlns:p14="http://schemas.microsoft.com/office/powerpoint/2010/main" val="3639114124"/>
+        <p14:creationId xmlns:p14="http://schemas.microsoft.com/office/powerpoint/2010/main" val="329853800"/>
       </p:ext>
     </p:extLst>
   </p:cSld>
@@ -6676,103 +6522,199 @@
         </p:nvSpPr>
         <p:spPr/>
         <p:txBody>
+          <a:bodyPr/>
+          <a:lstStyle/>
+          <a:p>
+            <a:r>
+              <a:rPr lang="en-US" dirty="0"/>
+              <a:t>Bootstrap </a:t>
+            </a:r>
+            <a:r>
+              <a:rPr lang="en-US" dirty="0"/>
+              <a:t>JavaScript </a:t>
+            </a:r>
+            <a:r>
+              <a:rPr lang="zh-CN" altLang="en-US" dirty="0"/>
+              <a:t>插件</a:t>
+            </a:r>
+          </a:p>
+        </p:txBody>
+      </p:sp>
+      <p:sp>
+        <p:nvSpPr>
+          <p:cNvPr id="3" name="内容占位符 2"/>
+          <p:cNvSpPr>
+            <a:spLocks noGrp="1"/>
+          </p:cNvSpPr>
+          <p:nvPr>
+            <p:ph idx="1"/>
+          </p:nvPr>
+        </p:nvSpPr>
+        <p:spPr/>
+        <p:txBody>
           <a:bodyPr>
-            <a:normAutofit/>
+            <a:normAutofit fontScale="85000" lnSpcReduction="20000"/>
           </a:bodyPr>
           <a:lstStyle/>
           <a:p>
             <a:r>
-              <a:rPr lang="zh-CN" altLang="en-US" dirty="0">
-                <a:latin typeface="微软雅黑" panose="020B0503020204020204" pitchFamily="34" charset="-122"/>
-                <a:ea typeface="微软雅黑" panose="020B0503020204020204" pitchFamily="34" charset="-122"/>
-              </a:rPr>
-              <a:t>模块化</a:t>
-            </a:r>
-            <a:r>
-              <a:rPr lang="zh-CN" altLang="en-US" dirty="0" smtClean="0">
-                <a:latin typeface="微软雅黑" panose="020B0503020204020204" pitchFamily="34" charset="-122"/>
-                <a:ea typeface="微软雅黑" panose="020B0503020204020204" pitchFamily="34" charset="-122"/>
-              </a:rPr>
-              <a:t>规范</a:t>
-            </a:r>
-            <a:endParaRPr lang="en-US" dirty="0">
-              <a:latin typeface="微软雅黑" panose="020B0503020204020204" pitchFamily="34" charset="-122"/>
-              <a:ea typeface="微软雅黑" panose="020B0503020204020204" pitchFamily="34" charset="-122"/>
-            </a:endParaRPr>
-          </a:p>
-        </p:txBody>
-      </p:sp>
-      <p:sp>
-        <p:nvSpPr>
-          <p:cNvPr id="3" name="内容占位符 2"/>
-          <p:cNvSpPr>
-            <a:spLocks noGrp="1"/>
-          </p:cNvSpPr>
-          <p:nvPr>
-            <p:ph idx="1"/>
-          </p:nvPr>
-        </p:nvSpPr>
-        <p:spPr/>
-        <p:txBody>
-          <a:bodyPr/>
-          <a:lstStyle/>
-          <a:p>
-            <a:r>
-              <a:rPr lang="en-US" dirty="0" err="1"/>
-              <a:t>CMD（Common</a:t>
-            </a:r>
-            <a:r>
-              <a:rPr lang="en-US" dirty="0"/>
-              <a:t> Module Definition</a:t>
-            </a:r>
-            <a:r>
-              <a:rPr lang="en-US" dirty="0" smtClean="0"/>
-              <a:t>）-</a:t>
-            </a:r>
-            <a:r>
-              <a:rPr lang="en-US" dirty="0" err="1"/>
-              <a:t>S</a:t>
-            </a:r>
-            <a:r>
-              <a:rPr lang="en-US" dirty="0" err="1" smtClean="0"/>
-              <a:t>eajs</a:t>
-            </a:r>
-            <a:endParaRPr lang="en-US" dirty="0" smtClean="0"/>
-          </a:p>
-          <a:p>
-            <a:r>
-              <a:rPr lang="en-US" dirty="0" err="1"/>
-              <a:t>AMD（Asynchronous</a:t>
-            </a:r>
-            <a:r>
-              <a:rPr lang="en-US" dirty="0"/>
-              <a:t> Module Definition）-</a:t>
-            </a:r>
-            <a:r>
-              <a:rPr lang="en-US" dirty="0" err="1" smtClean="0"/>
-              <a:t>RequireJS</a:t>
-            </a:r>
-            <a:endParaRPr lang="en-US" dirty="0" smtClean="0"/>
+              <a:rPr lang="zh-CN" altLang="en-US" dirty="0" smtClean="0"/>
+              <a:t>过度效果</a:t>
+            </a:r>
+            <a:r>
+              <a:rPr lang="en-US" altLang="zh-CN" dirty="0"/>
+              <a:t>(transition.js)</a:t>
+            </a:r>
+            <a:endParaRPr lang="en-US" altLang="zh-CN" dirty="0" smtClean="0"/>
+          </a:p>
+          <a:p>
+            <a:r>
+              <a:rPr lang="zh-CN" altLang="en-US" dirty="0"/>
+              <a:t>模态</a:t>
+            </a:r>
+            <a:r>
+              <a:rPr lang="zh-CN" altLang="en-US" dirty="0" smtClean="0"/>
+              <a:t>框</a:t>
+            </a:r>
+            <a:r>
+              <a:rPr lang="en-US" altLang="zh-CN" dirty="0"/>
+              <a:t>(modal.js)</a:t>
+            </a:r>
+            <a:endParaRPr lang="zh-CN" altLang="en-US" dirty="0"/>
+          </a:p>
+          <a:p>
+            <a:r>
+              <a:rPr lang="zh-CN" altLang="en-US" dirty="0"/>
+              <a:t>下</a:t>
+            </a:r>
+            <a:r>
+              <a:rPr lang="zh-CN" altLang="en-US" dirty="0" smtClean="0"/>
+              <a:t>拉菜单</a:t>
+            </a:r>
+            <a:r>
+              <a:rPr lang="en-US" altLang="zh-CN" dirty="0"/>
+              <a:t>(dropdown.js)</a:t>
+            </a:r>
+            <a:endParaRPr lang="en-US" altLang="zh-CN" dirty="0" smtClean="0"/>
+          </a:p>
+          <a:p>
+            <a:r>
+              <a:rPr lang="zh-CN" altLang="en-US" dirty="0"/>
+              <a:t>滚动</a:t>
+            </a:r>
+            <a:r>
+              <a:rPr lang="zh-CN" altLang="en-US" dirty="0" smtClean="0"/>
+              <a:t>监听</a:t>
+            </a:r>
+            <a:r>
+              <a:rPr lang="en-US" altLang="zh-CN" dirty="0"/>
+              <a:t>(scrollspy.js)</a:t>
+            </a:r>
+            <a:endParaRPr lang="zh-CN" altLang="en-US" dirty="0"/>
+          </a:p>
+          <a:p>
+            <a:r>
+              <a:rPr lang="zh-CN" altLang="en-US" dirty="0" smtClean="0"/>
+              <a:t>标签页</a:t>
+            </a:r>
+            <a:r>
+              <a:rPr lang="en-US" altLang="zh-CN" dirty="0" smtClean="0"/>
+              <a:t>(</a:t>
+            </a:r>
+            <a:r>
+              <a:rPr lang="en-US" altLang="zh-CN" dirty="0"/>
+              <a:t>tab)(tab.js)</a:t>
+            </a:r>
+            <a:endParaRPr lang="en-US" altLang="zh-CN" dirty="0" smtClean="0"/>
+          </a:p>
+          <a:p>
+            <a:r>
+              <a:rPr lang="zh-CN" altLang="en-US" dirty="0" smtClean="0"/>
+              <a:t>提示工具</a:t>
+            </a:r>
+            <a:r>
+              <a:rPr lang="en-US" altLang="zh-CN" dirty="0"/>
+              <a:t>(tooltip.js)</a:t>
+            </a:r>
+            <a:endParaRPr lang="en-US" altLang="zh-CN" dirty="0" smtClean="0"/>
+          </a:p>
+          <a:p>
+            <a:r>
+              <a:rPr lang="zh-CN" altLang="en-US" dirty="0"/>
+              <a:t>弹出</a:t>
+            </a:r>
+            <a:r>
+              <a:rPr lang="zh-CN" altLang="en-US" dirty="0" smtClean="0"/>
+              <a:t>框</a:t>
+            </a:r>
+            <a:r>
+              <a:rPr lang="en-US" altLang="zh-CN" dirty="0"/>
+              <a:t>(popover.js)</a:t>
+            </a:r>
+            <a:endParaRPr lang="zh-CN" altLang="en-US" dirty="0"/>
+          </a:p>
+          <a:p>
+            <a:r>
+              <a:rPr lang="zh-CN" altLang="en-US" dirty="0" smtClean="0"/>
+              <a:t>警告框</a:t>
+            </a:r>
+            <a:r>
+              <a:rPr lang="en-US" altLang="zh-CN" dirty="0"/>
+              <a:t>(alert.js)</a:t>
+            </a:r>
+            <a:endParaRPr lang="en-US" altLang="zh-CN" dirty="0" smtClean="0"/>
+          </a:p>
+          <a:p>
+            <a:r>
+              <a:rPr lang="zh-CN" altLang="en-US" dirty="0" smtClean="0"/>
+              <a:t>按钮</a:t>
+            </a:r>
+            <a:r>
+              <a:rPr lang="en-US" altLang="zh-CN" dirty="0"/>
+              <a:t>(button.js)</a:t>
+            </a:r>
+            <a:endParaRPr lang="en-US" altLang="zh-CN" dirty="0" smtClean="0"/>
+          </a:p>
+          <a:p>
+            <a:r>
+              <a:rPr lang="zh-CN" altLang="en-US" dirty="0" smtClean="0"/>
+              <a:t>折叠</a:t>
+            </a:r>
+            <a:r>
+              <a:rPr lang="en-US" altLang="zh-CN" dirty="0"/>
+              <a:t>(collapse.js)</a:t>
+            </a:r>
+            <a:endParaRPr lang="en-US" altLang="zh-CN" dirty="0" smtClean="0"/>
+          </a:p>
+          <a:p>
+            <a:r>
+              <a:rPr lang="zh-CN" altLang="en-US" dirty="0" smtClean="0"/>
+              <a:t>图片轮转</a:t>
+            </a:r>
+            <a:r>
+              <a:rPr lang="en-US" altLang="zh-CN" dirty="0"/>
+              <a:t>(carousel.js)</a:t>
+            </a:r>
+            <a:endParaRPr lang="en-US" altLang="zh-CN" dirty="0" smtClean="0"/>
+          </a:p>
+          <a:p>
+            <a:endParaRPr lang="en-US" altLang="zh-CN" dirty="0" smtClean="0"/>
+          </a:p>
+          <a:p>
+            <a:endParaRPr lang="en-US" dirty="0"/>
           </a:p>
         </p:txBody>
       </p:sp>
     </p:spTree>
     <p:extLst>
       <p:ext uri="{BB962C8B-B14F-4D97-AF65-F5344CB8AC3E}">
-        <p14:creationId xmlns:p14="http://schemas.microsoft.com/office/powerpoint/2010/main" val="3807339202"/>
+        <p14:creationId xmlns:p14="http://schemas.microsoft.com/office/powerpoint/2010/main" val="3121378072"/>
       </p:ext>
     </p:extLst>
   </p:cSld>
   <p:clrMapOvr>
     <a:masterClrMapping/>
   </p:clrMapOvr>
-  <p:timing>
-    <p:tnLst>
-      <p:par>
-        <p:cTn id="1" dur="indefinite" restart="never" nodeType="tmRoot"/>
-      </p:par>
-    </p:tnLst>
-  </p:timing>
 </p:sld>
 </file>
 
@@ -6809,242 +6751,133 @@
           <a:lstStyle/>
           <a:p>
             <a:r>
+              <a:rPr lang="en-US" dirty="0" smtClean="0">
+                <a:latin typeface="微软雅黑" panose="020B0503020204020204" pitchFamily="34" charset="-122"/>
+                <a:ea typeface="微软雅黑" panose="020B0503020204020204" pitchFamily="34" charset="-122"/>
+              </a:rPr>
+              <a:t>Grunt(www.gruntjs.net)</a:t>
+            </a:r>
+            <a:endParaRPr lang="en-US" dirty="0">
+              <a:latin typeface="微软雅黑" panose="020B0503020204020204" pitchFamily="34" charset="-122"/>
+              <a:ea typeface="微软雅黑" panose="020B0503020204020204" pitchFamily="34" charset="-122"/>
+            </a:endParaRPr>
+          </a:p>
+        </p:txBody>
+      </p:sp>
+      <p:sp>
+        <p:nvSpPr>
+          <p:cNvPr id="3" name="内容占位符 2"/>
+          <p:cNvSpPr>
+            <a:spLocks noGrp="1"/>
+          </p:cNvSpPr>
+          <p:nvPr>
+            <p:ph idx="1"/>
+          </p:nvPr>
+        </p:nvSpPr>
+        <p:spPr/>
+        <p:txBody>
+          <a:bodyPr/>
+          <a:lstStyle/>
+          <a:p>
+            <a:r>
+              <a:rPr lang="en-US" altLang="zh-CN" dirty="0" err="1" smtClean="0"/>
+              <a:t>Javascript</a:t>
+            </a:r>
+            <a:r>
+              <a:rPr lang="en-US" altLang="zh-CN" dirty="0" smtClean="0"/>
+              <a:t> </a:t>
+            </a:r>
+            <a:r>
+              <a:rPr lang="zh-CN" altLang="en-US" dirty="0" smtClean="0"/>
+              <a:t>世界</a:t>
+            </a:r>
+            <a:r>
+              <a:rPr lang="zh-CN" altLang="en-US" dirty="0"/>
+              <a:t>的构建</a:t>
+            </a:r>
+            <a:r>
+              <a:rPr lang="zh-CN" altLang="en-US" dirty="0" smtClean="0"/>
+              <a:t>工具</a:t>
+            </a:r>
+            <a:endParaRPr lang="en-US" altLang="zh-CN" dirty="0"/>
+          </a:p>
+          <a:p>
+            <a:r>
+              <a:rPr lang="zh-CN" altLang="en-US" dirty="0" smtClean="0"/>
+              <a:t>自动化完成工具</a:t>
+            </a:r>
+            <a:endParaRPr lang="en-US" altLang="zh-CN" dirty="0" smtClean="0"/>
+          </a:p>
+          <a:p>
+            <a:r>
+              <a:rPr lang="zh-CN" altLang="en-US" dirty="0" smtClean="0"/>
+              <a:t>有庞大的生态系统</a:t>
+            </a:r>
+            <a:endParaRPr lang="en-US" altLang="zh-CN" dirty="0" smtClean="0"/>
+          </a:p>
+          <a:p>
+            <a:pPr marL="0" indent="0">
+              <a:buNone/>
+            </a:pPr>
+            <a:endParaRPr lang="en-US" altLang="zh-CN" dirty="0" smtClean="0"/>
+          </a:p>
+          <a:p>
+            <a:pPr marL="0" indent="0">
+              <a:buNone/>
+            </a:pPr>
+            <a:r>
+              <a:rPr lang="en-US" dirty="0"/>
+              <a:t>	</a:t>
+            </a:r>
+            <a:r>
+              <a:rPr lang="zh-CN" altLang="en-US" dirty="0" smtClean="0"/>
+              <a:t>安装 </a:t>
+            </a:r>
+            <a:r>
+              <a:rPr lang="en-US" altLang="zh-CN" dirty="0" smtClean="0"/>
+              <a:t>:</a:t>
+            </a:r>
+            <a:r>
+              <a:rPr lang="en-US" altLang="zh-CN" dirty="0" err="1" smtClean="0"/>
+              <a:t>npm</a:t>
+            </a:r>
+            <a:r>
+              <a:rPr lang="en-US" altLang="zh-CN" dirty="0"/>
+              <a:t> install </a:t>
+            </a:r>
+            <a:r>
+              <a:rPr lang="en-US" altLang="zh-CN" dirty="0" smtClean="0"/>
+              <a:t>grunt-cli –g</a:t>
+            </a:r>
+          </a:p>
+          <a:p>
+            <a:pPr marL="0" indent="0">
+              <a:buNone/>
+            </a:pPr>
+            <a:r>
+              <a:rPr lang="en-US" dirty="0"/>
+              <a:t>	</a:t>
+            </a:r>
+            <a:r>
+              <a:rPr lang="zh-CN" altLang="en-US" dirty="0" smtClean="0"/>
+              <a:t>使用</a:t>
+            </a:r>
+            <a:r>
+              <a:rPr lang="en-US" altLang="zh-CN" dirty="0" smtClean="0"/>
+              <a:t>:</a:t>
+            </a:r>
+          </a:p>
+          <a:p>
+            <a:pPr marL="0" indent="0">
+              <a:buNone/>
+            </a:pPr>
+            <a:r>
+              <a:rPr lang="en-US" dirty="0"/>
+              <a:t>	</a:t>
+            </a:r>
+            <a:r>
               <a:rPr lang="en-US" dirty="0" smtClean="0"/>
-              <a:t>AMD</a:t>
-            </a:r>
-            <a:endParaRPr lang="en-US" dirty="0"/>
-          </a:p>
-        </p:txBody>
-      </p:sp>
-      <p:sp>
-        <p:nvSpPr>
-          <p:cNvPr id="3" name="内容占位符 2"/>
-          <p:cNvSpPr>
-            <a:spLocks noGrp="1"/>
-          </p:cNvSpPr>
-          <p:nvPr>
-            <p:ph idx="1"/>
-          </p:nvPr>
-        </p:nvSpPr>
-        <p:spPr>
-          <a:xfrm>
-            <a:off x="713509" y="1437697"/>
-            <a:ext cx="10515600" cy="2704812"/>
-          </a:xfrm>
-        </p:spPr>
-        <p:txBody>
-          <a:bodyPr/>
-          <a:lstStyle/>
-          <a:p>
-            <a:r>
-              <a:rPr lang="zh-CN" altLang="en-US" dirty="0" smtClean="0"/>
-              <a:t>第一</a:t>
-            </a:r>
-            <a:r>
-              <a:rPr lang="zh-CN" altLang="en-US" dirty="0"/>
-              <a:t>个参数</a:t>
-            </a:r>
-            <a:r>
-              <a:rPr lang="en-US" altLang="zh-CN" dirty="0"/>
-              <a:t>,</a:t>
-            </a:r>
-            <a:r>
-              <a:rPr lang="zh-CN" altLang="en-US" dirty="0"/>
-              <a:t> </a:t>
-            </a:r>
-            <a:r>
-              <a:rPr lang="en-US" altLang="zh-CN" dirty="0"/>
-              <a:t>id </a:t>
-            </a:r>
-            <a:r>
-              <a:rPr lang="zh-CN" altLang="en-US" dirty="0"/>
-              <a:t>为字符串类型，表示了模块</a:t>
-            </a:r>
-            <a:r>
-              <a:rPr lang="zh-CN" altLang="en-US" dirty="0" smtClean="0"/>
-              <a:t>标识</a:t>
-            </a:r>
-            <a:endParaRPr lang="en-US" altLang="zh-CN" dirty="0"/>
-          </a:p>
-          <a:p>
-            <a:r>
-              <a:rPr lang="zh-CN" altLang="en-US" dirty="0" smtClean="0"/>
-              <a:t>第二</a:t>
-            </a:r>
-            <a:r>
-              <a:rPr lang="zh-CN" altLang="en-US" dirty="0"/>
-              <a:t>个参数</a:t>
-            </a:r>
-            <a:r>
-              <a:rPr lang="en-US" altLang="zh-CN" dirty="0"/>
-              <a:t>,dependencies </a:t>
-            </a:r>
-            <a:r>
-              <a:rPr lang="zh-CN" altLang="en-US" dirty="0"/>
-              <a:t>，是一个当前模块依赖的</a:t>
-            </a:r>
-            <a:r>
-              <a:rPr lang="zh-CN" altLang="en-US" dirty="0" smtClean="0"/>
-              <a:t>，已</a:t>
-            </a:r>
-            <a:r>
-              <a:rPr lang="zh-CN" altLang="en-US" dirty="0"/>
-              <a:t>被模块定义的模块标识的数组字面</a:t>
-            </a:r>
-            <a:r>
-              <a:rPr lang="zh-CN" altLang="en-US" dirty="0" smtClean="0"/>
-              <a:t>量</a:t>
-            </a:r>
-            <a:endParaRPr lang="en-US" altLang="zh-CN" dirty="0"/>
-          </a:p>
-          <a:p>
-            <a:r>
-              <a:rPr lang="zh-CN" altLang="en-US" dirty="0" smtClean="0"/>
-              <a:t>第三</a:t>
-            </a:r>
-            <a:r>
-              <a:rPr lang="zh-CN" altLang="en-US" dirty="0"/>
-              <a:t>个参数</a:t>
-            </a:r>
-            <a:r>
-              <a:rPr lang="en-US" altLang="zh-CN" dirty="0"/>
-              <a:t>,factory</a:t>
-            </a:r>
-            <a:r>
-              <a:rPr lang="zh-CN" altLang="en-US" dirty="0"/>
-              <a:t>，是一个需要进行实例化的函数或</a:t>
-            </a:r>
-            <a:r>
-              <a:rPr lang="en-US" altLang="zh-CN" dirty="0"/>
-              <a:t>	</a:t>
-            </a:r>
-            <a:r>
-              <a:rPr lang="zh-CN" altLang="en-US" dirty="0" smtClean="0"/>
-              <a:t>者</a:t>
-            </a:r>
-            <a:r>
-              <a:rPr lang="zh-CN" altLang="en-US" dirty="0"/>
-              <a:t>一个</a:t>
-            </a:r>
-            <a:r>
-              <a:rPr lang="zh-CN" altLang="en-US" dirty="0" smtClean="0"/>
-              <a:t>对象</a:t>
-            </a:r>
-            <a:endParaRPr lang="en-US" altLang="zh-CN" dirty="0" smtClean="0"/>
-          </a:p>
-          <a:p>
-            <a:pPr marL="0" indent="0">
-              <a:buNone/>
-            </a:pPr>
-            <a:endParaRPr lang="en-US" dirty="0"/>
-          </a:p>
-        </p:txBody>
-      </p:sp>
-      <p:sp>
-        <p:nvSpPr>
-          <p:cNvPr id="5" name="文本框 4"/>
-          <p:cNvSpPr txBox="1"/>
-          <p:nvPr/>
-        </p:nvSpPr>
-        <p:spPr>
-          <a:xfrm>
-            <a:off x="1288474" y="4308765"/>
-            <a:ext cx="9504218" cy="1754326"/>
-          </a:xfrm>
-          <a:prstGeom prst="rect">
-            <a:avLst/>
-          </a:prstGeom>
-        </p:spPr>
-        <p:style>
-          <a:lnRef idx="2">
-            <a:schemeClr val="accent1"/>
-          </a:lnRef>
-          <a:fillRef idx="1">
-            <a:schemeClr val="lt1"/>
-          </a:fillRef>
-          <a:effectRef idx="0">
-            <a:schemeClr val="accent1"/>
-          </a:effectRef>
-          <a:fontRef idx="minor">
-            <a:schemeClr val="dk1"/>
-          </a:fontRef>
-        </p:style>
-        <p:txBody>
-          <a:bodyPr wrap="square" rtlCol="0">
-            <a:spAutoFit/>
-          </a:bodyPr>
-          <a:lstStyle/>
-          <a:p>
-            <a:r>
-              <a:rPr lang="en-US" dirty="0"/>
-              <a:t>define("alpha", [ "require", "exports", "beta" ], function( require, exports, beta </a:t>
-            </a:r>
-            <a:r>
-              <a:rPr lang="en-US" dirty="0" smtClean="0"/>
-              <a:t>){</a:t>
-            </a:r>
-            <a:endParaRPr lang="en-US" dirty="0"/>
-          </a:p>
-          <a:p>
-            <a:r>
-              <a:rPr lang="en-US" dirty="0"/>
-              <a:t>    </a:t>
-            </a:r>
-            <a:r>
-              <a:rPr lang="en-US" dirty="0" err="1"/>
-              <a:t>export.verb</a:t>
-            </a:r>
-            <a:r>
-              <a:rPr lang="en-US" dirty="0"/>
-              <a:t> = function</a:t>
-            </a:r>
-            <a:r>
-              <a:rPr lang="en-US" dirty="0" smtClean="0"/>
-              <a:t>(){</a:t>
-            </a:r>
-            <a:endParaRPr lang="en-US" dirty="0"/>
-          </a:p>
-          <a:p>
-            <a:r>
-              <a:rPr lang="en-US" dirty="0"/>
-              <a:t>        return </a:t>
-            </a:r>
-            <a:r>
-              <a:rPr lang="en-US" dirty="0" err="1"/>
-              <a:t>beta.verb</a:t>
-            </a:r>
-            <a:r>
-              <a:rPr lang="en-US" dirty="0" smtClean="0"/>
-              <a:t>();</a:t>
-            </a:r>
-            <a:endParaRPr lang="en-US" dirty="0"/>
-          </a:p>
-          <a:p>
-            <a:r>
-              <a:rPr lang="en-US" dirty="0"/>
-              <a:t>        return require("beta").verb</a:t>
-            </a:r>
-            <a:r>
-              <a:rPr lang="en-US" dirty="0" smtClean="0"/>
-              <a:t>();</a:t>
-            </a:r>
-            <a:endParaRPr lang="en-US" dirty="0"/>
-          </a:p>
-          <a:p>
-            <a:r>
-              <a:rPr lang="en-US" dirty="0"/>
-              <a:t>    </a:t>
-            </a:r>
-            <a:r>
-              <a:rPr lang="en-US" dirty="0" smtClean="0"/>
-              <a:t>}</a:t>
-            </a:r>
-            <a:endParaRPr lang="en-US" dirty="0"/>
-          </a:p>
-          <a:p>
-            <a:r>
-              <a:rPr lang="en-US" dirty="0" smtClean="0"/>
-              <a:t>});</a:t>
+              <a:t>	grunt xx</a:t>
             </a:r>
             <a:endParaRPr lang="en-US" dirty="0"/>
           </a:p>
@@ -7053,7 +6886,7 @@
     </p:spTree>
     <p:extLst>
       <p:ext uri="{BB962C8B-B14F-4D97-AF65-F5344CB8AC3E}">
-        <p14:creationId xmlns:p14="http://schemas.microsoft.com/office/powerpoint/2010/main" val="3809866508"/>
+        <p14:creationId xmlns:p14="http://schemas.microsoft.com/office/powerpoint/2010/main" val="2331359407"/>
       </p:ext>
     </p:extLst>
   </p:cSld>
@@ -7099,105 +6932,239 @@
         </p:nvSpPr>
         <p:spPr/>
         <p:txBody>
+          <a:bodyPr>
+            <a:normAutofit/>
+          </a:bodyPr>
+          <a:lstStyle/>
+          <a:p>
+            <a:r>
+              <a:rPr lang="en-US" altLang="zh-CN" dirty="0">
+                <a:latin typeface="微软雅黑" panose="020B0503020204020204" pitchFamily="34" charset="-122"/>
+                <a:ea typeface="微软雅黑" panose="020B0503020204020204" pitchFamily="34" charset="-122"/>
+              </a:rPr>
+              <a:t>Grunt</a:t>
+            </a:r>
+            <a:r>
+              <a:rPr lang="zh-CN" altLang="en-US" dirty="0">
+                <a:latin typeface="微软雅黑" panose="020B0503020204020204" pitchFamily="34" charset="-122"/>
+                <a:ea typeface="微软雅黑" panose="020B0503020204020204" pitchFamily="34" charset="-122"/>
+              </a:rPr>
+              <a:t>常用工具</a:t>
+            </a:r>
+            <a:endParaRPr lang="en-US" dirty="0">
+              <a:latin typeface="微软雅黑" panose="020B0503020204020204" pitchFamily="34" charset="-122"/>
+              <a:ea typeface="微软雅黑" panose="020B0503020204020204" pitchFamily="34" charset="-122"/>
+            </a:endParaRPr>
+          </a:p>
+        </p:txBody>
+      </p:sp>
+      <p:sp>
+        <p:nvSpPr>
+          <p:cNvPr id="3" name="内容占位符 2"/>
+          <p:cNvSpPr>
+            <a:spLocks noGrp="1"/>
+          </p:cNvSpPr>
+          <p:nvPr>
+            <p:ph idx="1"/>
+          </p:nvPr>
+        </p:nvSpPr>
+        <p:spPr/>
+        <p:txBody>
           <a:bodyPr/>
           <a:lstStyle/>
           <a:p>
             <a:r>
-              <a:rPr lang="en-US" dirty="0" smtClean="0"/>
-              <a:t>CMD</a:t>
-            </a:r>
-            <a:endParaRPr lang="en-US" dirty="0"/>
-          </a:p>
-        </p:txBody>
-      </p:sp>
-      <p:sp>
-        <p:nvSpPr>
-          <p:cNvPr id="3" name="内容占位符 2"/>
-          <p:cNvSpPr>
-            <a:spLocks noGrp="1"/>
-          </p:cNvSpPr>
-          <p:nvPr>
-            <p:ph idx="1"/>
-          </p:nvPr>
-        </p:nvSpPr>
-        <p:spPr>
-          <a:xfrm>
-            <a:off x="838200" y="1825625"/>
-            <a:ext cx="10515600" cy="2524702"/>
-          </a:xfrm>
-        </p:spPr>
-        <p:txBody>
-          <a:bodyPr/>
-          <a:lstStyle/>
-          <a:p>
-            <a:pPr marL="0" indent="0">
-              <a:buNone/>
-            </a:pPr>
-            <a:r>
-              <a:rPr lang="zh-CN" altLang="en-US" dirty="0"/>
-              <a:t>一个模块就是一个</a:t>
-            </a:r>
-            <a:r>
-              <a:rPr lang="zh-CN" altLang="en-US" dirty="0" smtClean="0"/>
-              <a:t>文件</a:t>
-            </a:r>
-            <a:endParaRPr lang="en-US" altLang="zh-CN" dirty="0" smtClean="0"/>
-          </a:p>
-          <a:p>
-            <a:pPr marL="0" indent="0">
-              <a:buNone/>
-            </a:pPr>
-            <a:r>
-              <a:rPr lang="zh-CN" altLang="en-US" dirty="0" smtClean="0"/>
-              <a:t>格式</a:t>
-            </a:r>
-            <a:r>
-              <a:rPr lang="zh-CN" altLang="en-US" dirty="0"/>
-              <a:t>为</a:t>
-            </a:r>
-            <a:r>
-              <a:rPr lang="zh-CN" altLang="en-US" dirty="0" smtClean="0"/>
-              <a:t>：</a:t>
-            </a:r>
-            <a:endParaRPr lang="en-US" altLang="zh-CN" dirty="0" smtClean="0"/>
-          </a:p>
-          <a:p>
-            <a:pPr marL="0" indent="0">
-              <a:buNone/>
-            </a:pPr>
-            <a:r>
-              <a:rPr lang="en-US" altLang="zh-CN" dirty="0"/>
-              <a:t>	</a:t>
-            </a:r>
-            <a:r>
-              <a:rPr lang="en-US" altLang="zh-CN" dirty="0" smtClean="0"/>
-              <a:t>	define</a:t>
-            </a:r>
-            <a:r>
-              <a:rPr lang="en-US" altLang="zh-CN" dirty="0"/>
-              <a:t>( factory </a:t>
-            </a:r>
-            <a:r>
-              <a:rPr lang="en-US" altLang="zh-CN" dirty="0" smtClean="0"/>
-              <a:t>);</a:t>
-            </a:r>
-          </a:p>
-          <a:p>
-            <a:pPr marL="0" indent="0">
-              <a:buNone/>
-            </a:pPr>
-            <a:r>
-              <a:rPr lang="en-US" altLang="zh-CN" dirty="0"/>
-              <a:t>		define( id?, deps?, factory );</a:t>
-            </a:r>
-            <a:endParaRPr lang="en-US" altLang="zh-CN" dirty="0" smtClean="0"/>
+              <a:rPr lang="en-US" sz="1600" dirty="0" smtClean="0"/>
+              <a:t>Clean(</a:t>
+            </a:r>
+            <a:r>
+              <a:rPr lang="zh-CN" altLang="en-US" sz="1600" dirty="0" smtClean="0"/>
+              <a:t>清理</a:t>
+            </a:r>
+            <a:r>
+              <a:rPr lang="en-US" sz="1600" dirty="0" smtClean="0"/>
+              <a:t>)</a:t>
+            </a:r>
+          </a:p>
+          <a:p>
+            <a:r>
+              <a:rPr lang="en-US" sz="1600" dirty="0" err="1" smtClean="0"/>
+              <a:t>Concat</a:t>
+            </a:r>
+            <a:r>
+              <a:rPr lang="en-US" sz="1600" dirty="0" smtClean="0"/>
+              <a:t>(</a:t>
+            </a:r>
+            <a:r>
+              <a:rPr lang="zh-CN" altLang="en-US" sz="1600" dirty="0" smtClean="0"/>
+              <a:t>合并</a:t>
+            </a:r>
+            <a:r>
+              <a:rPr lang="en-US" sz="1600" dirty="0" smtClean="0"/>
+              <a:t>)</a:t>
+            </a:r>
+          </a:p>
+          <a:p>
+            <a:r>
+              <a:rPr lang="en-US" sz="1600" dirty="0" err="1" smtClean="0"/>
+              <a:t>Uglify</a:t>
+            </a:r>
+            <a:r>
+              <a:rPr lang="en-US" sz="1600" dirty="0" smtClean="0"/>
+              <a:t>(</a:t>
+            </a:r>
+            <a:r>
+              <a:rPr lang="en-US" altLang="zh-CN" sz="1600" dirty="0" err="1" smtClean="0"/>
+              <a:t>js</a:t>
+            </a:r>
+            <a:r>
+              <a:rPr lang="zh-CN" altLang="en-US" sz="1600" dirty="0" smtClean="0"/>
+              <a:t>压缩</a:t>
+            </a:r>
+            <a:r>
+              <a:rPr lang="en-US" sz="1600" dirty="0" smtClean="0"/>
+              <a:t>)</a:t>
+            </a:r>
+          </a:p>
+          <a:p>
+            <a:r>
+              <a:rPr lang="en-US" sz="1600" dirty="0" smtClean="0"/>
+              <a:t>Less(less</a:t>
+            </a:r>
+            <a:r>
+              <a:rPr lang="zh-CN" altLang="en-US" sz="1600" dirty="0" smtClean="0"/>
+              <a:t>编译</a:t>
+            </a:r>
+            <a:r>
+              <a:rPr lang="en-US" sz="1600" dirty="0" smtClean="0"/>
+              <a:t>)</a:t>
+            </a:r>
+          </a:p>
+          <a:p>
+            <a:r>
+              <a:rPr lang="en-US" sz="1600" dirty="0" err="1" smtClean="0"/>
+              <a:t>Autoprefixer</a:t>
+            </a:r>
+            <a:r>
+              <a:rPr lang="en-US" sz="1600" dirty="0" smtClean="0"/>
+              <a:t>(</a:t>
+            </a:r>
+            <a:r>
+              <a:rPr lang="zh-CN" altLang="en-US" sz="1600" dirty="0" smtClean="0"/>
+              <a:t>处理浏览器兼容</a:t>
+            </a:r>
+            <a:r>
+              <a:rPr lang="en-US" sz="1600" dirty="0" smtClean="0"/>
+              <a:t>)</a:t>
+            </a:r>
+          </a:p>
+          <a:p>
+            <a:r>
+              <a:rPr lang="en-US" sz="1600" dirty="0" err="1" smtClean="0"/>
+              <a:t>Csscomb</a:t>
+            </a:r>
+            <a:r>
+              <a:rPr lang="en-US" sz="1600" dirty="0" smtClean="0"/>
+              <a:t>(</a:t>
+            </a:r>
+            <a:r>
+              <a:rPr lang="zh-CN" altLang="en-US" sz="1600" dirty="0" smtClean="0"/>
+              <a:t>属性排序</a:t>
+            </a:r>
+            <a:r>
+              <a:rPr lang="en-US" sz="1600" dirty="0" smtClean="0"/>
+              <a:t>)</a:t>
+            </a:r>
+          </a:p>
+          <a:p>
+            <a:r>
+              <a:rPr lang="en-US" sz="1600" dirty="0" err="1" smtClean="0"/>
+              <a:t>Csslint</a:t>
+            </a:r>
+            <a:r>
+              <a:rPr lang="en-US" sz="1600" dirty="0" smtClean="0"/>
+              <a:t>(</a:t>
+            </a:r>
+            <a:r>
+              <a:rPr lang="zh-CN" altLang="en-US" sz="1600" dirty="0" smtClean="0"/>
+              <a:t>语法检查</a:t>
+            </a:r>
+            <a:r>
+              <a:rPr lang="en-US" sz="1600" dirty="0" smtClean="0"/>
+              <a:t>)</a:t>
+            </a:r>
+          </a:p>
+          <a:p>
+            <a:r>
+              <a:rPr lang="en-US" sz="1600" dirty="0" err="1" smtClean="0"/>
+              <a:t>Cssmin</a:t>
+            </a:r>
+            <a:r>
+              <a:rPr lang="en-US" sz="1600" dirty="0" smtClean="0"/>
+              <a:t>(</a:t>
+            </a:r>
+            <a:r>
+              <a:rPr lang="en-US" altLang="zh-CN" sz="1600" dirty="0" err="1" smtClean="0"/>
+              <a:t>css</a:t>
+            </a:r>
+            <a:r>
+              <a:rPr lang="zh-CN" altLang="en-US" sz="1600" dirty="0" smtClean="0"/>
+              <a:t>压缩</a:t>
+            </a:r>
+            <a:r>
+              <a:rPr lang="en-US" sz="1600" dirty="0" smtClean="0"/>
+              <a:t>)</a:t>
+            </a:r>
+          </a:p>
+          <a:p>
+            <a:r>
+              <a:rPr lang="en-US" sz="1600" dirty="0" smtClean="0"/>
+              <a:t>Transport(</a:t>
+            </a:r>
+            <a:r>
+              <a:rPr lang="zh-CN" altLang="en-US" sz="1600" dirty="0" smtClean="0"/>
+              <a:t>具名</a:t>
+            </a:r>
+            <a:r>
+              <a:rPr lang="en-US" sz="1600" dirty="0" smtClean="0"/>
+              <a:t>)</a:t>
+            </a:r>
+          </a:p>
+          <a:p>
+            <a:r>
+              <a:rPr lang="en-US" sz="1600" dirty="0" smtClean="0"/>
+              <a:t>Copy(</a:t>
+            </a:r>
+            <a:r>
+              <a:rPr lang="zh-CN" altLang="en-US" sz="1600" dirty="0" smtClean="0"/>
+              <a:t>复制文件</a:t>
+            </a:r>
+            <a:r>
+              <a:rPr lang="en-US" sz="1600" dirty="0" smtClean="0"/>
+              <a:t>)</a:t>
+            </a:r>
+          </a:p>
+          <a:p>
+            <a:r>
+              <a:rPr lang="en-US" sz="1600" dirty="0" smtClean="0"/>
+              <a:t>Compress(</a:t>
+            </a:r>
+            <a:r>
+              <a:rPr lang="zh-CN" altLang="en-US" sz="1600" dirty="0" smtClean="0"/>
+              <a:t>打包</a:t>
+            </a:r>
+            <a:r>
+              <a:rPr lang="en-US" sz="1600" dirty="0" smtClean="0"/>
+              <a:t>)</a:t>
+            </a:r>
+            <a:endParaRPr lang="en-US" sz="1600" dirty="0"/>
           </a:p>
         </p:txBody>
       </p:sp>
     </p:spTree>
     <p:extLst>
       <p:ext uri="{BB962C8B-B14F-4D97-AF65-F5344CB8AC3E}">
-        <p14:creationId xmlns:p14="http://schemas.microsoft.com/office/powerpoint/2010/main" val="2494872064"/>
+        <p14:creationId xmlns:p14="http://schemas.microsoft.com/office/powerpoint/2010/main" val="3639114124"/>
       </p:ext>
     </p:extLst>
   </p:cSld>
@@ -7236,22 +7203,24 @@
         </p:nvSpPr>
         <p:spPr/>
         <p:txBody>
-          <a:bodyPr/>
-          <a:lstStyle/>
-          <a:p>
-            <a:r>
-              <a:rPr lang="en-US" dirty="0" err="1" smtClean="0">
+          <a:bodyPr>
+            <a:normAutofit/>
+          </a:bodyPr>
+          <a:lstStyle/>
+          <a:p>
+            <a:r>
+              <a:rPr lang="zh-CN" altLang="en-US" dirty="0">
                 <a:latin typeface="微软雅黑" panose="020B0503020204020204" pitchFamily="34" charset="-122"/>
                 <a:ea typeface="微软雅黑" panose="020B0503020204020204" pitchFamily="34" charset="-122"/>
               </a:rPr>
-              <a:t>Seajs</a:t>
-            </a:r>
-            <a:r>
-              <a:rPr lang="en-US" dirty="0" smtClean="0">
+              <a:t>模块化</a:t>
+            </a:r>
+            <a:r>
+              <a:rPr lang="zh-CN" altLang="en-US" dirty="0" smtClean="0">
                 <a:latin typeface="微软雅黑" panose="020B0503020204020204" pitchFamily="34" charset="-122"/>
                 <a:ea typeface="微软雅黑" panose="020B0503020204020204" pitchFamily="34" charset="-122"/>
               </a:rPr>
-              <a:t>(seajs.org)</a:t>
+              <a:t>规范</a:t>
             </a:r>
             <a:endParaRPr lang="en-US" dirty="0">
               <a:latin typeface="微软雅黑" panose="020B0503020204020204" pitchFamily="34" charset="-122"/>
@@ -7276,88 +7245,48 @@
           <a:lstStyle/>
           <a:p>
             <a:r>
-              <a:rPr lang="zh-CN" altLang="en-US" dirty="0" smtClean="0"/>
-              <a:t>自动模块加载框架</a:t>
-            </a:r>
-            <a:endParaRPr lang="en-US" altLang="zh-CN" dirty="0" smtClean="0"/>
-          </a:p>
-          <a:p>
-            <a:r>
-              <a:rPr lang="zh-CN" altLang="en-US" dirty="0" smtClean="0"/>
-              <a:t>简单</a:t>
-            </a:r>
-            <a:r>
-              <a:rPr lang="zh-CN" altLang="en-US" dirty="0"/>
-              <a:t>友好的模块定义</a:t>
-            </a:r>
-            <a:r>
-              <a:rPr lang="zh-CN" altLang="en-US" dirty="0" smtClean="0"/>
-              <a:t>规范 </a:t>
-            </a:r>
-            <a:r>
-              <a:rPr lang="en-US" altLang="zh-CN" dirty="0" smtClean="0"/>
-              <a:t>(CMD) </a:t>
-            </a:r>
-          </a:p>
-          <a:p>
-            <a:r>
-              <a:rPr lang="zh-CN" altLang="en-US" dirty="0" smtClean="0"/>
-              <a:t>和</a:t>
-            </a:r>
-            <a:r>
-              <a:rPr lang="en-US" altLang="zh-CN" dirty="0" smtClean="0"/>
-              <a:t>node.js</a:t>
-            </a:r>
-            <a:r>
-              <a:rPr lang="zh-CN" altLang="en-US" dirty="0" smtClean="0"/>
-              <a:t>的写法一样</a:t>
-            </a:r>
-            <a:endParaRPr lang="en-US" altLang="zh-CN" dirty="0" smtClean="0"/>
-          </a:p>
-          <a:p>
-            <a:r>
-              <a:rPr lang="zh-CN" altLang="en-US" dirty="0"/>
-              <a:t>自然直观的代码组织</a:t>
-            </a:r>
-            <a:r>
-              <a:rPr lang="zh-CN" altLang="en-US" dirty="0" smtClean="0"/>
-              <a:t>方式</a:t>
-            </a:r>
-            <a:r>
-              <a:rPr lang="en-US" altLang="zh-CN" dirty="0" smtClean="0"/>
-              <a:t>,</a:t>
-            </a:r>
-            <a:r>
-              <a:rPr lang="zh-CN" altLang="en-US" dirty="0"/>
-              <a:t> </a:t>
-            </a:r>
-            <a:r>
-              <a:rPr lang="zh-CN" altLang="en-US" dirty="0" smtClean="0"/>
-              <a:t>依赖自动</a:t>
-            </a:r>
-            <a:r>
-              <a:rPr lang="zh-CN" altLang="en-US" dirty="0"/>
-              <a:t>加载、</a:t>
-            </a:r>
-            <a:r>
-              <a:rPr lang="zh-CN" altLang="en-US" dirty="0" smtClean="0"/>
-              <a:t>配置简洁清晰</a:t>
-            </a:r>
-            <a:endParaRPr lang="en-US" altLang="zh-CN" dirty="0" smtClean="0"/>
-          </a:p>
-          <a:p>
-            <a:r>
-              <a:rPr lang="zh-CN" altLang="en-US" dirty="0" smtClean="0"/>
-              <a:t>提供常用插件和扩展接口</a:t>
-            </a:r>
-            <a:endParaRPr lang="en-US" dirty="0"/>
+              <a:rPr lang="en-US" dirty="0" err="1"/>
+              <a:t>CMD（Common</a:t>
+            </a:r>
+            <a:r>
+              <a:rPr lang="en-US" dirty="0"/>
+              <a:t> Module Definition</a:t>
+            </a:r>
+            <a:r>
+              <a:rPr lang="en-US" dirty="0" smtClean="0"/>
+              <a:t>）-</a:t>
+            </a:r>
+            <a:r>
+              <a:rPr lang="en-US" dirty="0" err="1"/>
+              <a:t>S</a:t>
+            </a:r>
+            <a:r>
+              <a:rPr lang="en-US" dirty="0" err="1" smtClean="0"/>
+              <a:t>eajs</a:t>
+            </a:r>
+            <a:endParaRPr lang="en-US" dirty="0" smtClean="0"/>
+          </a:p>
+          <a:p>
+            <a:r>
+              <a:rPr lang="en-US" dirty="0" err="1"/>
+              <a:t>AMD（Asynchronous</a:t>
+            </a:r>
+            <a:r>
+              <a:rPr lang="en-US" dirty="0"/>
+              <a:t> Module Definition）-</a:t>
+            </a:r>
+            <a:r>
+              <a:rPr lang="en-US" dirty="0" err="1" smtClean="0"/>
+              <a:t>RequireJS</a:t>
+            </a:r>
+            <a:endParaRPr lang="en-US" dirty="0" smtClean="0"/>
           </a:p>
         </p:txBody>
       </p:sp>
     </p:spTree>
     <p:extLst>
       <p:ext uri="{BB962C8B-B14F-4D97-AF65-F5344CB8AC3E}">
-        <p14:creationId xmlns:p14="http://schemas.microsoft.com/office/powerpoint/2010/main" val="3011780872"/>
+        <p14:creationId xmlns:p14="http://schemas.microsoft.com/office/powerpoint/2010/main" val="3807339202"/>
       </p:ext>
     </p:extLst>
   </p:cSld>
@@ -7403,132 +7332,247 @@
         </p:nvSpPr>
         <p:spPr/>
         <p:txBody>
-          <a:bodyPr>
-            <a:normAutofit/>
+          <a:bodyPr/>
+          <a:lstStyle/>
+          <a:p>
+            <a:r>
+              <a:rPr lang="en-US" dirty="0" smtClean="0"/>
+              <a:t>AMD</a:t>
+            </a:r>
+            <a:endParaRPr lang="en-US" dirty="0"/>
+          </a:p>
+        </p:txBody>
+      </p:sp>
+      <p:sp>
+        <p:nvSpPr>
+          <p:cNvPr id="3" name="内容占位符 2"/>
+          <p:cNvSpPr>
+            <a:spLocks noGrp="1"/>
+          </p:cNvSpPr>
+          <p:nvPr>
+            <p:ph idx="1"/>
+          </p:nvPr>
+        </p:nvSpPr>
+        <p:spPr>
+          <a:xfrm>
+            <a:off x="713509" y="1437697"/>
+            <a:ext cx="10515600" cy="2704812"/>
+          </a:xfrm>
+        </p:spPr>
+        <p:txBody>
+          <a:bodyPr/>
+          <a:lstStyle/>
+          <a:p>
+            <a:r>
+              <a:rPr lang="zh-CN" altLang="en-US" dirty="0" smtClean="0"/>
+              <a:t>第一</a:t>
+            </a:r>
+            <a:r>
+              <a:rPr lang="zh-CN" altLang="en-US" dirty="0"/>
+              <a:t>个参数</a:t>
+            </a:r>
+            <a:r>
+              <a:rPr lang="en-US" altLang="zh-CN" dirty="0"/>
+              <a:t>,</a:t>
+            </a:r>
+            <a:r>
+              <a:rPr lang="zh-CN" altLang="en-US" dirty="0"/>
+              <a:t> </a:t>
+            </a:r>
+            <a:r>
+              <a:rPr lang="en-US" altLang="zh-CN" dirty="0"/>
+              <a:t>id </a:t>
+            </a:r>
+            <a:r>
+              <a:rPr lang="zh-CN" altLang="en-US" dirty="0"/>
+              <a:t>为字符串类型，表示了模块</a:t>
+            </a:r>
+            <a:r>
+              <a:rPr lang="zh-CN" altLang="en-US" dirty="0" smtClean="0"/>
+              <a:t>标识</a:t>
+            </a:r>
+            <a:endParaRPr lang="en-US" altLang="zh-CN" dirty="0"/>
+          </a:p>
+          <a:p>
+            <a:r>
+              <a:rPr lang="zh-CN" altLang="en-US" dirty="0" smtClean="0"/>
+              <a:t>第二</a:t>
+            </a:r>
+            <a:r>
+              <a:rPr lang="zh-CN" altLang="en-US" dirty="0"/>
+              <a:t>个参数</a:t>
+            </a:r>
+            <a:r>
+              <a:rPr lang="en-US" altLang="zh-CN" dirty="0"/>
+              <a:t>,dependencies </a:t>
+            </a:r>
+            <a:r>
+              <a:rPr lang="zh-CN" altLang="en-US" dirty="0"/>
+              <a:t>，是一个当前模块依赖的</a:t>
+            </a:r>
+            <a:r>
+              <a:rPr lang="zh-CN" altLang="en-US" dirty="0" smtClean="0"/>
+              <a:t>，已</a:t>
+            </a:r>
+            <a:r>
+              <a:rPr lang="zh-CN" altLang="en-US" dirty="0"/>
+              <a:t>被模块定义的模块标识的数组字面</a:t>
+            </a:r>
+            <a:r>
+              <a:rPr lang="zh-CN" altLang="en-US" dirty="0" smtClean="0"/>
+              <a:t>量</a:t>
+            </a:r>
+            <a:endParaRPr lang="en-US" altLang="zh-CN" dirty="0"/>
+          </a:p>
+          <a:p>
+            <a:r>
+              <a:rPr lang="zh-CN" altLang="en-US" dirty="0" smtClean="0"/>
+              <a:t>第三</a:t>
+            </a:r>
+            <a:r>
+              <a:rPr lang="zh-CN" altLang="en-US" dirty="0"/>
+              <a:t>个参数</a:t>
+            </a:r>
+            <a:r>
+              <a:rPr lang="en-US" altLang="zh-CN" dirty="0"/>
+              <a:t>,factory</a:t>
+            </a:r>
+            <a:r>
+              <a:rPr lang="zh-CN" altLang="en-US" dirty="0"/>
+              <a:t>，是一个需要进行实例化的函数或</a:t>
+            </a:r>
+            <a:r>
+              <a:rPr lang="en-US" altLang="zh-CN" dirty="0"/>
+              <a:t>	</a:t>
+            </a:r>
+            <a:r>
+              <a:rPr lang="zh-CN" altLang="en-US" dirty="0" smtClean="0"/>
+              <a:t>者</a:t>
+            </a:r>
+            <a:r>
+              <a:rPr lang="zh-CN" altLang="en-US" dirty="0"/>
+              <a:t>一个</a:t>
+            </a:r>
+            <a:r>
+              <a:rPr lang="zh-CN" altLang="en-US" dirty="0" smtClean="0"/>
+              <a:t>对象</a:t>
+            </a:r>
+            <a:endParaRPr lang="en-US" altLang="zh-CN" dirty="0" smtClean="0"/>
+          </a:p>
+          <a:p>
+            <a:pPr marL="0" indent="0">
+              <a:buNone/>
+            </a:pPr>
+            <a:endParaRPr lang="en-US" dirty="0"/>
+          </a:p>
+        </p:txBody>
+      </p:sp>
+      <p:sp>
+        <p:nvSpPr>
+          <p:cNvPr id="5" name="文本框 4"/>
+          <p:cNvSpPr txBox="1"/>
+          <p:nvPr/>
+        </p:nvSpPr>
+        <p:spPr>
+          <a:xfrm>
+            <a:off x="1288474" y="4308765"/>
+            <a:ext cx="9504218" cy="1754326"/>
+          </a:xfrm>
+          <a:prstGeom prst="rect">
+            <a:avLst/>
+          </a:prstGeom>
+        </p:spPr>
+        <p:style>
+          <a:lnRef idx="2">
+            <a:schemeClr val="accent1"/>
+          </a:lnRef>
+          <a:fillRef idx="1">
+            <a:schemeClr val="lt1"/>
+          </a:fillRef>
+          <a:effectRef idx="0">
+            <a:schemeClr val="accent1"/>
+          </a:effectRef>
+          <a:fontRef idx="minor">
+            <a:schemeClr val="dk1"/>
+          </a:fontRef>
+        </p:style>
+        <p:txBody>
+          <a:bodyPr wrap="square" rtlCol="0">
+            <a:spAutoFit/>
           </a:bodyPr>
           <a:lstStyle/>
           <a:p>
             <a:r>
-              <a:rPr lang="en-US" altLang="zh-CN" dirty="0">
-                <a:latin typeface="微软雅黑" panose="020B0503020204020204" pitchFamily="34" charset="-122"/>
-                <a:ea typeface="微软雅黑" panose="020B0503020204020204" pitchFamily="34" charset="-122"/>
-              </a:rPr>
-              <a:t>W3C</a:t>
-            </a:r>
-            <a:r>
-              <a:rPr lang="zh-CN" altLang="en-US" dirty="0" smtClean="0">
-                <a:latin typeface="微软雅黑" panose="020B0503020204020204" pitchFamily="34" charset="-122"/>
-                <a:ea typeface="微软雅黑" panose="020B0503020204020204" pitchFamily="34" charset="-122"/>
-              </a:rPr>
-              <a:t>标准</a:t>
-            </a:r>
-            <a:r>
-              <a:rPr lang="en-US" altLang="zh-CN" dirty="0" smtClean="0">
-                <a:latin typeface="微软雅黑" panose="020B0503020204020204" pitchFamily="34" charset="-122"/>
-                <a:ea typeface="微软雅黑" panose="020B0503020204020204" pitchFamily="34" charset="-122"/>
-              </a:rPr>
-              <a:t>(</a:t>
-            </a:r>
-            <a:r>
-              <a:rPr lang="zh-CN" altLang="en-US" dirty="0">
-                <a:latin typeface="微软雅黑" panose="020B0503020204020204" pitchFamily="34" charset="-122"/>
-                <a:ea typeface="微软雅黑" panose="020B0503020204020204" pitchFamily="34" charset="-122"/>
-              </a:rPr>
-              <a:t>万维网联盟</a:t>
-            </a:r>
-            <a:r>
-              <a:rPr lang="en-US" altLang="zh-CN" dirty="0" smtClean="0">
-                <a:latin typeface="微软雅黑" panose="020B0503020204020204" pitchFamily="34" charset="-122"/>
-                <a:ea typeface="微软雅黑" panose="020B0503020204020204" pitchFamily="34" charset="-122"/>
-              </a:rPr>
-              <a:t>)</a:t>
-            </a:r>
-            <a:endParaRPr lang="en-US" dirty="0">
-              <a:latin typeface="微软雅黑" panose="020B0503020204020204" pitchFamily="34" charset="-122"/>
-              <a:ea typeface="微软雅黑" panose="020B0503020204020204" pitchFamily="34" charset="-122"/>
-            </a:endParaRPr>
-          </a:p>
-        </p:txBody>
-      </p:sp>
-      <p:sp>
-        <p:nvSpPr>
-          <p:cNvPr id="3" name="内容占位符 2"/>
-          <p:cNvSpPr>
-            <a:spLocks noGrp="1"/>
-          </p:cNvSpPr>
-          <p:nvPr>
-            <p:ph idx="1"/>
-          </p:nvPr>
-        </p:nvSpPr>
-        <p:spPr/>
-        <p:txBody>
-          <a:bodyPr/>
-          <a:lstStyle/>
-          <a:p>
-            <a:r>
-              <a:rPr lang="zh-CN" altLang="en-US" dirty="0" smtClean="0"/>
-              <a:t>机构化标准</a:t>
-            </a:r>
-            <a:endParaRPr lang="en-US" altLang="zh-CN" dirty="0" smtClean="0"/>
-          </a:p>
-          <a:p>
-            <a:r>
-              <a:rPr lang="zh-CN" altLang="en-US" dirty="0" smtClean="0"/>
-              <a:t>表现标准</a:t>
-            </a:r>
-            <a:endParaRPr lang="en-US" altLang="zh-CN" dirty="0" smtClean="0"/>
-          </a:p>
-          <a:p>
-            <a:r>
-              <a:rPr lang="zh-CN" altLang="en-US" dirty="0" smtClean="0"/>
-              <a:t>行为</a:t>
-            </a:r>
-            <a:r>
-              <a:rPr lang="zh-CN" altLang="en-US" dirty="0" smtClean="0"/>
-              <a:t>标准</a:t>
-            </a:r>
-            <a:endParaRPr lang="en-US" altLang="zh-CN" dirty="0" smtClean="0"/>
-          </a:p>
-          <a:p>
-            <a:pPr marL="0" indent="0">
-              <a:buNone/>
-            </a:pPr>
-            <a:endParaRPr lang="en-US" dirty="0" smtClean="0"/>
-          </a:p>
-          <a:p>
-            <a:pPr marL="0" indent="0">
-              <a:buNone/>
-            </a:pPr>
-            <a:r>
-              <a:rPr lang="zh-CN" altLang="en-US" dirty="0" smtClean="0"/>
-              <a:t>验证</a:t>
-            </a:r>
-            <a:r>
-              <a:rPr lang="en-US" altLang="zh-CN" dirty="0" smtClean="0"/>
-              <a:t>:</a:t>
-            </a:r>
-          </a:p>
-          <a:p>
-            <a:r>
               <a:rPr lang="en-US" dirty="0"/>
-              <a:t>http://</a:t>
+              <a:t>define("alpha", [ "require", "exports", "beta" ], function( require, exports, beta </a:t>
             </a:r>
             <a:r>
               <a:rPr lang="en-US" dirty="0" smtClean="0"/>
-              <a:t>www.w3school.com.cn/site/site_validate.asp</a:t>
-            </a:r>
-          </a:p>
-          <a:p>
-            <a:r>
-              <a:rPr lang="zh-CN" altLang="en-US" dirty="0" smtClean="0"/>
-              <a:t>浏览器插件</a:t>
-            </a:r>
-            <a:endParaRPr lang="en-US" dirty="0" smtClean="0"/>
-          </a:p>
-          <a:p>
-            <a:pPr marL="0" indent="0">
-              <a:buNone/>
-            </a:pPr>
+              <a:t>){</a:t>
+            </a:r>
+            <a:endParaRPr lang="en-US" dirty="0"/>
+          </a:p>
+          <a:p>
+            <a:r>
+              <a:rPr lang="en-US" dirty="0"/>
+              <a:t>    </a:t>
+            </a:r>
+            <a:r>
+              <a:rPr lang="en-US" dirty="0" err="1"/>
+              <a:t>export.verb</a:t>
+            </a:r>
+            <a:r>
+              <a:rPr lang="en-US" dirty="0"/>
+              <a:t> = function</a:t>
+            </a:r>
+            <a:r>
+              <a:rPr lang="en-US" dirty="0" smtClean="0"/>
+              <a:t>(){</a:t>
+            </a:r>
+            <a:endParaRPr lang="en-US" dirty="0"/>
+          </a:p>
+          <a:p>
+            <a:r>
+              <a:rPr lang="en-US" dirty="0"/>
+              <a:t>        return </a:t>
+            </a:r>
+            <a:r>
+              <a:rPr lang="en-US" dirty="0" err="1"/>
+              <a:t>beta.verb</a:t>
+            </a:r>
+            <a:r>
+              <a:rPr lang="en-US" dirty="0" smtClean="0"/>
+              <a:t>();</a:t>
+            </a:r>
+            <a:endParaRPr lang="en-US" dirty="0"/>
+          </a:p>
+          <a:p>
+            <a:r>
+              <a:rPr lang="en-US" dirty="0"/>
+              <a:t>        return require("beta").verb</a:t>
+            </a:r>
+            <a:r>
+              <a:rPr lang="en-US" dirty="0" smtClean="0"/>
+              <a:t>();</a:t>
+            </a:r>
+            <a:endParaRPr lang="en-US" dirty="0"/>
+          </a:p>
+          <a:p>
+            <a:r>
+              <a:rPr lang="en-US" dirty="0"/>
+              <a:t>    </a:t>
+            </a:r>
+            <a:r>
+              <a:rPr lang="en-US" dirty="0" smtClean="0"/>
+              <a:t>}</a:t>
+            </a:r>
+            <a:endParaRPr lang="en-US" dirty="0"/>
+          </a:p>
+          <a:p>
+            <a:r>
+              <a:rPr lang="en-US" dirty="0" smtClean="0"/>
+              <a:t>});</a:t>
+            </a:r>
             <a:endParaRPr lang="en-US" dirty="0"/>
           </a:p>
         </p:txBody>
@@ -7536,7 +7580,7 @@
     </p:spTree>
     <p:extLst>
       <p:ext uri="{BB962C8B-B14F-4D97-AF65-F5344CB8AC3E}">
-        <p14:creationId xmlns:p14="http://schemas.microsoft.com/office/powerpoint/2010/main" val="2404099156"/>
+        <p14:creationId xmlns:p14="http://schemas.microsoft.com/office/powerpoint/2010/main" val="3809866508"/>
       </p:ext>
     </p:extLst>
   </p:cSld>
@@ -7582,22 +7626,14 @@
         </p:nvSpPr>
         <p:spPr/>
         <p:txBody>
-          <a:bodyPr>
-            <a:normAutofit/>
-          </a:bodyPr>
-          <a:lstStyle/>
-          <a:p>
-            <a:r>
-              <a:rPr lang="zh-CN" altLang="en-US" dirty="0">
-                <a:latin typeface="微软雅黑" panose="020B0503020204020204" pitchFamily="34" charset="-122"/>
-                <a:ea typeface="微软雅黑" panose="020B0503020204020204" pitchFamily="34" charset="-122"/>
-              </a:rPr>
-              <a:t>前端性能</a:t>
-            </a:r>
-            <a:endParaRPr lang="en-US" dirty="0">
-              <a:latin typeface="微软雅黑" panose="020B0503020204020204" pitchFamily="34" charset="-122"/>
-              <a:ea typeface="微软雅黑" panose="020B0503020204020204" pitchFamily="34" charset="-122"/>
-            </a:endParaRPr>
+          <a:bodyPr/>
+          <a:lstStyle/>
+          <a:p>
+            <a:r>
+              <a:rPr lang="en-US" dirty="0" smtClean="0"/>
+              <a:t>CMD</a:t>
+            </a:r>
+            <a:endParaRPr lang="en-US" dirty="0"/>
           </a:p>
         </p:txBody>
       </p:sp>
@@ -7611,210 +7647,90 @@
             <p:ph idx="1"/>
           </p:nvPr>
         </p:nvSpPr>
-        <p:spPr/>
-        <p:txBody>
-          <a:bodyPr>
-            <a:normAutofit/>
-          </a:bodyPr>
-          <a:lstStyle/>
-          <a:p>
-            <a:r>
-              <a:rPr lang="zh-CN" altLang="en-US" sz="1800" dirty="0"/>
-              <a:t>尽量减少</a:t>
-            </a:r>
-            <a:r>
-              <a:rPr lang="en-US" altLang="zh-CN" sz="1800" dirty="0"/>
-              <a:t>HTTP</a:t>
-            </a:r>
-            <a:r>
-              <a:rPr lang="zh-CN" altLang="en-US" sz="1800" dirty="0" smtClean="0"/>
-              <a:t>请求</a:t>
-            </a:r>
-            <a:endParaRPr lang="en-US" altLang="zh-CN" sz="1800" dirty="0" smtClean="0"/>
-          </a:p>
-          <a:p>
-            <a:r>
-              <a:rPr lang="zh-CN" altLang="en-US" sz="1800" dirty="0"/>
-              <a:t>使用内容发布</a:t>
-            </a:r>
-            <a:r>
-              <a:rPr lang="zh-CN" altLang="en-US" sz="1800" dirty="0" smtClean="0"/>
-              <a:t>网络</a:t>
-            </a:r>
-            <a:r>
-              <a:rPr lang="en-US" altLang="zh-CN" sz="1800" dirty="0" smtClean="0"/>
-              <a:t>(CDN)</a:t>
-            </a:r>
-          </a:p>
-          <a:p>
-            <a:r>
-              <a:rPr lang="zh-CN" altLang="en-US" sz="1800" dirty="0"/>
-              <a:t>添加</a:t>
-            </a:r>
-            <a:r>
-              <a:rPr lang="en-US" sz="1800" dirty="0"/>
-              <a:t>Expires</a:t>
-            </a:r>
-            <a:r>
-              <a:rPr lang="zh-CN" altLang="en-US" sz="1800" dirty="0" smtClean="0"/>
-              <a:t>头</a:t>
-            </a:r>
-            <a:endParaRPr lang="en-US" altLang="zh-CN" sz="1800" dirty="0" smtClean="0"/>
-          </a:p>
-          <a:p>
-            <a:r>
-              <a:rPr lang="zh-CN" altLang="en-US" sz="1800" dirty="0"/>
-              <a:t>压缩组件（使用</a:t>
-            </a:r>
-            <a:r>
-              <a:rPr lang="en-US" altLang="zh-CN" sz="1800" dirty="0" err="1"/>
-              <a:t>Gzip</a:t>
-            </a:r>
-            <a:r>
-              <a:rPr lang="zh-CN" altLang="en-US" sz="1800" dirty="0"/>
-              <a:t>方式</a:t>
-            </a:r>
-            <a:r>
-              <a:rPr lang="zh-CN" altLang="en-US" sz="1800" dirty="0" smtClean="0"/>
-              <a:t>）</a:t>
-            </a:r>
-            <a:endParaRPr lang="en-US" altLang="zh-CN" sz="1800" dirty="0" smtClean="0"/>
-          </a:p>
-          <a:p>
-            <a:r>
-              <a:rPr lang="zh-CN" altLang="en-US" sz="1800" dirty="0"/>
-              <a:t>将</a:t>
-            </a:r>
-            <a:r>
-              <a:rPr lang="en-US" altLang="zh-CN" sz="1800" dirty="0"/>
-              <a:t>CSS</a:t>
-            </a:r>
-            <a:r>
-              <a:rPr lang="zh-CN" altLang="en-US" sz="1800" dirty="0"/>
-              <a:t>样式表放在</a:t>
-            </a:r>
-            <a:r>
-              <a:rPr lang="zh-CN" altLang="en-US" sz="1800" dirty="0" smtClean="0"/>
-              <a:t>顶部</a:t>
-            </a:r>
-            <a:endParaRPr lang="en-US" altLang="zh-CN" sz="1800" dirty="0" smtClean="0"/>
-          </a:p>
-          <a:p>
-            <a:r>
-              <a:rPr lang="zh-CN" altLang="en-US" sz="1800" dirty="0"/>
-              <a:t>将</a:t>
-            </a:r>
-            <a:r>
-              <a:rPr lang="en-US" sz="1800" dirty="0" err="1"/>
-              <a:t>javascript</a:t>
-            </a:r>
-            <a:r>
-              <a:rPr lang="zh-CN" altLang="en-US" sz="1800" dirty="0"/>
-              <a:t>脚本放在</a:t>
-            </a:r>
-            <a:r>
-              <a:rPr lang="zh-CN" altLang="en-US" sz="1800" dirty="0" smtClean="0"/>
-              <a:t>底部</a:t>
-            </a:r>
-            <a:endParaRPr lang="en-US" altLang="zh-CN" sz="1800" dirty="0" smtClean="0"/>
-          </a:p>
-          <a:p>
-            <a:r>
-              <a:rPr lang="zh-CN" altLang="en-US" sz="1800" dirty="0"/>
-              <a:t>避免使用</a:t>
-            </a:r>
-            <a:r>
-              <a:rPr lang="en-US" altLang="zh-CN" sz="1800" dirty="0"/>
-              <a:t>CSS</a:t>
-            </a:r>
-            <a:r>
-              <a:rPr lang="zh-CN" altLang="en-US" sz="1800" dirty="0" smtClean="0"/>
-              <a:t>表达式</a:t>
-            </a:r>
-            <a:endParaRPr lang="en-US" altLang="zh-CN" sz="1800" dirty="0" smtClean="0"/>
-          </a:p>
-          <a:p>
-            <a:r>
-              <a:rPr lang="zh-CN" altLang="en-US" sz="1800" dirty="0"/>
-              <a:t>使用外部</a:t>
-            </a:r>
-            <a:r>
-              <a:rPr lang="en-US" sz="1800" dirty="0" err="1"/>
-              <a:t>javascript</a:t>
-            </a:r>
-            <a:r>
-              <a:rPr lang="zh-CN" altLang="en-US" sz="1800" dirty="0"/>
-              <a:t>和</a:t>
-            </a:r>
-            <a:r>
-              <a:rPr lang="en-US" sz="1800" dirty="0" smtClean="0"/>
-              <a:t>CSS</a:t>
-            </a:r>
-          </a:p>
-          <a:p>
-            <a:r>
-              <a:rPr lang="zh-CN" altLang="en-US" sz="1800" dirty="0"/>
-              <a:t>减少</a:t>
-            </a:r>
-            <a:r>
-              <a:rPr lang="en-US" sz="1800" dirty="0"/>
-              <a:t>DNS</a:t>
-            </a:r>
-            <a:r>
-              <a:rPr lang="zh-CN" altLang="en-US" sz="1800" dirty="0" smtClean="0"/>
-              <a:t>查询</a:t>
-            </a:r>
-            <a:endParaRPr lang="en-US" altLang="zh-CN" sz="1800" dirty="0" smtClean="0"/>
-          </a:p>
-          <a:p>
-            <a:r>
-              <a:rPr lang="zh-CN" altLang="en-US" sz="1800" dirty="0"/>
-              <a:t>精简</a:t>
-            </a:r>
-            <a:r>
-              <a:rPr lang="en-US" sz="1800" dirty="0" err="1" smtClean="0"/>
-              <a:t>javascript</a:t>
-            </a:r>
-            <a:endParaRPr lang="en-US" sz="1800" dirty="0" smtClean="0"/>
-          </a:p>
-          <a:p>
-            <a:r>
-              <a:rPr lang="zh-CN" altLang="en-US" sz="1800" dirty="0" smtClean="0"/>
-              <a:t>使</a:t>
-            </a:r>
-            <a:r>
-              <a:rPr lang="en-US" sz="1800" dirty="0"/>
-              <a:t>Ajax</a:t>
-            </a:r>
-            <a:r>
-              <a:rPr lang="zh-CN" altLang="en-US" sz="1800" dirty="0"/>
-              <a:t>可</a:t>
-            </a:r>
-            <a:r>
-              <a:rPr lang="zh-CN" altLang="en-US" sz="1800" dirty="0" smtClean="0"/>
-              <a:t>缓存数据到本地</a:t>
-            </a:r>
-            <a:endParaRPr lang="en-US" sz="1800" dirty="0" smtClean="0"/>
+        <p:spPr>
+          <a:xfrm>
+            <a:off x="838200" y="1825625"/>
+            <a:ext cx="10515600" cy="2524702"/>
+          </a:xfrm>
+        </p:spPr>
+        <p:txBody>
+          <a:bodyPr/>
+          <a:lstStyle/>
+          <a:p>
+            <a:pPr marL="0" indent="0">
+              <a:buNone/>
+            </a:pPr>
+            <a:r>
+              <a:rPr lang="zh-CN" altLang="en-US" dirty="0"/>
+              <a:t>一个模块就是一个</a:t>
+            </a:r>
+            <a:r>
+              <a:rPr lang="zh-CN" altLang="en-US" dirty="0" smtClean="0"/>
+              <a:t>文件</a:t>
+            </a:r>
+            <a:endParaRPr lang="en-US" altLang="zh-CN" dirty="0" smtClean="0"/>
+          </a:p>
+          <a:p>
+            <a:pPr marL="0" indent="0">
+              <a:buNone/>
+            </a:pPr>
+            <a:r>
+              <a:rPr lang="zh-CN" altLang="en-US" dirty="0" smtClean="0"/>
+              <a:t>格式</a:t>
+            </a:r>
+            <a:r>
+              <a:rPr lang="zh-CN" altLang="en-US" dirty="0"/>
+              <a:t>为</a:t>
+            </a:r>
+            <a:r>
+              <a:rPr lang="zh-CN" altLang="en-US" dirty="0" smtClean="0"/>
+              <a:t>：</a:t>
+            </a:r>
+            <a:endParaRPr lang="en-US" altLang="zh-CN" dirty="0" smtClean="0"/>
+          </a:p>
+          <a:p>
+            <a:pPr marL="0" indent="0">
+              <a:buNone/>
+            </a:pPr>
+            <a:r>
+              <a:rPr lang="en-US" altLang="zh-CN" dirty="0"/>
+              <a:t>	</a:t>
+            </a:r>
+            <a:r>
+              <a:rPr lang="en-US" altLang="zh-CN" dirty="0" smtClean="0"/>
+              <a:t>	define</a:t>
+            </a:r>
+            <a:r>
+              <a:rPr lang="en-US" altLang="zh-CN" dirty="0"/>
+              <a:t>( factory </a:t>
+            </a:r>
+            <a:r>
+              <a:rPr lang="en-US" altLang="zh-CN" dirty="0" smtClean="0"/>
+              <a:t>);</a:t>
+            </a:r>
+          </a:p>
+          <a:p>
+            <a:pPr marL="0" indent="0">
+              <a:buNone/>
+            </a:pPr>
+            <a:r>
+              <a:rPr lang="en-US" altLang="zh-CN" dirty="0"/>
+              <a:t>		define( id?, deps?, factory );</a:t>
+            </a:r>
+            <a:endParaRPr lang="en-US" altLang="zh-CN" dirty="0" smtClean="0"/>
           </a:p>
         </p:txBody>
       </p:sp>
     </p:spTree>
     <p:extLst>
       <p:ext uri="{BB962C8B-B14F-4D97-AF65-F5344CB8AC3E}">
-        <p14:creationId xmlns:p14="http://schemas.microsoft.com/office/powerpoint/2010/main" val="1574961573"/>
+        <p14:creationId xmlns:p14="http://schemas.microsoft.com/office/powerpoint/2010/main" val="2494872064"/>
       </p:ext>
     </p:extLst>
   </p:cSld>
   <p:clrMapOvr>
     <a:masterClrMapping/>
   </p:clrMapOvr>
-  <p:timing>
-    <p:tnLst>
-      <p:par>
-        <p:cTn id="1" dur="indefinite" restart="never" nodeType="tmRoot"/>
-      </p:par>
-    </p:tnLst>
-  </p:timing>
 </p:sld>
 </file>
 
@@ -8027,6 +7943,613 @@
           <a:lstStyle/>
           <a:p>
             <a:r>
+              <a:rPr lang="en-US" dirty="0" err="1" smtClean="0">
+                <a:latin typeface="微软雅黑" panose="020B0503020204020204" pitchFamily="34" charset="-122"/>
+                <a:ea typeface="微软雅黑" panose="020B0503020204020204" pitchFamily="34" charset="-122"/>
+              </a:rPr>
+              <a:t>Seajs</a:t>
+            </a:r>
+            <a:r>
+              <a:rPr lang="en-US" dirty="0" smtClean="0">
+                <a:latin typeface="微软雅黑" panose="020B0503020204020204" pitchFamily="34" charset="-122"/>
+                <a:ea typeface="微软雅黑" panose="020B0503020204020204" pitchFamily="34" charset="-122"/>
+              </a:rPr>
+              <a:t>(seajs.org)</a:t>
+            </a:r>
+            <a:endParaRPr lang="en-US" dirty="0">
+              <a:latin typeface="微软雅黑" panose="020B0503020204020204" pitchFamily="34" charset="-122"/>
+              <a:ea typeface="微软雅黑" panose="020B0503020204020204" pitchFamily="34" charset="-122"/>
+            </a:endParaRPr>
+          </a:p>
+        </p:txBody>
+      </p:sp>
+      <p:sp>
+        <p:nvSpPr>
+          <p:cNvPr id="3" name="内容占位符 2"/>
+          <p:cNvSpPr>
+            <a:spLocks noGrp="1"/>
+          </p:cNvSpPr>
+          <p:nvPr>
+            <p:ph idx="1"/>
+          </p:nvPr>
+        </p:nvSpPr>
+        <p:spPr/>
+        <p:txBody>
+          <a:bodyPr/>
+          <a:lstStyle/>
+          <a:p>
+            <a:r>
+              <a:rPr lang="zh-CN" altLang="en-US" dirty="0" smtClean="0"/>
+              <a:t>自动模块加载框架</a:t>
+            </a:r>
+            <a:endParaRPr lang="en-US" altLang="zh-CN" dirty="0" smtClean="0"/>
+          </a:p>
+          <a:p>
+            <a:r>
+              <a:rPr lang="zh-CN" altLang="en-US" dirty="0" smtClean="0"/>
+              <a:t>简单</a:t>
+            </a:r>
+            <a:r>
+              <a:rPr lang="zh-CN" altLang="en-US" dirty="0"/>
+              <a:t>友好的模块定义</a:t>
+            </a:r>
+            <a:r>
+              <a:rPr lang="zh-CN" altLang="en-US" dirty="0" smtClean="0"/>
+              <a:t>规范 </a:t>
+            </a:r>
+            <a:r>
+              <a:rPr lang="en-US" altLang="zh-CN" dirty="0" smtClean="0"/>
+              <a:t>(CMD) </a:t>
+            </a:r>
+          </a:p>
+          <a:p>
+            <a:r>
+              <a:rPr lang="zh-CN" altLang="en-US" dirty="0" smtClean="0"/>
+              <a:t>和</a:t>
+            </a:r>
+            <a:r>
+              <a:rPr lang="en-US" altLang="zh-CN" dirty="0" smtClean="0"/>
+              <a:t>node.js</a:t>
+            </a:r>
+            <a:r>
+              <a:rPr lang="zh-CN" altLang="en-US" dirty="0" smtClean="0"/>
+              <a:t>的写法一样</a:t>
+            </a:r>
+            <a:endParaRPr lang="en-US" altLang="zh-CN" dirty="0" smtClean="0"/>
+          </a:p>
+          <a:p>
+            <a:r>
+              <a:rPr lang="zh-CN" altLang="en-US" dirty="0"/>
+              <a:t>自然直观的代码组织</a:t>
+            </a:r>
+            <a:r>
+              <a:rPr lang="zh-CN" altLang="en-US" dirty="0" smtClean="0"/>
+              <a:t>方式</a:t>
+            </a:r>
+            <a:r>
+              <a:rPr lang="en-US" altLang="zh-CN" dirty="0" smtClean="0"/>
+              <a:t>,</a:t>
+            </a:r>
+            <a:r>
+              <a:rPr lang="zh-CN" altLang="en-US" dirty="0"/>
+              <a:t> </a:t>
+            </a:r>
+            <a:r>
+              <a:rPr lang="zh-CN" altLang="en-US" dirty="0" smtClean="0"/>
+              <a:t>依赖自动</a:t>
+            </a:r>
+            <a:r>
+              <a:rPr lang="zh-CN" altLang="en-US" dirty="0"/>
+              <a:t>加载、</a:t>
+            </a:r>
+            <a:r>
+              <a:rPr lang="zh-CN" altLang="en-US" dirty="0" smtClean="0"/>
+              <a:t>配置简洁清晰</a:t>
+            </a:r>
+            <a:endParaRPr lang="en-US" altLang="zh-CN" dirty="0" smtClean="0"/>
+          </a:p>
+          <a:p>
+            <a:r>
+              <a:rPr lang="zh-CN" altLang="en-US" dirty="0" smtClean="0"/>
+              <a:t>提供常用插件和扩展接口</a:t>
+            </a:r>
+            <a:endParaRPr lang="en-US" dirty="0"/>
+          </a:p>
+        </p:txBody>
+      </p:sp>
+    </p:spTree>
+    <p:extLst>
+      <p:ext uri="{BB962C8B-B14F-4D97-AF65-F5344CB8AC3E}">
+        <p14:creationId xmlns:p14="http://schemas.microsoft.com/office/powerpoint/2010/main" val="3011780872"/>
+      </p:ext>
+    </p:extLst>
+  </p:cSld>
+  <p:clrMapOvr>
+    <a:masterClrMapping/>
+  </p:clrMapOvr>
+  <p:timing>
+    <p:tnLst>
+      <p:par>
+        <p:cTn id="1" dur="indefinite" restart="never" nodeType="tmRoot"/>
+      </p:par>
+    </p:tnLst>
+  </p:timing>
+</p:sld>
+</file>
+
+<file path=ppt/slides/slide31.xml><?xml version="1.0" encoding="utf-8"?>
+<p:sld xmlns:a="http://schemas.openxmlformats.org/drawingml/2006/main" xmlns:r="http://schemas.openxmlformats.org/officeDocument/2006/relationships" xmlns:p="http://schemas.openxmlformats.org/presentationml/2006/main">
+  <p:cSld>
+    <p:spTree>
+      <p:nvGrpSpPr>
+        <p:cNvPr id="1" name=""/>
+        <p:cNvGrpSpPr/>
+        <p:nvPr/>
+      </p:nvGrpSpPr>
+      <p:grpSpPr>
+        <a:xfrm>
+          <a:off x="0" y="0"/>
+          <a:ext cx="0" cy="0"/>
+          <a:chOff x="0" y="0"/>
+          <a:chExt cx="0" cy="0"/>
+        </a:xfrm>
+      </p:grpSpPr>
+      <p:sp>
+        <p:nvSpPr>
+          <p:cNvPr id="2" name="标题 1"/>
+          <p:cNvSpPr>
+            <a:spLocks noGrp="1"/>
+          </p:cNvSpPr>
+          <p:nvPr>
+            <p:ph type="title"/>
+          </p:nvPr>
+        </p:nvSpPr>
+        <p:spPr/>
+        <p:txBody>
+          <a:bodyPr>
+            <a:normAutofit/>
+          </a:bodyPr>
+          <a:lstStyle/>
+          <a:p>
+            <a:r>
+              <a:rPr lang="en-US" altLang="zh-CN" dirty="0">
+                <a:latin typeface="微软雅黑" panose="020B0503020204020204" pitchFamily="34" charset="-122"/>
+                <a:ea typeface="微软雅黑" panose="020B0503020204020204" pitchFamily="34" charset="-122"/>
+              </a:rPr>
+              <a:t>W3C</a:t>
+            </a:r>
+            <a:r>
+              <a:rPr lang="zh-CN" altLang="en-US" dirty="0" smtClean="0">
+                <a:latin typeface="微软雅黑" panose="020B0503020204020204" pitchFamily="34" charset="-122"/>
+                <a:ea typeface="微软雅黑" panose="020B0503020204020204" pitchFamily="34" charset="-122"/>
+              </a:rPr>
+              <a:t>标准</a:t>
+            </a:r>
+            <a:r>
+              <a:rPr lang="en-US" altLang="zh-CN" dirty="0" smtClean="0">
+                <a:latin typeface="微软雅黑" panose="020B0503020204020204" pitchFamily="34" charset="-122"/>
+                <a:ea typeface="微软雅黑" panose="020B0503020204020204" pitchFamily="34" charset="-122"/>
+              </a:rPr>
+              <a:t>(</a:t>
+            </a:r>
+            <a:r>
+              <a:rPr lang="zh-CN" altLang="en-US" dirty="0">
+                <a:latin typeface="微软雅黑" panose="020B0503020204020204" pitchFamily="34" charset="-122"/>
+                <a:ea typeface="微软雅黑" panose="020B0503020204020204" pitchFamily="34" charset="-122"/>
+              </a:rPr>
+              <a:t>万维网联盟</a:t>
+            </a:r>
+            <a:r>
+              <a:rPr lang="en-US" altLang="zh-CN" dirty="0" smtClean="0">
+                <a:latin typeface="微软雅黑" panose="020B0503020204020204" pitchFamily="34" charset="-122"/>
+                <a:ea typeface="微软雅黑" panose="020B0503020204020204" pitchFamily="34" charset="-122"/>
+              </a:rPr>
+              <a:t>)</a:t>
+            </a:r>
+            <a:endParaRPr lang="en-US" dirty="0">
+              <a:latin typeface="微软雅黑" panose="020B0503020204020204" pitchFamily="34" charset="-122"/>
+              <a:ea typeface="微软雅黑" panose="020B0503020204020204" pitchFamily="34" charset="-122"/>
+            </a:endParaRPr>
+          </a:p>
+        </p:txBody>
+      </p:sp>
+      <p:sp>
+        <p:nvSpPr>
+          <p:cNvPr id="3" name="内容占位符 2"/>
+          <p:cNvSpPr>
+            <a:spLocks noGrp="1"/>
+          </p:cNvSpPr>
+          <p:nvPr>
+            <p:ph idx="1"/>
+          </p:nvPr>
+        </p:nvSpPr>
+        <p:spPr/>
+        <p:txBody>
+          <a:bodyPr/>
+          <a:lstStyle/>
+          <a:p>
+            <a:r>
+              <a:rPr lang="zh-CN" altLang="en-US" dirty="0" smtClean="0"/>
+              <a:t>机构化标准</a:t>
+            </a:r>
+            <a:endParaRPr lang="en-US" altLang="zh-CN" dirty="0" smtClean="0"/>
+          </a:p>
+          <a:p>
+            <a:r>
+              <a:rPr lang="zh-CN" altLang="en-US" dirty="0" smtClean="0"/>
+              <a:t>表现标准</a:t>
+            </a:r>
+            <a:endParaRPr lang="en-US" altLang="zh-CN" dirty="0" smtClean="0"/>
+          </a:p>
+          <a:p>
+            <a:r>
+              <a:rPr lang="zh-CN" altLang="en-US" dirty="0" smtClean="0"/>
+              <a:t>行为标准</a:t>
+            </a:r>
+            <a:endParaRPr lang="en-US" altLang="zh-CN" dirty="0" smtClean="0"/>
+          </a:p>
+          <a:p>
+            <a:pPr marL="0" indent="0">
+              <a:buNone/>
+            </a:pPr>
+            <a:endParaRPr lang="en-US" dirty="0" smtClean="0"/>
+          </a:p>
+          <a:p>
+            <a:pPr marL="0" indent="0">
+              <a:buNone/>
+            </a:pPr>
+            <a:r>
+              <a:rPr lang="zh-CN" altLang="en-US" dirty="0" smtClean="0"/>
+              <a:t>验证</a:t>
+            </a:r>
+            <a:r>
+              <a:rPr lang="en-US" altLang="zh-CN" dirty="0" smtClean="0"/>
+              <a:t>:</a:t>
+            </a:r>
+          </a:p>
+          <a:p>
+            <a:r>
+              <a:rPr lang="en-US" dirty="0"/>
+              <a:t>http://</a:t>
+            </a:r>
+            <a:r>
+              <a:rPr lang="en-US" dirty="0" smtClean="0"/>
+              <a:t>www.w3school.com.cn/site/site_validate.asp</a:t>
+            </a:r>
+          </a:p>
+          <a:p>
+            <a:r>
+              <a:rPr lang="zh-CN" altLang="en-US" dirty="0" smtClean="0"/>
+              <a:t>浏览器插件</a:t>
+            </a:r>
+            <a:endParaRPr lang="en-US" dirty="0" smtClean="0"/>
+          </a:p>
+          <a:p>
+            <a:pPr marL="0" indent="0">
+              <a:buNone/>
+            </a:pPr>
+            <a:endParaRPr lang="en-US" dirty="0"/>
+          </a:p>
+        </p:txBody>
+      </p:sp>
+    </p:spTree>
+    <p:extLst>
+      <p:ext uri="{BB962C8B-B14F-4D97-AF65-F5344CB8AC3E}">
+        <p14:creationId xmlns:p14="http://schemas.microsoft.com/office/powerpoint/2010/main" val="2404099156"/>
+      </p:ext>
+    </p:extLst>
+  </p:cSld>
+  <p:clrMapOvr>
+    <a:masterClrMapping/>
+  </p:clrMapOvr>
+  <p:timing>
+    <p:tnLst>
+      <p:par>
+        <p:cTn id="1" dur="indefinite" restart="never" nodeType="tmRoot"/>
+      </p:par>
+    </p:tnLst>
+  </p:timing>
+</p:sld>
+</file>
+
+<file path=ppt/slides/slide32.xml><?xml version="1.0" encoding="utf-8"?>
+<p:sld xmlns:a="http://schemas.openxmlformats.org/drawingml/2006/main" xmlns:r="http://schemas.openxmlformats.org/officeDocument/2006/relationships" xmlns:p="http://schemas.openxmlformats.org/presentationml/2006/main">
+  <p:cSld>
+    <p:spTree>
+      <p:nvGrpSpPr>
+        <p:cNvPr id="1" name=""/>
+        <p:cNvGrpSpPr/>
+        <p:nvPr/>
+      </p:nvGrpSpPr>
+      <p:grpSpPr>
+        <a:xfrm>
+          <a:off x="0" y="0"/>
+          <a:ext cx="0" cy="0"/>
+          <a:chOff x="0" y="0"/>
+          <a:chExt cx="0" cy="0"/>
+        </a:xfrm>
+      </p:grpSpPr>
+      <p:sp>
+        <p:nvSpPr>
+          <p:cNvPr id="2" name="标题 1"/>
+          <p:cNvSpPr>
+            <a:spLocks noGrp="1"/>
+          </p:cNvSpPr>
+          <p:nvPr>
+            <p:ph type="title"/>
+          </p:nvPr>
+        </p:nvSpPr>
+        <p:spPr/>
+        <p:txBody>
+          <a:bodyPr>
+            <a:normAutofit/>
+          </a:bodyPr>
+          <a:lstStyle/>
+          <a:p>
+            <a:r>
+              <a:rPr lang="zh-CN" altLang="en-US" dirty="0">
+                <a:latin typeface="微软雅黑" panose="020B0503020204020204" pitchFamily="34" charset="-122"/>
+                <a:ea typeface="微软雅黑" panose="020B0503020204020204" pitchFamily="34" charset="-122"/>
+              </a:rPr>
+              <a:t>前端性能</a:t>
+            </a:r>
+            <a:endParaRPr lang="en-US" dirty="0">
+              <a:latin typeface="微软雅黑" panose="020B0503020204020204" pitchFamily="34" charset="-122"/>
+              <a:ea typeface="微软雅黑" panose="020B0503020204020204" pitchFamily="34" charset="-122"/>
+            </a:endParaRPr>
+          </a:p>
+        </p:txBody>
+      </p:sp>
+      <p:sp>
+        <p:nvSpPr>
+          <p:cNvPr id="3" name="内容占位符 2"/>
+          <p:cNvSpPr>
+            <a:spLocks noGrp="1"/>
+          </p:cNvSpPr>
+          <p:nvPr>
+            <p:ph idx="1"/>
+          </p:nvPr>
+        </p:nvSpPr>
+        <p:spPr/>
+        <p:txBody>
+          <a:bodyPr>
+            <a:normAutofit/>
+          </a:bodyPr>
+          <a:lstStyle/>
+          <a:p>
+            <a:r>
+              <a:rPr lang="zh-CN" altLang="en-US" sz="1800" dirty="0"/>
+              <a:t>尽量减少</a:t>
+            </a:r>
+            <a:r>
+              <a:rPr lang="en-US" altLang="zh-CN" sz="1800" dirty="0"/>
+              <a:t>HTTP</a:t>
+            </a:r>
+            <a:r>
+              <a:rPr lang="zh-CN" altLang="en-US" sz="1800" dirty="0" smtClean="0"/>
+              <a:t>请求</a:t>
+            </a:r>
+            <a:endParaRPr lang="en-US" altLang="zh-CN" sz="1800" dirty="0" smtClean="0"/>
+          </a:p>
+          <a:p>
+            <a:r>
+              <a:rPr lang="zh-CN" altLang="en-US" sz="1800" dirty="0"/>
+              <a:t>使用内容发布</a:t>
+            </a:r>
+            <a:r>
+              <a:rPr lang="zh-CN" altLang="en-US" sz="1800" dirty="0" smtClean="0"/>
+              <a:t>网络</a:t>
+            </a:r>
+            <a:r>
+              <a:rPr lang="en-US" altLang="zh-CN" sz="1800" dirty="0" smtClean="0"/>
+              <a:t>(CDN)</a:t>
+            </a:r>
+          </a:p>
+          <a:p>
+            <a:r>
+              <a:rPr lang="zh-CN" altLang="en-US" sz="1800" dirty="0"/>
+              <a:t>添加</a:t>
+            </a:r>
+            <a:r>
+              <a:rPr lang="en-US" sz="1800" dirty="0"/>
+              <a:t>Expires</a:t>
+            </a:r>
+            <a:r>
+              <a:rPr lang="zh-CN" altLang="en-US" sz="1800" dirty="0" smtClean="0"/>
+              <a:t>头</a:t>
+            </a:r>
+            <a:endParaRPr lang="en-US" altLang="zh-CN" sz="1800" dirty="0" smtClean="0"/>
+          </a:p>
+          <a:p>
+            <a:r>
+              <a:rPr lang="zh-CN" altLang="en-US" sz="1800" dirty="0"/>
+              <a:t>压缩组件（使用</a:t>
+            </a:r>
+            <a:r>
+              <a:rPr lang="en-US" altLang="zh-CN" sz="1800" dirty="0" err="1"/>
+              <a:t>Gzip</a:t>
+            </a:r>
+            <a:r>
+              <a:rPr lang="zh-CN" altLang="en-US" sz="1800" dirty="0"/>
+              <a:t>方式</a:t>
+            </a:r>
+            <a:r>
+              <a:rPr lang="zh-CN" altLang="en-US" sz="1800" dirty="0" smtClean="0"/>
+              <a:t>）</a:t>
+            </a:r>
+            <a:endParaRPr lang="en-US" altLang="zh-CN" sz="1800" dirty="0" smtClean="0"/>
+          </a:p>
+          <a:p>
+            <a:r>
+              <a:rPr lang="zh-CN" altLang="en-US" sz="1800" dirty="0"/>
+              <a:t>将</a:t>
+            </a:r>
+            <a:r>
+              <a:rPr lang="en-US" altLang="zh-CN" sz="1800" dirty="0"/>
+              <a:t>CSS</a:t>
+            </a:r>
+            <a:r>
+              <a:rPr lang="zh-CN" altLang="en-US" sz="1800" dirty="0"/>
+              <a:t>样式表放在</a:t>
+            </a:r>
+            <a:r>
+              <a:rPr lang="zh-CN" altLang="en-US" sz="1800" dirty="0" smtClean="0"/>
+              <a:t>顶部</a:t>
+            </a:r>
+            <a:endParaRPr lang="en-US" altLang="zh-CN" sz="1800" dirty="0" smtClean="0"/>
+          </a:p>
+          <a:p>
+            <a:r>
+              <a:rPr lang="zh-CN" altLang="en-US" sz="1800" dirty="0"/>
+              <a:t>将</a:t>
+            </a:r>
+            <a:r>
+              <a:rPr lang="en-US" sz="1800" dirty="0" err="1"/>
+              <a:t>javascript</a:t>
+            </a:r>
+            <a:r>
+              <a:rPr lang="zh-CN" altLang="en-US" sz="1800" dirty="0"/>
+              <a:t>脚本放在</a:t>
+            </a:r>
+            <a:r>
+              <a:rPr lang="zh-CN" altLang="en-US" sz="1800" dirty="0" smtClean="0"/>
+              <a:t>底部</a:t>
+            </a:r>
+            <a:endParaRPr lang="en-US" altLang="zh-CN" sz="1800" dirty="0" smtClean="0"/>
+          </a:p>
+          <a:p>
+            <a:r>
+              <a:rPr lang="zh-CN" altLang="en-US" sz="1800" dirty="0"/>
+              <a:t>避免使用</a:t>
+            </a:r>
+            <a:r>
+              <a:rPr lang="en-US" altLang="zh-CN" sz="1800" dirty="0"/>
+              <a:t>CSS</a:t>
+            </a:r>
+            <a:r>
+              <a:rPr lang="zh-CN" altLang="en-US" sz="1800" dirty="0" smtClean="0"/>
+              <a:t>表达式</a:t>
+            </a:r>
+            <a:endParaRPr lang="en-US" altLang="zh-CN" sz="1800" dirty="0" smtClean="0"/>
+          </a:p>
+          <a:p>
+            <a:r>
+              <a:rPr lang="zh-CN" altLang="en-US" sz="1800" dirty="0"/>
+              <a:t>使用外部</a:t>
+            </a:r>
+            <a:r>
+              <a:rPr lang="en-US" sz="1800" dirty="0" err="1"/>
+              <a:t>javascript</a:t>
+            </a:r>
+            <a:r>
+              <a:rPr lang="zh-CN" altLang="en-US" sz="1800" dirty="0"/>
+              <a:t>和</a:t>
+            </a:r>
+            <a:r>
+              <a:rPr lang="en-US" sz="1800" dirty="0" smtClean="0"/>
+              <a:t>CSS</a:t>
+            </a:r>
+          </a:p>
+          <a:p>
+            <a:r>
+              <a:rPr lang="zh-CN" altLang="en-US" sz="1800" dirty="0"/>
+              <a:t>减少</a:t>
+            </a:r>
+            <a:r>
+              <a:rPr lang="en-US" sz="1800" dirty="0"/>
+              <a:t>DNS</a:t>
+            </a:r>
+            <a:r>
+              <a:rPr lang="zh-CN" altLang="en-US" sz="1800" dirty="0" smtClean="0"/>
+              <a:t>查询</a:t>
+            </a:r>
+            <a:endParaRPr lang="en-US" altLang="zh-CN" sz="1800" dirty="0" smtClean="0"/>
+          </a:p>
+          <a:p>
+            <a:r>
+              <a:rPr lang="zh-CN" altLang="en-US" sz="1800" dirty="0"/>
+              <a:t>精简</a:t>
+            </a:r>
+            <a:r>
+              <a:rPr lang="en-US" sz="1800" dirty="0" err="1" smtClean="0"/>
+              <a:t>javascript</a:t>
+            </a:r>
+            <a:endParaRPr lang="en-US" sz="1800" dirty="0" smtClean="0"/>
+          </a:p>
+          <a:p>
+            <a:r>
+              <a:rPr lang="zh-CN" altLang="en-US" sz="1800" dirty="0" smtClean="0"/>
+              <a:t>使</a:t>
+            </a:r>
+            <a:r>
+              <a:rPr lang="en-US" sz="1800" dirty="0"/>
+              <a:t>Ajax</a:t>
+            </a:r>
+            <a:r>
+              <a:rPr lang="zh-CN" altLang="en-US" sz="1800" dirty="0"/>
+              <a:t>可</a:t>
+            </a:r>
+            <a:r>
+              <a:rPr lang="zh-CN" altLang="en-US" sz="1800" dirty="0" smtClean="0"/>
+              <a:t>缓存数据到本地</a:t>
+            </a:r>
+            <a:endParaRPr lang="en-US" sz="1800" dirty="0" smtClean="0"/>
+          </a:p>
+        </p:txBody>
+      </p:sp>
+    </p:spTree>
+    <p:extLst>
+      <p:ext uri="{BB962C8B-B14F-4D97-AF65-F5344CB8AC3E}">
+        <p14:creationId xmlns:p14="http://schemas.microsoft.com/office/powerpoint/2010/main" val="1574961573"/>
+      </p:ext>
+    </p:extLst>
+  </p:cSld>
+  <p:clrMapOvr>
+    <a:masterClrMapping/>
+  </p:clrMapOvr>
+  <p:timing>
+    <p:tnLst>
+      <p:par>
+        <p:cTn id="1" dur="indefinite" restart="never" nodeType="tmRoot"/>
+      </p:par>
+    </p:tnLst>
+  </p:timing>
+</p:sld>
+</file>
+
+<file path=ppt/slides/slide33.xml><?xml version="1.0" encoding="utf-8"?>
+<p:sld xmlns:a="http://schemas.openxmlformats.org/drawingml/2006/main" xmlns:r="http://schemas.openxmlformats.org/officeDocument/2006/relationships" xmlns:p="http://schemas.openxmlformats.org/presentationml/2006/main">
+  <p:cSld>
+    <p:spTree>
+      <p:nvGrpSpPr>
+        <p:cNvPr id="1" name=""/>
+        <p:cNvGrpSpPr/>
+        <p:nvPr/>
+      </p:nvGrpSpPr>
+      <p:grpSpPr>
+        <a:xfrm>
+          <a:off x="0" y="0"/>
+          <a:ext cx="0" cy="0"/>
+          <a:chOff x="0" y="0"/>
+          <a:chExt cx="0" cy="0"/>
+        </a:xfrm>
+      </p:grpSpPr>
+      <p:sp>
+        <p:nvSpPr>
+          <p:cNvPr id="2" name="标题 1"/>
+          <p:cNvSpPr>
+            <a:spLocks noGrp="1"/>
+          </p:cNvSpPr>
+          <p:nvPr>
+            <p:ph type="title"/>
+          </p:nvPr>
+        </p:nvSpPr>
+        <p:spPr/>
+        <p:txBody>
+          <a:bodyPr/>
+          <a:lstStyle/>
+          <a:p>
+            <a:r>
               <a:rPr lang="zh-CN" altLang="en-US" b="1" dirty="0"/>
               <a:t>把你份内之事做到</a:t>
             </a:r>
@@ -8062,11 +8585,7 @@
           <a:p>
             <a:r>
               <a:rPr lang="zh-CN" altLang="en-US" dirty="0" smtClean="0"/>
-              <a:t>玉</a:t>
-            </a:r>
-            <a:r>
-              <a:rPr lang="zh-CN" altLang="en-US" dirty="0" smtClean="0"/>
-              <a:t>伯</a:t>
+              <a:t>玉伯</a:t>
             </a:r>
             <a:endParaRPr lang="en-US" altLang="zh-CN" dirty="0" smtClean="0"/>
           </a:p>
@@ -8099,7 +8618,7 @@
 </p:sld>
 </file>
 
-<file path=ppt/slides/slide31.xml><?xml version="1.0" encoding="utf-8"?>
+<file path=ppt/slides/slide34.xml><?xml version="1.0" encoding="utf-8"?>
 <p:sld xmlns:a="http://schemas.openxmlformats.org/drawingml/2006/main" xmlns:r="http://schemas.openxmlformats.org/officeDocument/2006/relationships" xmlns:p="http://schemas.openxmlformats.org/presentationml/2006/main">
   <p:cSld>
     <p:spTree>
